--- a/03-h-Mn/Pictures/Spinstructv2.pptx
+++ b/03-h-Mn/Pictures/Spinstructv2.pptx
@@ -192,7 +192,7 @@
           <a:p>
             <a:fld id="{A3EF6FB5-136D-4CF9-BD29-BEE1BA05A92C}" type="datetimeFigureOut">
               <a:rPr lang="fr-FR" smtClean="0"/>
-              <a:t>11/07/2017</a:t>
+              <a:t>12/07/2017</a:t>
             </a:fld>
             <a:endParaRPr lang="fr-FR"/>
           </a:p>
@@ -730,7 +730,7 @@
           <a:p>
             <a:fld id="{A5FDAA2F-14BA-4317-9AFA-84C92A21E2BC}" type="datetimeFigureOut">
               <a:rPr lang="fr-FR" smtClean="0"/>
-              <a:t>11/07/2017</a:t>
+              <a:t>12/07/2017</a:t>
             </a:fld>
             <a:endParaRPr lang="fr-FR"/>
           </a:p>
@@ -900,7 +900,7 @@
           <a:p>
             <a:fld id="{A5FDAA2F-14BA-4317-9AFA-84C92A21E2BC}" type="datetimeFigureOut">
               <a:rPr lang="fr-FR" smtClean="0"/>
-              <a:t>11/07/2017</a:t>
+              <a:t>12/07/2017</a:t>
             </a:fld>
             <a:endParaRPr lang="fr-FR"/>
           </a:p>
@@ -1080,7 +1080,7 @@
           <a:p>
             <a:fld id="{A5FDAA2F-14BA-4317-9AFA-84C92A21E2BC}" type="datetimeFigureOut">
               <a:rPr lang="fr-FR" smtClean="0"/>
-              <a:t>11/07/2017</a:t>
+              <a:t>12/07/2017</a:t>
             </a:fld>
             <a:endParaRPr lang="fr-FR"/>
           </a:p>
@@ -1250,7 +1250,7 @@
           <a:p>
             <a:fld id="{A5FDAA2F-14BA-4317-9AFA-84C92A21E2BC}" type="datetimeFigureOut">
               <a:rPr lang="fr-FR" smtClean="0"/>
-              <a:t>11/07/2017</a:t>
+              <a:t>12/07/2017</a:t>
             </a:fld>
             <a:endParaRPr lang="fr-FR"/>
           </a:p>
@@ -1496,7 +1496,7 @@
           <a:p>
             <a:fld id="{A5FDAA2F-14BA-4317-9AFA-84C92A21E2BC}" type="datetimeFigureOut">
               <a:rPr lang="fr-FR" smtClean="0"/>
-              <a:t>11/07/2017</a:t>
+              <a:t>12/07/2017</a:t>
             </a:fld>
             <a:endParaRPr lang="fr-FR"/>
           </a:p>
@@ -1784,7 +1784,7 @@
           <a:p>
             <a:fld id="{A5FDAA2F-14BA-4317-9AFA-84C92A21E2BC}" type="datetimeFigureOut">
               <a:rPr lang="fr-FR" smtClean="0"/>
-              <a:t>11/07/2017</a:t>
+              <a:t>12/07/2017</a:t>
             </a:fld>
             <a:endParaRPr lang="fr-FR"/>
           </a:p>
@@ -2206,7 +2206,7 @@
           <a:p>
             <a:fld id="{A5FDAA2F-14BA-4317-9AFA-84C92A21E2BC}" type="datetimeFigureOut">
               <a:rPr lang="fr-FR" smtClean="0"/>
-              <a:t>11/07/2017</a:t>
+              <a:t>12/07/2017</a:t>
             </a:fld>
             <a:endParaRPr lang="fr-FR"/>
           </a:p>
@@ -2324,7 +2324,7 @@
           <a:p>
             <a:fld id="{A5FDAA2F-14BA-4317-9AFA-84C92A21E2BC}" type="datetimeFigureOut">
               <a:rPr lang="fr-FR" smtClean="0"/>
-              <a:t>11/07/2017</a:t>
+              <a:t>12/07/2017</a:t>
             </a:fld>
             <a:endParaRPr lang="fr-FR"/>
           </a:p>
@@ -2419,7 +2419,7 @@
           <a:p>
             <a:fld id="{A5FDAA2F-14BA-4317-9AFA-84C92A21E2BC}" type="datetimeFigureOut">
               <a:rPr lang="fr-FR" smtClean="0"/>
-              <a:t>11/07/2017</a:t>
+              <a:t>12/07/2017</a:t>
             </a:fld>
             <a:endParaRPr lang="fr-FR"/>
           </a:p>
@@ -2696,7 +2696,7 @@
           <a:p>
             <a:fld id="{A5FDAA2F-14BA-4317-9AFA-84C92A21E2BC}" type="datetimeFigureOut">
               <a:rPr lang="fr-FR" smtClean="0"/>
-              <a:t>11/07/2017</a:t>
+              <a:t>12/07/2017</a:t>
             </a:fld>
             <a:endParaRPr lang="fr-FR"/>
           </a:p>
@@ -2949,7 +2949,7 @@
           <a:p>
             <a:fld id="{A5FDAA2F-14BA-4317-9AFA-84C92A21E2BC}" type="datetimeFigureOut">
               <a:rPr lang="fr-FR" smtClean="0"/>
-              <a:t>11/07/2017</a:t>
+              <a:t>12/07/2017</a:t>
             </a:fld>
             <a:endParaRPr lang="fr-FR"/>
           </a:p>
@@ -3162,7 +3162,7 @@
           <a:p>
             <a:fld id="{A5FDAA2F-14BA-4317-9AFA-84C92A21E2BC}" type="datetimeFigureOut">
               <a:rPr lang="fr-FR" smtClean="0"/>
-              <a:t>11/07/2017</a:t>
+              <a:t>12/07/2017</a:t>
             </a:fld>
             <a:endParaRPr lang="fr-FR"/>
           </a:p>
@@ -3545,10 +3545,10 @@
         </p:nvGrpSpPr>
         <p:grpSpPr>
           <a:xfrm>
-            <a:off x="1260500" y="-1965"/>
-            <a:ext cx="4055235" cy="4176464"/>
-            <a:chOff x="-27295" y="-1965"/>
-            <a:chExt cx="4055235" cy="4176464"/>
+            <a:off x="1277026" y="-1965"/>
+            <a:ext cx="4038709" cy="4176464"/>
+            <a:chOff x="-10769" y="-1965"/>
+            <a:chExt cx="4038709" cy="4176464"/>
           </a:xfrm>
         </p:grpSpPr>
         <p:sp>
@@ -6268,252 +6268,6 @@
             </a:p>
           </p:txBody>
         </p:sp>
-        <p:sp>
-          <p:nvSpPr>
-            <p:cNvPr id="583" name="Text Box 56"/>
-            <p:cNvSpPr txBox="1">
-              <a:spLocks noChangeArrowheads="1"/>
-            </p:cNvSpPr>
-            <p:nvPr/>
-          </p:nvSpPr>
-          <p:spPr bwMode="auto">
-            <a:xfrm>
-              <a:off x="-27295" y="663665"/>
-              <a:ext cx="1203700" cy="369332"/>
-            </a:xfrm>
-            <a:prstGeom prst="rect">
-              <a:avLst/>
-            </a:prstGeom>
-            <a:noFill/>
-            <a:ln>
-              <a:noFill/>
-            </a:ln>
-            <a:extLst>
-              <a:ext uri="{909E8E84-426E-40DD-AFC4-6F175D3DCCD1}">
-                <a14:hiddenFill xmlns:a14="http://schemas.microsoft.com/office/drawing/2010/main">
-                  <a:solidFill>
-                    <a:srgbClr val="FFFFFF"/>
-                  </a:solidFill>
-                </a14:hiddenFill>
-              </a:ext>
-              <a:ext uri="{91240B29-F687-4F45-9708-019B960494DF}">
-                <a14:hiddenLine xmlns:a14="http://schemas.microsoft.com/office/drawing/2010/main" w="9525">
-                  <a:solidFill>
-                    <a:srgbClr val="000000"/>
-                  </a:solidFill>
-                  <a:miter lim="800000"/>
-                  <a:headEnd/>
-                  <a:tailEnd/>
-                </a14:hiddenLine>
-              </a:ext>
-            </a:extLst>
-          </p:spPr>
-          <p:txBody>
-            <a:bodyPr wrap="square">
-              <a:spAutoFit/>
-            </a:bodyPr>
-            <a:lstStyle>
-              <a:lvl1pPr>
-                <a:defRPr>
-                  <a:solidFill>
-                    <a:schemeClr val="tx1"/>
-                  </a:solidFill>
-                  <a:latin typeface="Arial" charset="0"/>
-                </a:defRPr>
-              </a:lvl1pPr>
-              <a:lvl2pPr marL="742950" indent="-285750">
-                <a:defRPr>
-                  <a:solidFill>
-                    <a:schemeClr val="tx1"/>
-                  </a:solidFill>
-                  <a:latin typeface="Arial" charset="0"/>
-                </a:defRPr>
-              </a:lvl2pPr>
-              <a:lvl3pPr marL="1143000" indent="-228600">
-                <a:defRPr>
-                  <a:solidFill>
-                    <a:schemeClr val="tx1"/>
-                  </a:solidFill>
-                  <a:latin typeface="Arial" charset="0"/>
-                </a:defRPr>
-              </a:lvl3pPr>
-              <a:lvl4pPr marL="1600200" indent="-228600">
-                <a:defRPr>
-                  <a:solidFill>
-                    <a:schemeClr val="tx1"/>
-                  </a:solidFill>
-                  <a:latin typeface="Arial" charset="0"/>
-                </a:defRPr>
-              </a:lvl4pPr>
-              <a:lvl5pPr marL="2057400" indent="-228600">
-                <a:defRPr>
-                  <a:solidFill>
-                    <a:schemeClr val="tx1"/>
-                  </a:solidFill>
-                  <a:latin typeface="Arial" charset="0"/>
-                </a:defRPr>
-              </a:lvl5pPr>
-              <a:lvl6pPr marL="2514600" indent="-228600" fontAlgn="base">
-                <a:spcBef>
-                  <a:spcPct val="0"/>
-                </a:spcBef>
-                <a:spcAft>
-                  <a:spcPct val="0"/>
-                </a:spcAft>
-                <a:defRPr>
-                  <a:solidFill>
-                    <a:schemeClr val="tx1"/>
-                  </a:solidFill>
-                  <a:latin typeface="Arial" charset="0"/>
-                </a:defRPr>
-              </a:lvl6pPr>
-              <a:lvl7pPr marL="2971800" indent="-228600" fontAlgn="base">
-                <a:spcBef>
-                  <a:spcPct val="0"/>
-                </a:spcBef>
-                <a:spcAft>
-                  <a:spcPct val="0"/>
-                </a:spcAft>
-                <a:defRPr>
-                  <a:solidFill>
-                    <a:schemeClr val="tx1"/>
-                  </a:solidFill>
-                  <a:latin typeface="Arial" charset="0"/>
-                </a:defRPr>
-              </a:lvl7pPr>
-              <a:lvl8pPr marL="3429000" indent="-228600" fontAlgn="base">
-                <a:spcBef>
-                  <a:spcPct val="0"/>
-                </a:spcBef>
-                <a:spcAft>
-                  <a:spcPct val="0"/>
-                </a:spcAft>
-                <a:defRPr>
-                  <a:solidFill>
-                    <a:schemeClr val="tx1"/>
-                  </a:solidFill>
-                  <a:latin typeface="Arial" charset="0"/>
-                </a:defRPr>
-              </a:lvl8pPr>
-              <a:lvl9pPr marL="3886200" indent="-228600" fontAlgn="base">
-                <a:spcBef>
-                  <a:spcPct val="0"/>
-                </a:spcBef>
-                <a:spcAft>
-                  <a:spcPct val="0"/>
-                </a:spcAft>
-                <a:defRPr>
-                  <a:solidFill>
-                    <a:schemeClr val="tx1"/>
-                  </a:solidFill>
-                  <a:latin typeface="Arial" charset="0"/>
-                </a:defRPr>
-              </a:lvl9pPr>
-            </a:lstStyle>
-            <a:p>
-              <a:pPr eaLnBrk="0" hangingPunct="0"/>
-              <a:r>
-                <a:rPr lang="en-US" b="1" dirty="0" smtClean="0">
-                  <a:solidFill>
-                    <a:srgbClr val="009900"/>
-                  </a:solidFill>
-                  <a:latin typeface="Monotype Corsiva" panose="03010101010201010101" pitchFamily="66" charset="0"/>
-                </a:rPr>
-                <a:t>E </a:t>
-              </a:r>
-              <a:r>
-                <a:rPr lang="en-US" b="1" dirty="0">
-                  <a:solidFill>
-                    <a:srgbClr val="009900"/>
-                  </a:solidFill>
-                  <a:latin typeface="Monotype Corsiva" panose="03010101010201010101" pitchFamily="66" charset="0"/>
-                </a:rPr>
-                <a:t>(</a:t>
-              </a:r>
-              <a:r>
-                <a:rPr lang="en-US" b="1" i="1" dirty="0" smtClean="0">
-                  <a:solidFill>
-                    <a:srgbClr val="009900"/>
-                  </a:solidFill>
-                  <a:latin typeface="Monotype Corsiva" panose="03010101010201010101" pitchFamily="66" charset="0"/>
-                </a:rPr>
-                <a:t>S</a:t>
-              </a:r>
-              <a:r>
-                <a:rPr lang="en-US" b="1" i="1" baseline="-25000" dirty="0">
-                  <a:solidFill>
-                    <a:srgbClr val="009900"/>
-                  </a:solidFill>
-                  <a:latin typeface="Monotype Corsiva" panose="03010101010201010101" pitchFamily="66" charset="0"/>
-                </a:rPr>
-                <a:t>y</a:t>
-              </a:r>
-              <a:r>
-                <a:rPr lang="en-US" b="1" baseline="30000" dirty="0" smtClean="0">
-                  <a:solidFill>
-                    <a:srgbClr val="009900"/>
-                  </a:solidFill>
-                  <a:latin typeface="Monotype Corsiva" panose="03010101010201010101" pitchFamily="66" charset="0"/>
-                </a:rPr>
-                <a:t>2</a:t>
-              </a:r>
-              <a:r>
-                <a:rPr lang="en-US" b="1" dirty="0" smtClean="0">
-                  <a:solidFill>
-                    <a:srgbClr val="009900"/>
-                  </a:solidFill>
-                  <a:latin typeface="Monotype Corsiva" panose="03010101010201010101" pitchFamily="66" charset="0"/>
-                </a:rPr>
-                <a:t> </a:t>
-              </a:r>
-              <a:r>
-                <a:rPr lang="en-US" b="1" dirty="0">
-                  <a:solidFill>
-                    <a:srgbClr val="009900"/>
-                  </a:solidFill>
-                  <a:latin typeface="Monotype Corsiva" panose="03010101010201010101" pitchFamily="66" charset="0"/>
-                </a:rPr>
-                <a:t>- </a:t>
-              </a:r>
-              <a:r>
-                <a:rPr lang="en-US" b="1" i="1" dirty="0" smtClean="0">
-                  <a:solidFill>
-                    <a:srgbClr val="009900"/>
-                  </a:solidFill>
-                  <a:latin typeface="Monotype Corsiva" panose="03010101010201010101" pitchFamily="66" charset="0"/>
-                </a:rPr>
-                <a:t>S</a:t>
-              </a:r>
-              <a:r>
-                <a:rPr lang="en-US" b="1" i="1" baseline="-25000" dirty="0">
-                  <a:solidFill>
-                    <a:srgbClr val="009900"/>
-                  </a:solidFill>
-                  <a:latin typeface="Monotype Corsiva" panose="03010101010201010101" pitchFamily="66" charset="0"/>
-                </a:rPr>
-                <a:t>x</a:t>
-              </a:r>
-              <a:r>
-                <a:rPr lang="en-US" b="1" baseline="30000" dirty="0" smtClean="0">
-                  <a:solidFill>
-                    <a:srgbClr val="009900"/>
-                  </a:solidFill>
-                  <a:latin typeface="Monotype Corsiva" panose="03010101010201010101" pitchFamily="66" charset="0"/>
-                </a:rPr>
-                <a:t>2</a:t>
-              </a:r>
-              <a:r>
-                <a:rPr lang="en-US" b="1" dirty="0">
-                  <a:solidFill>
-                    <a:srgbClr val="009900"/>
-                  </a:solidFill>
-                  <a:latin typeface="Monotype Corsiva" panose="03010101010201010101" pitchFamily="66" charset="0"/>
-                </a:rPr>
-                <a:t>)</a:t>
-              </a:r>
-            </a:p>
-          </p:txBody>
-        </p:sp>
         <mc:AlternateContent xmlns:mc="http://schemas.openxmlformats.org/markup-compatibility/2006" xmlns:a14="http://schemas.microsoft.com/office/drawing/2010/main">
           <mc:Choice Requires="a14">
             <p:sp>

--- a/03-h-Mn/Pictures/Spinstructv2.pptx
+++ b/03-h-Mn/Pictures/Spinstructv2.pptx
@@ -192,7 +192,7 @@
           <a:p>
             <a:fld id="{A3EF6FB5-136D-4CF9-BD29-BEE1BA05A92C}" type="datetimeFigureOut">
               <a:rPr lang="fr-FR" smtClean="0"/>
-              <a:t>12/07/2017</a:t>
+              <a:t>13/07/2017</a:t>
             </a:fld>
             <a:endParaRPr lang="fr-FR"/>
           </a:p>
@@ -730,7 +730,7 @@
           <a:p>
             <a:fld id="{A5FDAA2F-14BA-4317-9AFA-84C92A21E2BC}" type="datetimeFigureOut">
               <a:rPr lang="fr-FR" smtClean="0"/>
-              <a:t>12/07/2017</a:t>
+              <a:t>13/07/2017</a:t>
             </a:fld>
             <a:endParaRPr lang="fr-FR"/>
           </a:p>
@@ -900,7 +900,7 @@
           <a:p>
             <a:fld id="{A5FDAA2F-14BA-4317-9AFA-84C92A21E2BC}" type="datetimeFigureOut">
               <a:rPr lang="fr-FR" smtClean="0"/>
-              <a:t>12/07/2017</a:t>
+              <a:t>13/07/2017</a:t>
             </a:fld>
             <a:endParaRPr lang="fr-FR"/>
           </a:p>
@@ -1080,7 +1080,7 @@
           <a:p>
             <a:fld id="{A5FDAA2F-14BA-4317-9AFA-84C92A21E2BC}" type="datetimeFigureOut">
               <a:rPr lang="fr-FR" smtClean="0"/>
-              <a:t>12/07/2017</a:t>
+              <a:t>13/07/2017</a:t>
             </a:fld>
             <a:endParaRPr lang="fr-FR"/>
           </a:p>
@@ -1250,7 +1250,7 @@
           <a:p>
             <a:fld id="{A5FDAA2F-14BA-4317-9AFA-84C92A21E2BC}" type="datetimeFigureOut">
               <a:rPr lang="fr-FR" smtClean="0"/>
-              <a:t>12/07/2017</a:t>
+              <a:t>13/07/2017</a:t>
             </a:fld>
             <a:endParaRPr lang="fr-FR"/>
           </a:p>
@@ -1496,7 +1496,7 @@
           <a:p>
             <a:fld id="{A5FDAA2F-14BA-4317-9AFA-84C92A21E2BC}" type="datetimeFigureOut">
               <a:rPr lang="fr-FR" smtClean="0"/>
-              <a:t>12/07/2017</a:t>
+              <a:t>13/07/2017</a:t>
             </a:fld>
             <a:endParaRPr lang="fr-FR"/>
           </a:p>
@@ -1784,7 +1784,7 @@
           <a:p>
             <a:fld id="{A5FDAA2F-14BA-4317-9AFA-84C92A21E2BC}" type="datetimeFigureOut">
               <a:rPr lang="fr-FR" smtClean="0"/>
-              <a:t>12/07/2017</a:t>
+              <a:t>13/07/2017</a:t>
             </a:fld>
             <a:endParaRPr lang="fr-FR"/>
           </a:p>
@@ -2206,7 +2206,7 @@
           <a:p>
             <a:fld id="{A5FDAA2F-14BA-4317-9AFA-84C92A21E2BC}" type="datetimeFigureOut">
               <a:rPr lang="fr-FR" smtClean="0"/>
-              <a:t>12/07/2017</a:t>
+              <a:t>13/07/2017</a:t>
             </a:fld>
             <a:endParaRPr lang="fr-FR"/>
           </a:p>
@@ -2324,7 +2324,7 @@
           <a:p>
             <a:fld id="{A5FDAA2F-14BA-4317-9AFA-84C92A21E2BC}" type="datetimeFigureOut">
               <a:rPr lang="fr-FR" smtClean="0"/>
-              <a:t>12/07/2017</a:t>
+              <a:t>13/07/2017</a:t>
             </a:fld>
             <a:endParaRPr lang="fr-FR"/>
           </a:p>
@@ -2419,7 +2419,7 @@
           <a:p>
             <a:fld id="{A5FDAA2F-14BA-4317-9AFA-84C92A21E2BC}" type="datetimeFigureOut">
               <a:rPr lang="fr-FR" smtClean="0"/>
-              <a:t>12/07/2017</a:t>
+              <a:t>13/07/2017</a:t>
             </a:fld>
             <a:endParaRPr lang="fr-FR"/>
           </a:p>
@@ -2696,7 +2696,7 @@
           <a:p>
             <a:fld id="{A5FDAA2F-14BA-4317-9AFA-84C92A21E2BC}" type="datetimeFigureOut">
               <a:rPr lang="fr-FR" smtClean="0"/>
-              <a:t>12/07/2017</a:t>
+              <a:t>13/07/2017</a:t>
             </a:fld>
             <a:endParaRPr lang="fr-FR"/>
           </a:p>
@@ -2949,7 +2949,7 @@
           <a:p>
             <a:fld id="{A5FDAA2F-14BA-4317-9AFA-84C92A21E2BC}" type="datetimeFigureOut">
               <a:rPr lang="fr-FR" smtClean="0"/>
-              <a:t>12/07/2017</a:t>
+              <a:t>13/07/2017</a:t>
             </a:fld>
             <a:endParaRPr lang="fr-FR"/>
           </a:p>
@@ -3162,7 +3162,7 @@
           <a:p>
             <a:fld id="{A5FDAA2F-14BA-4317-9AFA-84C92A21E2BC}" type="datetimeFigureOut">
               <a:rPr lang="fr-FR" smtClean="0"/>
-              <a:t>12/07/2017</a:t>
+              <a:t>13/07/2017</a:t>
             </a:fld>
             <a:endParaRPr lang="fr-FR"/>
           </a:p>
@@ -3537,2988 +3537,2971 @@
           <a:chExt cx="0" cy="0"/>
         </a:xfrm>
       </p:grpSpPr>
-      <p:grpSp>
-        <p:nvGrpSpPr>
-          <p:cNvPr id="1026" name="Groupe 1025"/>
-          <p:cNvGrpSpPr/>
+      <p:sp>
+        <p:nvSpPr>
+          <p:cNvPr id="521" name="ZoneTexte 520"/>
+          <p:cNvSpPr txBox="1"/>
           <p:nvPr/>
-        </p:nvGrpSpPr>
-        <p:grpSpPr>
-          <a:xfrm>
-            <a:off x="1277026" y="-1965"/>
-            <a:ext cx="4038709" cy="4176464"/>
-            <a:chOff x="-10769" y="-1965"/>
-            <a:chExt cx="4038709" cy="4176464"/>
-          </a:xfrm>
-        </p:grpSpPr>
-        <p:sp>
-          <p:nvSpPr>
-            <p:cNvPr id="521" name="ZoneTexte 520"/>
-            <p:cNvSpPr txBox="1"/>
-            <p:nvPr/>
-          </p:nvSpPr>
-          <p:spPr>
-            <a:xfrm>
-              <a:off x="100142" y="132759"/>
-              <a:ext cx="441146" cy="369332"/>
-            </a:xfrm>
-            <a:prstGeom prst="rect">
-              <a:avLst/>
-            </a:prstGeom>
-            <a:noFill/>
-          </p:spPr>
-          <p:txBody>
-            <a:bodyPr wrap="none" rtlCol="0">
-              <a:spAutoFit/>
-            </a:bodyPr>
-            <a:lstStyle/>
-            <a:p>
-              <a:r>
-                <a:rPr lang="fr-FR" dirty="0" smtClean="0">
-                  <a:latin typeface="Times New Roman" panose="02020603050405020304" pitchFamily="18" charset="0"/>
-                  <a:cs typeface="Times New Roman" panose="02020603050405020304" pitchFamily="18" charset="0"/>
-                </a:rPr>
-                <a:t>(a)</a:t>
-              </a:r>
-              <a:endParaRPr lang="en-US" dirty="0">
+        </p:nvSpPr>
+        <p:spPr>
+          <a:xfrm>
+            <a:off x="1387937" y="132759"/>
+            <a:ext cx="441146" cy="369332"/>
+          </a:xfrm>
+          <a:prstGeom prst="rect">
+            <a:avLst/>
+          </a:prstGeom>
+          <a:noFill/>
+        </p:spPr>
+        <p:txBody>
+          <a:bodyPr wrap="none" rtlCol="0">
+            <a:spAutoFit/>
+          </a:bodyPr>
+          <a:lstStyle/>
+          <a:p>
+            <a:r>
+              <a:rPr lang="fr-FR" dirty="0" smtClean="0">
                 <a:latin typeface="Times New Roman" panose="02020603050405020304" pitchFamily="18" charset="0"/>
                 <a:cs typeface="Times New Roman" panose="02020603050405020304" pitchFamily="18" charset="0"/>
-              </a:endParaRPr>
-            </a:p>
-          </p:txBody>
-        </p:sp>
-        <p:sp>
-          <p:nvSpPr>
-            <p:cNvPr id="522" name="Line 17"/>
-            <p:cNvSpPr>
-              <a:spLocks noChangeShapeType="1"/>
-            </p:cNvSpPr>
-            <p:nvPr/>
-          </p:nvSpPr>
-          <p:spPr bwMode="auto">
-            <a:xfrm>
-              <a:off x="1239896" y="502091"/>
-              <a:ext cx="191572" cy="0"/>
-            </a:xfrm>
-            <a:prstGeom prst="line">
-              <a:avLst/>
-            </a:prstGeom>
-            <a:noFill/>
-            <a:ln w="28575">
-              <a:solidFill>
-                <a:schemeClr val="tx1"/>
-              </a:solidFill>
-              <a:round/>
-              <a:headEnd/>
-              <a:tailEnd/>
-            </a:ln>
-            <a:effectLst/>
-            <a:extLst>
-              <a:ext uri="{909E8E84-426E-40DD-AFC4-6F175D3DCCD1}">
-                <a14:hiddenFill xmlns:a14="http://schemas.microsoft.com/office/drawing/2010/main">
-                  <a:noFill/>
-                </a14:hiddenFill>
-              </a:ext>
-              <a:ext uri="{AF507438-7753-43E0-B8FC-AC1667EBCBE1}">
-                <a14:hiddenEffects xmlns:a14="http://schemas.microsoft.com/office/drawing/2010/main">
-                  <a:effectLst>
-                    <a:outerShdw dist="35921" dir="2700000" algn="ctr" rotWithShape="0">
-                      <a:schemeClr val="bg2"/>
-                    </a:outerShdw>
-                  </a:effectLst>
-                </a14:hiddenEffects>
-              </a:ext>
-            </a:extLst>
-          </p:spPr>
-          <p:txBody>
-            <a:bodyPr/>
-            <a:lstStyle/>
-            <a:p>
-              <a:endParaRPr lang="en-US"/>
-            </a:p>
-          </p:txBody>
-        </p:sp>
-        <p:sp>
-          <p:nvSpPr>
-            <p:cNvPr id="523" name="Line 17"/>
-            <p:cNvSpPr>
-              <a:spLocks noChangeShapeType="1"/>
-            </p:cNvSpPr>
-            <p:nvPr/>
-          </p:nvSpPr>
-          <p:spPr bwMode="auto">
-            <a:xfrm>
-              <a:off x="1679537" y="405946"/>
-              <a:ext cx="191572" cy="0"/>
-            </a:xfrm>
-            <a:prstGeom prst="line">
-              <a:avLst/>
-            </a:prstGeom>
-            <a:noFill/>
-            <a:ln w="28575">
-              <a:solidFill>
-                <a:schemeClr val="tx1"/>
-              </a:solidFill>
-              <a:round/>
-              <a:headEnd/>
-              <a:tailEnd/>
-            </a:ln>
-            <a:effectLst/>
-            <a:extLst>
-              <a:ext uri="{909E8E84-426E-40DD-AFC4-6F175D3DCCD1}">
-                <a14:hiddenFill xmlns:a14="http://schemas.microsoft.com/office/drawing/2010/main">
-                  <a:noFill/>
-                </a14:hiddenFill>
-              </a:ext>
-              <a:ext uri="{AF507438-7753-43E0-B8FC-AC1667EBCBE1}">
-                <a14:hiddenEffects xmlns:a14="http://schemas.microsoft.com/office/drawing/2010/main">
-                  <a:effectLst>
-                    <a:outerShdw dist="35921" dir="2700000" algn="ctr" rotWithShape="0">
-                      <a:schemeClr val="bg2"/>
-                    </a:outerShdw>
-                  </a:effectLst>
-                </a14:hiddenEffects>
-              </a:ext>
-            </a:extLst>
-          </p:spPr>
-          <p:txBody>
-            <a:bodyPr/>
-            <a:lstStyle/>
-            <a:p>
-              <a:endParaRPr lang="en-US"/>
-            </a:p>
-          </p:txBody>
-        </p:sp>
-        <p:sp>
-          <p:nvSpPr>
-            <p:cNvPr id="524" name="Line 17"/>
-            <p:cNvSpPr>
-              <a:spLocks noChangeShapeType="1"/>
-            </p:cNvSpPr>
-            <p:nvPr/>
-          </p:nvSpPr>
-          <p:spPr bwMode="auto">
-            <a:xfrm>
-              <a:off x="2116206" y="502091"/>
-              <a:ext cx="191572" cy="0"/>
-            </a:xfrm>
-            <a:prstGeom prst="line">
-              <a:avLst/>
-            </a:prstGeom>
-            <a:noFill/>
-            <a:ln w="28575">
-              <a:solidFill>
-                <a:schemeClr val="tx1"/>
-              </a:solidFill>
-              <a:round/>
-              <a:headEnd/>
-              <a:tailEnd/>
-            </a:ln>
-            <a:effectLst/>
-            <a:extLst>
-              <a:ext uri="{909E8E84-426E-40DD-AFC4-6F175D3DCCD1}">
-                <a14:hiddenFill xmlns:a14="http://schemas.microsoft.com/office/drawing/2010/main">
-                  <a:noFill/>
-                </a14:hiddenFill>
-              </a:ext>
-              <a:ext uri="{AF507438-7753-43E0-B8FC-AC1667EBCBE1}">
-                <a14:hiddenEffects xmlns:a14="http://schemas.microsoft.com/office/drawing/2010/main">
-                  <a:effectLst>
-                    <a:outerShdw dist="35921" dir="2700000" algn="ctr" rotWithShape="0">
-                      <a:schemeClr val="bg2"/>
-                    </a:outerShdw>
-                  </a:effectLst>
-                </a14:hiddenEffects>
-              </a:ext>
-            </a:extLst>
-          </p:spPr>
-          <p:txBody>
-            <a:bodyPr/>
-            <a:lstStyle/>
-            <a:p>
-              <a:endParaRPr lang="en-US"/>
-            </a:p>
-          </p:txBody>
-        </p:sp>
-        <p:sp>
-          <p:nvSpPr>
-            <p:cNvPr id="525" name="Line 17"/>
-            <p:cNvSpPr>
-              <a:spLocks noChangeShapeType="1"/>
-            </p:cNvSpPr>
-            <p:nvPr/>
-          </p:nvSpPr>
-          <p:spPr bwMode="auto">
-            <a:xfrm>
-              <a:off x="2087763" y="1078155"/>
-              <a:ext cx="191572" cy="0"/>
-            </a:xfrm>
-            <a:prstGeom prst="line">
-              <a:avLst/>
-            </a:prstGeom>
-            <a:noFill/>
-            <a:ln w="28575">
-              <a:solidFill>
-                <a:schemeClr val="tx1"/>
-              </a:solidFill>
-              <a:round/>
-              <a:headEnd/>
-              <a:tailEnd/>
-            </a:ln>
-            <a:effectLst/>
-            <a:extLst>
-              <a:ext uri="{909E8E84-426E-40DD-AFC4-6F175D3DCCD1}">
-                <a14:hiddenFill xmlns:a14="http://schemas.microsoft.com/office/drawing/2010/main">
-                  <a:noFill/>
-                </a14:hiddenFill>
-              </a:ext>
-              <a:ext uri="{AF507438-7753-43E0-B8FC-AC1667EBCBE1}">
-                <a14:hiddenEffects xmlns:a14="http://schemas.microsoft.com/office/drawing/2010/main">
-                  <a:effectLst>
-                    <a:outerShdw dist="35921" dir="2700000" algn="ctr" rotWithShape="0">
-                      <a:schemeClr val="bg2"/>
-                    </a:outerShdw>
-                  </a:effectLst>
-                </a14:hiddenEffects>
-              </a:ext>
-            </a:extLst>
-          </p:spPr>
-          <p:txBody>
-            <a:bodyPr/>
-            <a:lstStyle/>
-            <a:p>
-              <a:endParaRPr lang="en-US"/>
-            </a:p>
-          </p:txBody>
-        </p:sp>
-        <p:sp>
-          <p:nvSpPr>
-            <p:cNvPr id="526" name="Line 17"/>
-            <p:cNvSpPr>
-              <a:spLocks noChangeShapeType="1"/>
-            </p:cNvSpPr>
-            <p:nvPr/>
-          </p:nvSpPr>
-          <p:spPr bwMode="auto">
-            <a:xfrm>
-              <a:off x="2363331" y="1222171"/>
-              <a:ext cx="191572" cy="0"/>
-            </a:xfrm>
-            <a:prstGeom prst="line">
-              <a:avLst/>
-            </a:prstGeom>
-            <a:noFill/>
-            <a:ln w="28575">
-              <a:solidFill>
-                <a:schemeClr val="tx1"/>
-              </a:solidFill>
-              <a:round/>
-              <a:headEnd/>
-              <a:tailEnd/>
-            </a:ln>
-            <a:effectLst/>
-            <a:extLst>
-              <a:ext uri="{909E8E84-426E-40DD-AFC4-6F175D3DCCD1}">
-                <a14:hiddenFill xmlns:a14="http://schemas.microsoft.com/office/drawing/2010/main">
-                  <a:noFill/>
-                </a14:hiddenFill>
-              </a:ext>
-              <a:ext uri="{AF507438-7753-43E0-B8FC-AC1667EBCBE1}">
-                <a14:hiddenEffects xmlns:a14="http://schemas.microsoft.com/office/drawing/2010/main">
-                  <a:effectLst>
-                    <a:outerShdw dist="35921" dir="2700000" algn="ctr" rotWithShape="0">
-                      <a:schemeClr val="bg2"/>
-                    </a:outerShdw>
-                  </a:effectLst>
-                </a14:hiddenEffects>
-              </a:ext>
-            </a:extLst>
-          </p:spPr>
-          <p:txBody>
-            <a:bodyPr/>
-            <a:lstStyle/>
-            <a:p>
-              <a:endParaRPr lang="en-US"/>
-            </a:p>
-          </p:txBody>
-        </p:sp>
-        <p:sp>
-          <p:nvSpPr>
-            <p:cNvPr id="527" name="Line 17"/>
-            <p:cNvSpPr>
-              <a:spLocks noChangeShapeType="1"/>
-            </p:cNvSpPr>
-            <p:nvPr/>
-          </p:nvSpPr>
-          <p:spPr bwMode="auto">
-            <a:xfrm>
-              <a:off x="1229531" y="1078155"/>
-              <a:ext cx="191572" cy="0"/>
-            </a:xfrm>
-            <a:prstGeom prst="line">
-              <a:avLst/>
-            </a:prstGeom>
-            <a:noFill/>
-            <a:ln w="28575">
-              <a:solidFill>
-                <a:schemeClr val="tx1"/>
-              </a:solidFill>
-              <a:round/>
-              <a:headEnd/>
-              <a:tailEnd/>
-            </a:ln>
-            <a:effectLst/>
-            <a:extLst>
-              <a:ext uri="{909E8E84-426E-40DD-AFC4-6F175D3DCCD1}">
-                <a14:hiddenFill xmlns:a14="http://schemas.microsoft.com/office/drawing/2010/main">
-                  <a:noFill/>
-                </a14:hiddenFill>
-              </a:ext>
-              <a:ext uri="{AF507438-7753-43E0-B8FC-AC1667EBCBE1}">
-                <a14:hiddenEffects xmlns:a14="http://schemas.microsoft.com/office/drawing/2010/main">
-                  <a:effectLst>
-                    <a:outerShdw dist="35921" dir="2700000" algn="ctr" rotWithShape="0">
-                      <a:schemeClr val="bg2"/>
-                    </a:outerShdw>
-                  </a:effectLst>
-                </a14:hiddenEffects>
-              </a:ext>
-            </a:extLst>
-          </p:spPr>
-          <p:txBody>
-            <a:bodyPr/>
-            <a:lstStyle/>
-            <a:p>
-              <a:endParaRPr lang="en-US"/>
-            </a:p>
-          </p:txBody>
-        </p:sp>
-        <p:sp>
-          <p:nvSpPr>
-            <p:cNvPr id="528" name="Line 17"/>
-            <p:cNvSpPr>
-              <a:spLocks noChangeShapeType="1"/>
-            </p:cNvSpPr>
-            <p:nvPr/>
-          </p:nvSpPr>
-          <p:spPr bwMode="auto">
-            <a:xfrm>
-              <a:off x="1000256" y="1222171"/>
-              <a:ext cx="191572" cy="0"/>
-            </a:xfrm>
-            <a:prstGeom prst="line">
-              <a:avLst/>
-            </a:prstGeom>
-            <a:noFill/>
-            <a:ln w="28575">
-              <a:solidFill>
-                <a:schemeClr val="tx1"/>
-              </a:solidFill>
-              <a:round/>
-              <a:headEnd/>
-              <a:tailEnd/>
-            </a:ln>
-            <a:effectLst/>
-            <a:extLst>
-              <a:ext uri="{909E8E84-426E-40DD-AFC4-6F175D3DCCD1}">
-                <a14:hiddenFill xmlns:a14="http://schemas.microsoft.com/office/drawing/2010/main">
-                  <a:noFill/>
-                </a14:hiddenFill>
-              </a:ext>
-              <a:ext uri="{AF507438-7753-43E0-B8FC-AC1667EBCBE1}">
-                <a14:hiddenEffects xmlns:a14="http://schemas.microsoft.com/office/drawing/2010/main">
-                  <a:effectLst>
-                    <a:outerShdw dist="35921" dir="2700000" algn="ctr" rotWithShape="0">
-                      <a:schemeClr val="bg2"/>
-                    </a:outerShdw>
-                  </a:effectLst>
-                </a14:hiddenEffects>
-              </a:ext>
-            </a:extLst>
-          </p:spPr>
-          <p:txBody>
-            <a:bodyPr/>
-            <a:lstStyle/>
-            <a:p>
-              <a:endParaRPr lang="en-US"/>
-            </a:p>
-          </p:txBody>
-        </p:sp>
-        <p:sp>
-          <p:nvSpPr>
-            <p:cNvPr id="529" name="Rectangle 528"/>
-            <p:cNvSpPr/>
-            <p:nvPr/>
-          </p:nvSpPr>
-          <p:spPr>
-            <a:xfrm>
-              <a:off x="1848217" y="-1965"/>
-              <a:ext cx="217128" cy="230872"/>
-            </a:xfrm>
-            <a:prstGeom prst="rect">
-              <a:avLst/>
-            </a:prstGeom>
-          </p:spPr>
-          <p:txBody>
-            <a:bodyPr wrap="none">
-              <a:spAutoFit/>
-            </a:bodyPr>
-            <a:lstStyle/>
-            <a:p>
-              <a:r>
-                <a:rPr lang="fr-FR" sz="1600" dirty="0" smtClean="0">
-                  <a:latin typeface="Times New Roman" panose="02020603050405020304" pitchFamily="18" charset="0"/>
-                  <a:cs typeface="Times New Roman" panose="02020603050405020304" pitchFamily="18" charset="0"/>
-                </a:rPr>
-                <a:t>E</a:t>
-              </a:r>
-              <a:endParaRPr lang="en-US" sz="1600" dirty="0"/>
-            </a:p>
-          </p:txBody>
-        </p:sp>
-        <p:sp>
-          <p:nvSpPr>
-            <p:cNvPr id="530" name="Rectangle 529"/>
-            <p:cNvSpPr/>
-            <p:nvPr/>
-          </p:nvSpPr>
-          <p:spPr>
-            <a:xfrm>
-              <a:off x="2693361" y="977741"/>
-              <a:ext cx="591710" cy="335493"/>
-            </a:xfrm>
-            <a:prstGeom prst="rect">
-              <a:avLst/>
-            </a:prstGeom>
-          </p:spPr>
-          <p:txBody>
-            <a:bodyPr wrap="none">
-              <a:spAutoFit/>
-            </a:bodyPr>
-            <a:lstStyle/>
-            <a:p>
-              <a:r>
-                <a:rPr lang="fr-FR" sz="1400" dirty="0" smtClean="0">
-                  <a:latin typeface="Times New Roman" panose="02020603050405020304" pitchFamily="18" charset="0"/>
-                  <a:cs typeface="Times New Roman" panose="02020603050405020304" pitchFamily="18" charset="0"/>
-                </a:rPr>
-                <a:t>M=3</a:t>
-              </a:r>
-              <a:endParaRPr lang="en-US" sz="1400" dirty="0"/>
-            </a:p>
-          </p:txBody>
-        </p:sp>
-        <p:cxnSp>
-          <p:nvCxnSpPr>
-            <p:cNvPr id="531" name="Connecteur droit avec flèche 530"/>
-            <p:cNvCxnSpPr>
-              <a:stCxn id="541" idx="0"/>
-            </p:cNvCxnSpPr>
-            <p:nvPr/>
-          </p:nvCxnSpPr>
-          <p:spPr>
-            <a:xfrm flipV="1">
-              <a:off x="1761903" y="113471"/>
-              <a:ext cx="16156" cy="3725535"/>
-            </a:xfrm>
-            <a:prstGeom prst="straightConnector1">
-              <a:avLst/>
-            </a:prstGeom>
-            <a:ln>
-              <a:solidFill>
-                <a:schemeClr val="tx1"/>
-              </a:solidFill>
-              <a:tailEnd type="arrow"/>
-            </a:ln>
-          </p:spPr>
-          <p:style>
-            <a:lnRef idx="1">
-              <a:schemeClr val="accent1"/>
-            </a:lnRef>
-            <a:fillRef idx="0">
-              <a:schemeClr val="accent1"/>
-            </a:fillRef>
-            <a:effectRef idx="0">
-              <a:schemeClr val="accent1"/>
-            </a:effectRef>
-            <a:fontRef idx="minor">
+              </a:rPr>
+              <a:t>(a)</a:t>
+            </a:r>
+            <a:endParaRPr lang="en-US" dirty="0">
+              <a:latin typeface="Times New Roman" panose="02020603050405020304" pitchFamily="18" charset="0"/>
+              <a:cs typeface="Times New Roman" panose="02020603050405020304" pitchFamily="18" charset="0"/>
+            </a:endParaRPr>
+          </a:p>
+        </p:txBody>
+      </p:sp>
+      <p:sp>
+        <p:nvSpPr>
+          <p:cNvPr id="522" name="Line 17"/>
+          <p:cNvSpPr>
+            <a:spLocks noChangeShapeType="1"/>
+          </p:cNvSpPr>
+          <p:nvPr/>
+        </p:nvSpPr>
+        <p:spPr bwMode="auto">
+          <a:xfrm>
+            <a:off x="2527691" y="502091"/>
+            <a:ext cx="191572" cy="0"/>
+          </a:xfrm>
+          <a:prstGeom prst="line">
+            <a:avLst/>
+          </a:prstGeom>
+          <a:noFill/>
+          <a:ln w="28575">
+            <a:solidFill>
               <a:schemeClr val="tx1"/>
-            </a:fontRef>
-          </p:style>
-        </p:cxnSp>
-        <p:cxnSp>
-          <p:nvCxnSpPr>
-            <p:cNvPr id="532" name="Connecteur droit avec flèche 531"/>
-            <p:cNvCxnSpPr/>
-            <p:nvPr/>
-          </p:nvCxnSpPr>
-          <p:spPr>
-            <a:xfrm flipV="1">
-              <a:off x="372985" y="3685134"/>
-              <a:ext cx="3238663" cy="3390"/>
-            </a:xfrm>
-            <a:prstGeom prst="straightConnector1">
-              <a:avLst/>
-            </a:prstGeom>
-            <a:ln>
-              <a:solidFill>
-                <a:schemeClr val="tx1"/>
-              </a:solidFill>
-              <a:tailEnd type="arrow"/>
-            </a:ln>
-          </p:spPr>
-          <p:style>
-            <a:lnRef idx="1">
-              <a:schemeClr val="accent1"/>
-            </a:lnRef>
-            <a:fillRef idx="0">
-              <a:schemeClr val="accent1"/>
-            </a:fillRef>
-            <a:effectRef idx="0">
-              <a:schemeClr val="accent1"/>
-            </a:effectRef>
-            <a:fontRef idx="minor">
+            </a:solidFill>
+            <a:round/>
+            <a:headEnd/>
+            <a:tailEnd/>
+          </a:ln>
+          <a:effectLst/>
+          <a:extLst>
+            <a:ext uri="{909E8E84-426E-40DD-AFC4-6F175D3DCCD1}">
+              <a14:hiddenFill xmlns:a14="http://schemas.microsoft.com/office/drawing/2010/main">
+                <a:noFill/>
+              </a14:hiddenFill>
+            </a:ext>
+            <a:ext uri="{AF507438-7753-43E0-B8FC-AC1667EBCBE1}">
+              <a14:hiddenEffects xmlns:a14="http://schemas.microsoft.com/office/drawing/2010/main">
+                <a:effectLst>
+                  <a:outerShdw dist="35921" dir="2700000" algn="ctr" rotWithShape="0">
+                    <a:schemeClr val="bg2"/>
+                  </a:outerShdw>
+                </a:effectLst>
+              </a14:hiddenEffects>
+            </a:ext>
+          </a:extLst>
+        </p:spPr>
+        <p:txBody>
+          <a:bodyPr/>
+          <a:lstStyle/>
+          <a:p>
+            <a:endParaRPr lang="en-US"/>
+          </a:p>
+        </p:txBody>
+      </p:sp>
+      <p:sp>
+        <p:nvSpPr>
+          <p:cNvPr id="523" name="Line 17"/>
+          <p:cNvSpPr>
+            <a:spLocks noChangeShapeType="1"/>
+          </p:cNvSpPr>
+          <p:nvPr/>
+        </p:nvSpPr>
+        <p:spPr bwMode="auto">
+          <a:xfrm>
+            <a:off x="2967332" y="405946"/>
+            <a:ext cx="191572" cy="0"/>
+          </a:xfrm>
+          <a:prstGeom prst="line">
+            <a:avLst/>
+          </a:prstGeom>
+          <a:noFill/>
+          <a:ln w="28575">
+            <a:solidFill>
               <a:schemeClr val="tx1"/>
-            </a:fontRef>
-          </p:style>
-        </p:cxnSp>
-        <p:cxnSp>
-          <p:nvCxnSpPr>
-            <p:cNvPr id="533" name="Connecteur droit 532"/>
-            <p:cNvCxnSpPr/>
-            <p:nvPr/>
-          </p:nvCxnSpPr>
-          <p:spPr>
-            <a:xfrm flipH="1">
-              <a:off x="2005847" y="3623051"/>
-              <a:ext cx="1" cy="130946"/>
-            </a:xfrm>
-            <a:prstGeom prst="line">
-              <a:avLst/>
-            </a:prstGeom>
-            <a:ln w="28575">
-              <a:solidFill>
-                <a:schemeClr val="tx1"/>
-              </a:solidFill>
-            </a:ln>
-          </p:spPr>
-          <p:style>
-            <a:lnRef idx="1">
-              <a:schemeClr val="accent1"/>
-            </a:lnRef>
-            <a:fillRef idx="0">
-              <a:schemeClr val="accent1"/>
-            </a:fillRef>
-            <a:effectRef idx="0">
-              <a:schemeClr val="accent1"/>
-            </a:effectRef>
-            <a:fontRef idx="minor">
+            </a:solidFill>
+            <a:round/>
+            <a:headEnd/>
+            <a:tailEnd/>
+          </a:ln>
+          <a:effectLst/>
+          <a:extLst>
+            <a:ext uri="{909E8E84-426E-40DD-AFC4-6F175D3DCCD1}">
+              <a14:hiddenFill xmlns:a14="http://schemas.microsoft.com/office/drawing/2010/main">
+                <a:noFill/>
+              </a14:hiddenFill>
+            </a:ext>
+            <a:ext uri="{AF507438-7753-43E0-B8FC-AC1667EBCBE1}">
+              <a14:hiddenEffects xmlns:a14="http://schemas.microsoft.com/office/drawing/2010/main">
+                <a:effectLst>
+                  <a:outerShdw dist="35921" dir="2700000" algn="ctr" rotWithShape="0">
+                    <a:schemeClr val="bg2"/>
+                  </a:outerShdw>
+                </a:effectLst>
+              </a14:hiddenEffects>
+            </a:ext>
+          </a:extLst>
+        </p:spPr>
+        <p:txBody>
+          <a:bodyPr/>
+          <a:lstStyle/>
+          <a:p>
+            <a:endParaRPr lang="en-US"/>
+          </a:p>
+        </p:txBody>
+      </p:sp>
+      <p:sp>
+        <p:nvSpPr>
+          <p:cNvPr id="524" name="Line 17"/>
+          <p:cNvSpPr>
+            <a:spLocks noChangeShapeType="1"/>
+          </p:cNvSpPr>
+          <p:nvPr/>
+        </p:nvSpPr>
+        <p:spPr bwMode="auto">
+          <a:xfrm>
+            <a:off x="3404001" y="502091"/>
+            <a:ext cx="191572" cy="0"/>
+          </a:xfrm>
+          <a:prstGeom prst="line">
+            <a:avLst/>
+          </a:prstGeom>
+          <a:noFill/>
+          <a:ln w="28575">
+            <a:solidFill>
               <a:schemeClr val="tx1"/>
-            </a:fontRef>
-          </p:style>
-        </p:cxnSp>
-        <p:cxnSp>
-          <p:nvCxnSpPr>
-            <p:cNvPr id="534" name="Connecteur droit 533"/>
-            <p:cNvCxnSpPr/>
-            <p:nvPr/>
-          </p:nvCxnSpPr>
-          <p:spPr>
-            <a:xfrm flipH="1">
-              <a:off x="2248571" y="3623051"/>
-              <a:ext cx="1" cy="130946"/>
-            </a:xfrm>
-            <a:prstGeom prst="line">
-              <a:avLst/>
-            </a:prstGeom>
-            <a:ln w="28575">
-              <a:solidFill>
-                <a:schemeClr val="tx1"/>
-              </a:solidFill>
-            </a:ln>
-          </p:spPr>
-          <p:style>
-            <a:lnRef idx="1">
-              <a:schemeClr val="accent1"/>
-            </a:lnRef>
-            <a:fillRef idx="0">
-              <a:schemeClr val="accent1"/>
-            </a:fillRef>
-            <a:effectRef idx="0">
-              <a:schemeClr val="accent1"/>
-            </a:effectRef>
-            <a:fontRef idx="minor">
+            </a:solidFill>
+            <a:round/>
+            <a:headEnd/>
+            <a:tailEnd/>
+          </a:ln>
+          <a:effectLst/>
+          <a:extLst>
+            <a:ext uri="{909E8E84-426E-40DD-AFC4-6F175D3DCCD1}">
+              <a14:hiddenFill xmlns:a14="http://schemas.microsoft.com/office/drawing/2010/main">
+                <a:noFill/>
+              </a14:hiddenFill>
+            </a:ext>
+            <a:ext uri="{AF507438-7753-43E0-B8FC-AC1667EBCBE1}">
+              <a14:hiddenEffects xmlns:a14="http://schemas.microsoft.com/office/drawing/2010/main">
+                <a:effectLst>
+                  <a:outerShdw dist="35921" dir="2700000" algn="ctr" rotWithShape="0">
+                    <a:schemeClr val="bg2"/>
+                  </a:outerShdw>
+                </a:effectLst>
+              </a14:hiddenEffects>
+            </a:ext>
+          </a:extLst>
+        </p:spPr>
+        <p:txBody>
+          <a:bodyPr/>
+          <a:lstStyle/>
+          <a:p>
+            <a:endParaRPr lang="en-US"/>
+          </a:p>
+        </p:txBody>
+      </p:sp>
+      <p:sp>
+        <p:nvSpPr>
+          <p:cNvPr id="525" name="Line 17"/>
+          <p:cNvSpPr>
+            <a:spLocks noChangeShapeType="1"/>
+          </p:cNvSpPr>
+          <p:nvPr/>
+        </p:nvSpPr>
+        <p:spPr bwMode="auto">
+          <a:xfrm>
+            <a:off x="3375558" y="1078155"/>
+            <a:ext cx="191572" cy="0"/>
+          </a:xfrm>
+          <a:prstGeom prst="line">
+            <a:avLst/>
+          </a:prstGeom>
+          <a:noFill/>
+          <a:ln w="28575">
+            <a:solidFill>
               <a:schemeClr val="tx1"/>
-            </a:fontRef>
-          </p:style>
-        </p:cxnSp>
-        <p:cxnSp>
-          <p:nvCxnSpPr>
-            <p:cNvPr id="535" name="Connecteur droit 534"/>
-            <p:cNvCxnSpPr/>
-            <p:nvPr/>
-          </p:nvCxnSpPr>
-          <p:spPr>
-            <a:xfrm flipH="1">
-              <a:off x="2475751" y="3623051"/>
-              <a:ext cx="1" cy="130946"/>
-            </a:xfrm>
-            <a:prstGeom prst="line">
-              <a:avLst/>
-            </a:prstGeom>
-            <a:ln w="28575">
-              <a:solidFill>
-                <a:schemeClr val="tx1"/>
-              </a:solidFill>
-            </a:ln>
-          </p:spPr>
-          <p:style>
-            <a:lnRef idx="1">
-              <a:schemeClr val="accent1"/>
-            </a:lnRef>
-            <a:fillRef idx="0">
-              <a:schemeClr val="accent1"/>
-            </a:fillRef>
-            <a:effectRef idx="0">
-              <a:schemeClr val="accent1"/>
-            </a:effectRef>
-            <a:fontRef idx="minor">
+            </a:solidFill>
+            <a:round/>
+            <a:headEnd/>
+            <a:tailEnd/>
+          </a:ln>
+          <a:effectLst/>
+          <a:extLst>
+            <a:ext uri="{909E8E84-426E-40DD-AFC4-6F175D3DCCD1}">
+              <a14:hiddenFill xmlns:a14="http://schemas.microsoft.com/office/drawing/2010/main">
+                <a:noFill/>
+              </a14:hiddenFill>
+            </a:ext>
+            <a:ext uri="{AF507438-7753-43E0-B8FC-AC1667EBCBE1}">
+              <a14:hiddenEffects xmlns:a14="http://schemas.microsoft.com/office/drawing/2010/main">
+                <a:effectLst>
+                  <a:outerShdw dist="35921" dir="2700000" algn="ctr" rotWithShape="0">
+                    <a:schemeClr val="bg2"/>
+                  </a:outerShdw>
+                </a:effectLst>
+              </a14:hiddenEffects>
+            </a:ext>
+          </a:extLst>
+        </p:spPr>
+        <p:txBody>
+          <a:bodyPr/>
+          <a:lstStyle/>
+          <a:p>
+            <a:endParaRPr lang="en-US"/>
+          </a:p>
+        </p:txBody>
+      </p:sp>
+      <p:sp>
+        <p:nvSpPr>
+          <p:cNvPr id="526" name="Line 17"/>
+          <p:cNvSpPr>
+            <a:spLocks noChangeShapeType="1"/>
+          </p:cNvSpPr>
+          <p:nvPr/>
+        </p:nvSpPr>
+        <p:spPr bwMode="auto">
+          <a:xfrm>
+            <a:off x="3651126" y="1222171"/>
+            <a:ext cx="191572" cy="0"/>
+          </a:xfrm>
+          <a:prstGeom prst="line">
+            <a:avLst/>
+          </a:prstGeom>
+          <a:noFill/>
+          <a:ln w="28575">
+            <a:solidFill>
               <a:schemeClr val="tx1"/>
-            </a:fontRef>
-          </p:style>
-        </p:cxnSp>
-        <p:cxnSp>
-          <p:nvCxnSpPr>
-            <p:cNvPr id="536" name="Connecteur droit 535"/>
-            <p:cNvCxnSpPr/>
-            <p:nvPr/>
-          </p:nvCxnSpPr>
-          <p:spPr>
-            <a:xfrm flipH="1">
-              <a:off x="2702930" y="3623051"/>
-              <a:ext cx="1" cy="130946"/>
-            </a:xfrm>
-            <a:prstGeom prst="line">
-              <a:avLst/>
-            </a:prstGeom>
-            <a:ln w="28575">
-              <a:solidFill>
-                <a:schemeClr val="tx1"/>
-              </a:solidFill>
-            </a:ln>
-          </p:spPr>
-          <p:style>
-            <a:lnRef idx="1">
-              <a:schemeClr val="accent1"/>
-            </a:lnRef>
-            <a:fillRef idx="0">
-              <a:schemeClr val="accent1"/>
-            </a:fillRef>
-            <a:effectRef idx="0">
-              <a:schemeClr val="accent1"/>
-            </a:effectRef>
-            <a:fontRef idx="minor">
+            </a:solidFill>
+            <a:round/>
+            <a:headEnd/>
+            <a:tailEnd/>
+          </a:ln>
+          <a:effectLst/>
+          <a:extLst>
+            <a:ext uri="{909E8E84-426E-40DD-AFC4-6F175D3DCCD1}">
+              <a14:hiddenFill xmlns:a14="http://schemas.microsoft.com/office/drawing/2010/main">
+                <a:noFill/>
+              </a14:hiddenFill>
+            </a:ext>
+            <a:ext uri="{AF507438-7753-43E0-B8FC-AC1667EBCBE1}">
+              <a14:hiddenEffects xmlns:a14="http://schemas.microsoft.com/office/drawing/2010/main">
+                <a:effectLst>
+                  <a:outerShdw dist="35921" dir="2700000" algn="ctr" rotWithShape="0">
+                    <a:schemeClr val="bg2"/>
+                  </a:outerShdw>
+                </a:effectLst>
+              </a14:hiddenEffects>
+            </a:ext>
+          </a:extLst>
+        </p:spPr>
+        <p:txBody>
+          <a:bodyPr/>
+          <a:lstStyle/>
+          <a:p>
+            <a:endParaRPr lang="en-US"/>
+          </a:p>
+        </p:txBody>
+      </p:sp>
+      <p:sp>
+        <p:nvSpPr>
+          <p:cNvPr id="527" name="Line 17"/>
+          <p:cNvSpPr>
+            <a:spLocks noChangeShapeType="1"/>
+          </p:cNvSpPr>
+          <p:nvPr/>
+        </p:nvSpPr>
+        <p:spPr bwMode="auto">
+          <a:xfrm>
+            <a:off x="2517326" y="1078155"/>
+            <a:ext cx="191572" cy="0"/>
+          </a:xfrm>
+          <a:prstGeom prst="line">
+            <a:avLst/>
+          </a:prstGeom>
+          <a:noFill/>
+          <a:ln w="28575">
+            <a:solidFill>
               <a:schemeClr val="tx1"/>
-            </a:fontRef>
-          </p:style>
-        </p:cxnSp>
-        <p:cxnSp>
-          <p:nvCxnSpPr>
-            <p:cNvPr id="537" name="Connecteur droit 536"/>
-            <p:cNvCxnSpPr/>
-            <p:nvPr/>
-          </p:nvCxnSpPr>
-          <p:spPr>
-            <a:xfrm flipH="1">
-              <a:off x="1529174" y="3623051"/>
-              <a:ext cx="1" cy="130946"/>
-            </a:xfrm>
-            <a:prstGeom prst="line">
-              <a:avLst/>
-            </a:prstGeom>
-            <a:ln w="28575">
-              <a:solidFill>
-                <a:schemeClr val="tx1"/>
-              </a:solidFill>
-            </a:ln>
-          </p:spPr>
-          <p:style>
-            <a:lnRef idx="1">
-              <a:schemeClr val="accent1"/>
-            </a:lnRef>
-            <a:fillRef idx="0">
-              <a:schemeClr val="accent1"/>
-            </a:fillRef>
-            <a:effectRef idx="0">
-              <a:schemeClr val="accent1"/>
-            </a:effectRef>
-            <a:fontRef idx="minor">
+            </a:solidFill>
+            <a:round/>
+            <a:headEnd/>
+            <a:tailEnd/>
+          </a:ln>
+          <a:effectLst/>
+          <a:extLst>
+            <a:ext uri="{909E8E84-426E-40DD-AFC4-6F175D3DCCD1}">
+              <a14:hiddenFill xmlns:a14="http://schemas.microsoft.com/office/drawing/2010/main">
+                <a:noFill/>
+              </a14:hiddenFill>
+            </a:ext>
+            <a:ext uri="{AF507438-7753-43E0-B8FC-AC1667EBCBE1}">
+              <a14:hiddenEffects xmlns:a14="http://schemas.microsoft.com/office/drawing/2010/main">
+                <a:effectLst>
+                  <a:outerShdw dist="35921" dir="2700000" algn="ctr" rotWithShape="0">
+                    <a:schemeClr val="bg2"/>
+                  </a:outerShdw>
+                </a:effectLst>
+              </a14:hiddenEffects>
+            </a:ext>
+          </a:extLst>
+        </p:spPr>
+        <p:txBody>
+          <a:bodyPr/>
+          <a:lstStyle/>
+          <a:p>
+            <a:endParaRPr lang="en-US"/>
+          </a:p>
+        </p:txBody>
+      </p:sp>
+      <p:sp>
+        <p:nvSpPr>
+          <p:cNvPr id="528" name="Line 17"/>
+          <p:cNvSpPr>
+            <a:spLocks noChangeShapeType="1"/>
+          </p:cNvSpPr>
+          <p:nvPr/>
+        </p:nvSpPr>
+        <p:spPr bwMode="auto">
+          <a:xfrm>
+            <a:off x="2288051" y="1222171"/>
+            <a:ext cx="191572" cy="0"/>
+          </a:xfrm>
+          <a:prstGeom prst="line">
+            <a:avLst/>
+          </a:prstGeom>
+          <a:noFill/>
+          <a:ln w="28575">
+            <a:solidFill>
               <a:schemeClr val="tx1"/>
-            </a:fontRef>
-          </p:style>
-        </p:cxnSp>
-        <p:cxnSp>
-          <p:nvCxnSpPr>
-            <p:cNvPr id="538" name="Connecteur droit 537"/>
-            <p:cNvCxnSpPr/>
-            <p:nvPr/>
-          </p:nvCxnSpPr>
-          <p:spPr>
-            <a:xfrm flipH="1">
-              <a:off x="1301995" y="3623051"/>
-              <a:ext cx="1" cy="130946"/>
-            </a:xfrm>
-            <a:prstGeom prst="line">
-              <a:avLst/>
-            </a:prstGeom>
-            <a:ln w="28575">
-              <a:solidFill>
-                <a:schemeClr val="tx1"/>
-              </a:solidFill>
-            </a:ln>
-          </p:spPr>
-          <p:style>
-            <a:lnRef idx="1">
-              <a:schemeClr val="accent1"/>
-            </a:lnRef>
-            <a:fillRef idx="0">
-              <a:schemeClr val="accent1"/>
-            </a:fillRef>
-            <a:effectRef idx="0">
-              <a:schemeClr val="accent1"/>
-            </a:effectRef>
-            <a:fontRef idx="minor">
+            </a:solidFill>
+            <a:round/>
+            <a:headEnd/>
+            <a:tailEnd/>
+          </a:ln>
+          <a:effectLst/>
+          <a:extLst>
+            <a:ext uri="{909E8E84-426E-40DD-AFC4-6F175D3DCCD1}">
+              <a14:hiddenFill xmlns:a14="http://schemas.microsoft.com/office/drawing/2010/main">
+                <a:noFill/>
+              </a14:hiddenFill>
+            </a:ext>
+            <a:ext uri="{AF507438-7753-43E0-B8FC-AC1667EBCBE1}">
+              <a14:hiddenEffects xmlns:a14="http://schemas.microsoft.com/office/drawing/2010/main">
+                <a:effectLst>
+                  <a:outerShdw dist="35921" dir="2700000" algn="ctr" rotWithShape="0">
+                    <a:schemeClr val="bg2"/>
+                  </a:outerShdw>
+                </a:effectLst>
+              </a14:hiddenEffects>
+            </a:ext>
+          </a:extLst>
+        </p:spPr>
+        <p:txBody>
+          <a:bodyPr/>
+          <a:lstStyle/>
+          <a:p>
+            <a:endParaRPr lang="en-US"/>
+          </a:p>
+        </p:txBody>
+      </p:sp>
+      <p:sp>
+        <p:nvSpPr>
+          <p:cNvPr id="529" name="Rectangle 528"/>
+          <p:cNvSpPr/>
+          <p:nvPr/>
+        </p:nvSpPr>
+        <p:spPr>
+          <a:xfrm>
+            <a:off x="3136012" y="-1965"/>
+            <a:ext cx="217128" cy="230872"/>
+          </a:xfrm>
+          <a:prstGeom prst="rect">
+            <a:avLst/>
+          </a:prstGeom>
+        </p:spPr>
+        <p:txBody>
+          <a:bodyPr wrap="none">
+            <a:spAutoFit/>
+          </a:bodyPr>
+          <a:lstStyle/>
+          <a:p>
+            <a:r>
+              <a:rPr lang="fr-FR" sz="1600" dirty="0" smtClean="0">
+                <a:latin typeface="Times New Roman" panose="02020603050405020304" pitchFamily="18" charset="0"/>
+                <a:cs typeface="Times New Roman" panose="02020603050405020304" pitchFamily="18" charset="0"/>
+              </a:rPr>
+              <a:t>E</a:t>
+            </a:r>
+            <a:endParaRPr lang="en-US" sz="1600" dirty="0"/>
+          </a:p>
+        </p:txBody>
+      </p:sp>
+      <p:sp>
+        <p:nvSpPr>
+          <p:cNvPr id="530" name="Rectangle 529"/>
+          <p:cNvSpPr/>
+          <p:nvPr/>
+        </p:nvSpPr>
+        <p:spPr>
+          <a:xfrm>
+            <a:off x="3981156" y="977741"/>
+            <a:ext cx="591710" cy="335493"/>
+          </a:xfrm>
+          <a:prstGeom prst="rect">
+            <a:avLst/>
+          </a:prstGeom>
+        </p:spPr>
+        <p:txBody>
+          <a:bodyPr wrap="none">
+            <a:spAutoFit/>
+          </a:bodyPr>
+          <a:lstStyle/>
+          <a:p>
+            <a:r>
+              <a:rPr lang="fr-FR" sz="1400" dirty="0" smtClean="0">
+                <a:latin typeface="Times New Roman" panose="02020603050405020304" pitchFamily="18" charset="0"/>
+                <a:cs typeface="Times New Roman" panose="02020603050405020304" pitchFamily="18" charset="0"/>
+              </a:rPr>
+              <a:t>M=3</a:t>
+            </a:r>
+            <a:endParaRPr lang="en-US" sz="1400" dirty="0"/>
+          </a:p>
+        </p:txBody>
+      </p:sp>
+      <p:cxnSp>
+        <p:nvCxnSpPr>
+          <p:cNvPr id="531" name="Connecteur droit avec flèche 530"/>
+          <p:cNvCxnSpPr>
+            <a:stCxn id="541" idx="0"/>
+          </p:cNvCxnSpPr>
+          <p:nvPr/>
+        </p:nvCxnSpPr>
+        <p:spPr>
+          <a:xfrm flipV="1">
+            <a:off x="3049698" y="113471"/>
+            <a:ext cx="16156" cy="3725535"/>
+          </a:xfrm>
+          <a:prstGeom prst="straightConnector1">
+            <a:avLst/>
+          </a:prstGeom>
+          <a:ln>
+            <a:solidFill>
               <a:schemeClr val="tx1"/>
-            </a:fontRef>
-          </p:style>
-        </p:cxnSp>
-        <p:cxnSp>
-          <p:nvCxnSpPr>
-            <p:cNvPr id="539" name="Connecteur droit 538"/>
-            <p:cNvCxnSpPr/>
-            <p:nvPr/>
-          </p:nvCxnSpPr>
-          <p:spPr>
-            <a:xfrm flipH="1">
-              <a:off x="1074815" y="3623051"/>
-              <a:ext cx="1" cy="130946"/>
-            </a:xfrm>
-            <a:prstGeom prst="line">
-              <a:avLst/>
-            </a:prstGeom>
-            <a:ln w="28575">
-              <a:solidFill>
-                <a:schemeClr val="tx1"/>
-              </a:solidFill>
-            </a:ln>
-          </p:spPr>
-          <p:style>
-            <a:lnRef idx="1">
-              <a:schemeClr val="accent1"/>
-            </a:lnRef>
-            <a:fillRef idx="0">
-              <a:schemeClr val="accent1"/>
-            </a:fillRef>
-            <a:effectRef idx="0">
-              <a:schemeClr val="accent1"/>
-            </a:effectRef>
-            <a:fontRef idx="minor">
+            </a:solidFill>
+            <a:tailEnd type="arrow"/>
+          </a:ln>
+        </p:spPr>
+        <p:style>
+          <a:lnRef idx="1">
+            <a:schemeClr val="accent1"/>
+          </a:lnRef>
+          <a:fillRef idx="0">
+            <a:schemeClr val="accent1"/>
+          </a:fillRef>
+          <a:effectRef idx="0">
+            <a:schemeClr val="accent1"/>
+          </a:effectRef>
+          <a:fontRef idx="minor">
+            <a:schemeClr val="tx1"/>
+          </a:fontRef>
+        </p:style>
+      </p:cxnSp>
+      <p:cxnSp>
+        <p:nvCxnSpPr>
+          <p:cNvPr id="532" name="Connecteur droit avec flèche 531"/>
+          <p:cNvCxnSpPr/>
+          <p:nvPr/>
+        </p:nvCxnSpPr>
+        <p:spPr>
+          <a:xfrm flipV="1">
+            <a:off x="1660780" y="3685134"/>
+            <a:ext cx="3238663" cy="3390"/>
+          </a:xfrm>
+          <a:prstGeom prst="straightConnector1">
+            <a:avLst/>
+          </a:prstGeom>
+          <a:ln>
+            <a:solidFill>
               <a:schemeClr val="tx1"/>
-            </a:fontRef>
-          </p:style>
-        </p:cxnSp>
-        <p:cxnSp>
-          <p:nvCxnSpPr>
-            <p:cNvPr id="540" name="Connecteur droit 539"/>
-            <p:cNvCxnSpPr/>
-            <p:nvPr/>
-          </p:nvCxnSpPr>
-          <p:spPr>
-            <a:xfrm flipH="1">
-              <a:off x="847636" y="3623051"/>
-              <a:ext cx="1" cy="130946"/>
-            </a:xfrm>
-            <a:prstGeom prst="line">
-              <a:avLst/>
-            </a:prstGeom>
-            <a:ln w="28575">
-              <a:solidFill>
-                <a:schemeClr val="tx1"/>
-              </a:solidFill>
-            </a:ln>
-          </p:spPr>
-          <p:style>
-            <a:lnRef idx="1">
-              <a:schemeClr val="accent1"/>
-            </a:lnRef>
-            <a:fillRef idx="0">
-              <a:schemeClr val="accent1"/>
-            </a:fillRef>
-            <a:effectRef idx="0">
-              <a:schemeClr val="accent1"/>
-            </a:effectRef>
-            <a:fontRef idx="minor">
+            </a:solidFill>
+            <a:tailEnd type="arrow"/>
+          </a:ln>
+        </p:spPr>
+        <p:style>
+          <a:lnRef idx="1">
+            <a:schemeClr val="accent1"/>
+          </a:lnRef>
+          <a:fillRef idx="0">
+            <a:schemeClr val="accent1"/>
+          </a:fillRef>
+          <a:effectRef idx="0">
+            <a:schemeClr val="accent1"/>
+          </a:effectRef>
+          <a:fontRef idx="minor">
+            <a:schemeClr val="tx1"/>
+          </a:fontRef>
+        </p:style>
+      </p:cxnSp>
+      <p:cxnSp>
+        <p:nvCxnSpPr>
+          <p:cNvPr id="533" name="Connecteur droit 532"/>
+          <p:cNvCxnSpPr/>
+          <p:nvPr/>
+        </p:nvCxnSpPr>
+        <p:spPr>
+          <a:xfrm flipH="1">
+            <a:off x="3293642" y="3623051"/>
+            <a:ext cx="1" cy="130946"/>
+          </a:xfrm>
+          <a:prstGeom prst="line">
+            <a:avLst/>
+          </a:prstGeom>
+          <a:ln w="28575">
+            <a:solidFill>
               <a:schemeClr val="tx1"/>
-            </a:fontRef>
-          </p:style>
-        </p:cxnSp>
-        <p:sp>
-          <p:nvSpPr>
-            <p:cNvPr id="541" name="Rectangle 540"/>
-            <p:cNvSpPr/>
-            <p:nvPr/>
-          </p:nvSpPr>
-          <p:spPr>
-            <a:xfrm>
-              <a:off x="1610346" y="3839006"/>
-              <a:ext cx="303114" cy="335493"/>
-            </a:xfrm>
-            <a:prstGeom prst="rect">
-              <a:avLst/>
-            </a:prstGeom>
-          </p:spPr>
-          <p:txBody>
-            <a:bodyPr wrap="none">
-              <a:spAutoFit/>
-            </a:bodyPr>
-            <a:lstStyle/>
-            <a:p>
-              <a:r>
-                <a:rPr lang="fr-FR" sz="1400" dirty="0" smtClean="0">
-                  <a:latin typeface="Times New Roman" panose="02020603050405020304" pitchFamily="18" charset="0"/>
-                  <a:cs typeface="Times New Roman" panose="02020603050405020304" pitchFamily="18" charset="0"/>
-                </a:rPr>
-                <a:t>0</a:t>
-              </a:r>
-              <a:endParaRPr lang="en-US" sz="1400" dirty="0"/>
-            </a:p>
-          </p:txBody>
-        </p:sp>
-        <p:sp>
-          <p:nvSpPr>
-            <p:cNvPr id="542" name="Rectangle 541"/>
-            <p:cNvSpPr/>
-            <p:nvPr/>
-          </p:nvSpPr>
-          <p:spPr>
-            <a:xfrm>
-              <a:off x="1800854" y="3839006"/>
-              <a:ext cx="414658" cy="335493"/>
-            </a:xfrm>
-            <a:prstGeom prst="rect">
-              <a:avLst/>
-            </a:prstGeom>
-          </p:spPr>
-          <p:txBody>
-            <a:bodyPr wrap="none">
-              <a:spAutoFit/>
-            </a:bodyPr>
-            <a:lstStyle/>
-            <a:p>
-              <a:r>
-                <a:rPr lang="fr-FR" sz="1400" dirty="0" smtClean="0">
-                  <a:latin typeface="Times New Roman" panose="02020603050405020304" pitchFamily="18" charset="0"/>
-                  <a:cs typeface="Times New Roman" panose="02020603050405020304" pitchFamily="18" charset="0"/>
-                </a:rPr>
-                <a:t>+1</a:t>
-              </a:r>
-              <a:endParaRPr lang="en-US" sz="1400" dirty="0"/>
-            </a:p>
-          </p:txBody>
-        </p:sp>
-        <p:sp>
-          <p:nvSpPr>
-            <p:cNvPr id="543" name="Rectangle 542"/>
-            <p:cNvSpPr/>
-            <p:nvPr/>
-          </p:nvSpPr>
-          <p:spPr>
-            <a:xfrm>
-              <a:off x="2018611" y="3839006"/>
-              <a:ext cx="414658" cy="335493"/>
-            </a:xfrm>
-            <a:prstGeom prst="rect">
-              <a:avLst/>
-            </a:prstGeom>
-          </p:spPr>
-          <p:txBody>
-            <a:bodyPr wrap="none">
-              <a:spAutoFit/>
-            </a:bodyPr>
-            <a:lstStyle/>
-            <a:p>
-              <a:r>
-                <a:rPr lang="fr-FR" sz="1400" dirty="0" smtClean="0">
-                  <a:latin typeface="Times New Roman" panose="02020603050405020304" pitchFamily="18" charset="0"/>
-                  <a:cs typeface="Times New Roman" panose="02020603050405020304" pitchFamily="18" charset="0"/>
-                </a:rPr>
-                <a:t>+2</a:t>
-              </a:r>
-              <a:endParaRPr lang="en-US" sz="1400" dirty="0"/>
-            </a:p>
-          </p:txBody>
-        </p:sp>
-        <p:sp>
-          <p:nvSpPr>
-            <p:cNvPr id="544" name="Rectangle 543"/>
-            <p:cNvSpPr/>
-            <p:nvPr/>
-          </p:nvSpPr>
-          <p:spPr>
-            <a:xfrm>
-              <a:off x="2261336" y="3839006"/>
-              <a:ext cx="414658" cy="335493"/>
-            </a:xfrm>
-            <a:prstGeom prst="rect">
-              <a:avLst/>
-            </a:prstGeom>
-          </p:spPr>
-          <p:txBody>
-            <a:bodyPr wrap="none">
-              <a:spAutoFit/>
-            </a:bodyPr>
-            <a:lstStyle/>
-            <a:p>
-              <a:r>
-                <a:rPr lang="fr-FR" sz="1400" dirty="0" smtClean="0">
-                  <a:latin typeface="Times New Roman" panose="02020603050405020304" pitchFamily="18" charset="0"/>
-                  <a:cs typeface="Times New Roman" panose="02020603050405020304" pitchFamily="18" charset="0"/>
-                </a:rPr>
-                <a:t>+3</a:t>
-              </a:r>
-              <a:endParaRPr lang="en-US" sz="1400" dirty="0"/>
-            </a:p>
-          </p:txBody>
-        </p:sp>
-        <p:sp>
-          <p:nvSpPr>
-            <p:cNvPr id="545" name="Rectangle 544"/>
-            <p:cNvSpPr/>
-            <p:nvPr/>
-          </p:nvSpPr>
-          <p:spPr>
-            <a:xfrm>
-              <a:off x="2499505" y="3839006"/>
-              <a:ext cx="414658" cy="335493"/>
-            </a:xfrm>
-            <a:prstGeom prst="rect">
-              <a:avLst/>
-            </a:prstGeom>
-          </p:spPr>
-          <p:txBody>
-            <a:bodyPr wrap="none">
-              <a:spAutoFit/>
-            </a:bodyPr>
-            <a:lstStyle/>
-            <a:p>
-              <a:r>
-                <a:rPr lang="fr-FR" sz="1400" dirty="0" smtClean="0">
-                  <a:latin typeface="Times New Roman" panose="02020603050405020304" pitchFamily="18" charset="0"/>
-                  <a:cs typeface="Times New Roman" panose="02020603050405020304" pitchFamily="18" charset="0"/>
-                </a:rPr>
-                <a:t>+4</a:t>
-              </a:r>
-              <a:endParaRPr lang="en-US" sz="1400" dirty="0"/>
-            </a:p>
-          </p:txBody>
-        </p:sp>
-        <p:sp>
-          <p:nvSpPr>
-            <p:cNvPr id="546" name="Rectangle 545"/>
-            <p:cNvSpPr/>
-            <p:nvPr/>
-          </p:nvSpPr>
-          <p:spPr>
-            <a:xfrm>
-              <a:off x="1307034" y="3839006"/>
-              <a:ext cx="368624" cy="335493"/>
-            </a:xfrm>
-            <a:prstGeom prst="rect">
-              <a:avLst/>
-            </a:prstGeom>
-          </p:spPr>
-          <p:txBody>
-            <a:bodyPr wrap="none">
-              <a:spAutoFit/>
-            </a:bodyPr>
-            <a:lstStyle/>
-            <a:p>
-              <a:r>
-                <a:rPr lang="fr-FR" sz="1400" dirty="0">
-                  <a:latin typeface="Times New Roman" panose="02020603050405020304" pitchFamily="18" charset="0"/>
-                  <a:cs typeface="Times New Roman" panose="02020603050405020304" pitchFamily="18" charset="0"/>
-                </a:rPr>
-                <a:t>-</a:t>
-              </a:r>
-              <a:r>
-                <a:rPr lang="fr-FR" sz="1400" dirty="0" smtClean="0">
-                  <a:latin typeface="Times New Roman" panose="02020603050405020304" pitchFamily="18" charset="0"/>
-                  <a:cs typeface="Times New Roman" panose="02020603050405020304" pitchFamily="18" charset="0"/>
-                </a:rPr>
-                <a:t>1</a:t>
-              </a:r>
-              <a:endParaRPr lang="en-US" sz="1400" dirty="0"/>
-            </a:p>
-          </p:txBody>
-        </p:sp>
-        <p:sp>
-          <p:nvSpPr>
-            <p:cNvPr id="547" name="Rectangle 546"/>
-            <p:cNvSpPr/>
-            <p:nvPr/>
-          </p:nvSpPr>
-          <p:spPr>
-            <a:xfrm>
-              <a:off x="1079855" y="3839006"/>
-              <a:ext cx="368624" cy="335493"/>
-            </a:xfrm>
-            <a:prstGeom prst="rect">
-              <a:avLst/>
-            </a:prstGeom>
-          </p:spPr>
-          <p:txBody>
-            <a:bodyPr wrap="none">
-              <a:spAutoFit/>
-            </a:bodyPr>
-            <a:lstStyle/>
-            <a:p>
-              <a:r>
-                <a:rPr lang="fr-FR" sz="1400" dirty="0">
-                  <a:latin typeface="Times New Roman" panose="02020603050405020304" pitchFamily="18" charset="0"/>
-                  <a:cs typeface="Times New Roman" panose="02020603050405020304" pitchFamily="18" charset="0"/>
-                </a:rPr>
-                <a:t>-</a:t>
-              </a:r>
-              <a:r>
-                <a:rPr lang="fr-FR" sz="1400" dirty="0" smtClean="0">
-                  <a:latin typeface="Times New Roman" panose="02020603050405020304" pitchFamily="18" charset="0"/>
-                  <a:cs typeface="Times New Roman" panose="02020603050405020304" pitchFamily="18" charset="0"/>
-                </a:rPr>
-                <a:t>2</a:t>
-              </a:r>
-              <a:endParaRPr lang="en-US" sz="1400" dirty="0"/>
-            </a:p>
-          </p:txBody>
-        </p:sp>
-        <p:sp>
-          <p:nvSpPr>
-            <p:cNvPr id="548" name="Rectangle 547"/>
-            <p:cNvSpPr/>
-            <p:nvPr/>
-          </p:nvSpPr>
-          <p:spPr>
-            <a:xfrm>
-              <a:off x="852676" y="3839006"/>
-              <a:ext cx="368624" cy="335493"/>
-            </a:xfrm>
-            <a:prstGeom prst="rect">
-              <a:avLst/>
-            </a:prstGeom>
-          </p:spPr>
-          <p:txBody>
-            <a:bodyPr wrap="none">
-              <a:spAutoFit/>
-            </a:bodyPr>
-            <a:lstStyle/>
-            <a:p>
-              <a:r>
-                <a:rPr lang="fr-FR" sz="1400" dirty="0">
-                  <a:latin typeface="Times New Roman" panose="02020603050405020304" pitchFamily="18" charset="0"/>
-                  <a:cs typeface="Times New Roman" panose="02020603050405020304" pitchFamily="18" charset="0"/>
-                </a:rPr>
-                <a:t>-</a:t>
-              </a:r>
-              <a:r>
-                <a:rPr lang="fr-FR" sz="1400" dirty="0" smtClean="0">
-                  <a:latin typeface="Times New Roman" panose="02020603050405020304" pitchFamily="18" charset="0"/>
-                  <a:cs typeface="Times New Roman" panose="02020603050405020304" pitchFamily="18" charset="0"/>
-                </a:rPr>
-                <a:t>3</a:t>
-              </a:r>
-              <a:endParaRPr lang="en-US" sz="1400" dirty="0"/>
-            </a:p>
-          </p:txBody>
-        </p:sp>
-        <p:sp>
-          <p:nvSpPr>
-            <p:cNvPr id="549" name="Rectangle 548"/>
-            <p:cNvSpPr/>
-            <p:nvPr/>
-          </p:nvSpPr>
-          <p:spPr>
-            <a:xfrm>
-              <a:off x="625497" y="3839006"/>
-              <a:ext cx="368624" cy="335493"/>
-            </a:xfrm>
-            <a:prstGeom prst="rect">
-              <a:avLst/>
-            </a:prstGeom>
-          </p:spPr>
-          <p:txBody>
-            <a:bodyPr wrap="none">
-              <a:spAutoFit/>
-            </a:bodyPr>
-            <a:lstStyle/>
-            <a:p>
-              <a:r>
-                <a:rPr lang="fr-FR" sz="1400" dirty="0">
-                  <a:latin typeface="Times New Roman" panose="02020603050405020304" pitchFamily="18" charset="0"/>
-                  <a:cs typeface="Times New Roman" panose="02020603050405020304" pitchFamily="18" charset="0"/>
-                </a:rPr>
-                <a:t>-</a:t>
-              </a:r>
-              <a:r>
-                <a:rPr lang="fr-FR" sz="1400" dirty="0" smtClean="0">
-                  <a:latin typeface="Times New Roman" panose="02020603050405020304" pitchFamily="18" charset="0"/>
-                  <a:cs typeface="Times New Roman" panose="02020603050405020304" pitchFamily="18" charset="0"/>
-                </a:rPr>
-                <a:t>4</a:t>
-              </a:r>
-              <a:endParaRPr lang="en-US" sz="1400" dirty="0"/>
-            </a:p>
-          </p:txBody>
-        </p:sp>
-        <p:sp>
-          <p:nvSpPr>
-            <p:cNvPr id="550" name="Rectangle 549"/>
-            <p:cNvSpPr/>
-            <p:nvPr/>
-          </p:nvSpPr>
-          <p:spPr>
-            <a:xfrm>
-              <a:off x="3335603" y="3717032"/>
-              <a:ext cx="300293" cy="230872"/>
-            </a:xfrm>
-            <a:prstGeom prst="rect">
-              <a:avLst/>
-            </a:prstGeom>
-          </p:spPr>
-          <p:txBody>
-            <a:bodyPr wrap="none">
-              <a:spAutoFit/>
-            </a:bodyPr>
-            <a:lstStyle/>
-            <a:p>
-              <a:r>
-                <a:rPr lang="fr-FR" sz="1600" dirty="0" err="1" smtClean="0">
-                  <a:latin typeface="Times New Roman" panose="02020603050405020304" pitchFamily="18" charset="0"/>
-                  <a:cs typeface="Times New Roman" panose="02020603050405020304" pitchFamily="18" charset="0"/>
-                </a:rPr>
-                <a:t>M</a:t>
-              </a:r>
-              <a:r>
-                <a:rPr lang="fr-FR" sz="1600" baseline="-25000" dirty="0" err="1" smtClean="0">
-                  <a:latin typeface="Times New Roman" panose="02020603050405020304" pitchFamily="18" charset="0"/>
-                  <a:cs typeface="Times New Roman" panose="02020603050405020304" pitchFamily="18" charset="0"/>
-                </a:rPr>
-                <a:t>z</a:t>
-              </a:r>
-              <a:endParaRPr lang="en-US" sz="1600" baseline="-25000" dirty="0"/>
-            </a:p>
-          </p:txBody>
-        </p:sp>
-        <p:sp>
-          <p:nvSpPr>
-            <p:cNvPr id="551" name="ZoneTexte 550"/>
-            <p:cNvSpPr txBox="1"/>
-            <p:nvPr/>
-          </p:nvSpPr>
-          <p:spPr>
-            <a:xfrm>
-              <a:off x="2882781" y="1972759"/>
-              <a:ext cx="538550" cy="209884"/>
-            </a:xfrm>
-            <a:prstGeom prst="rect">
-              <a:avLst/>
-            </a:prstGeom>
-            <a:noFill/>
-          </p:spPr>
-          <p:txBody>
-            <a:bodyPr wrap="none" rtlCol="0">
-              <a:spAutoFit/>
-            </a:bodyPr>
-            <a:lstStyle/>
-            <a:p>
-              <a:r>
-                <a:rPr lang="fr-FR" sz="1400" dirty="0" err="1" smtClean="0">
-                  <a:solidFill>
-                    <a:srgbClr val="FF0000"/>
-                  </a:solidFill>
-                  <a:latin typeface="Times New Roman" panose="02020603050405020304" pitchFamily="18" charset="0"/>
-                  <a:cs typeface="Times New Roman" panose="02020603050405020304" pitchFamily="18" charset="0"/>
-                </a:rPr>
-                <a:t>S</a:t>
-              </a:r>
-              <a:r>
-                <a:rPr lang="fr-FR" sz="1400" baseline="-25000" dirty="0" err="1" smtClean="0">
-                  <a:solidFill>
-                    <a:srgbClr val="FF0000"/>
-                  </a:solidFill>
-                  <a:latin typeface="Times New Roman" panose="02020603050405020304" pitchFamily="18" charset="0"/>
-                  <a:cs typeface="Times New Roman" panose="02020603050405020304" pitchFamily="18" charset="0"/>
-                </a:rPr>
-                <a:t>z</a:t>
-              </a:r>
-              <a:r>
-                <a:rPr lang="fr-FR" sz="1400" dirty="0" smtClean="0">
-                  <a:solidFill>
-                    <a:srgbClr val="FF0000"/>
-                  </a:solidFill>
-                  <a:latin typeface="Times New Roman" panose="02020603050405020304" pitchFamily="18" charset="0"/>
-                  <a:cs typeface="Times New Roman" panose="02020603050405020304" pitchFamily="18" charset="0"/>
-                </a:rPr>
-                <a:t>=+5/2</a:t>
-              </a:r>
-              <a:endParaRPr lang="en-US" sz="1400" baseline="-25000" dirty="0">
+            </a:solidFill>
+          </a:ln>
+        </p:spPr>
+        <p:style>
+          <a:lnRef idx="1">
+            <a:schemeClr val="accent1"/>
+          </a:lnRef>
+          <a:fillRef idx="0">
+            <a:schemeClr val="accent1"/>
+          </a:fillRef>
+          <a:effectRef idx="0">
+            <a:schemeClr val="accent1"/>
+          </a:effectRef>
+          <a:fontRef idx="minor">
+            <a:schemeClr val="tx1"/>
+          </a:fontRef>
+        </p:style>
+      </p:cxnSp>
+      <p:cxnSp>
+        <p:nvCxnSpPr>
+          <p:cNvPr id="534" name="Connecteur droit 533"/>
+          <p:cNvCxnSpPr/>
+          <p:nvPr/>
+        </p:nvCxnSpPr>
+        <p:spPr>
+          <a:xfrm flipH="1">
+            <a:off x="3536366" y="3623051"/>
+            <a:ext cx="1" cy="130946"/>
+          </a:xfrm>
+          <a:prstGeom prst="line">
+            <a:avLst/>
+          </a:prstGeom>
+          <a:ln w="28575">
+            <a:solidFill>
+              <a:schemeClr val="tx1"/>
+            </a:solidFill>
+          </a:ln>
+        </p:spPr>
+        <p:style>
+          <a:lnRef idx="1">
+            <a:schemeClr val="accent1"/>
+          </a:lnRef>
+          <a:fillRef idx="0">
+            <a:schemeClr val="accent1"/>
+          </a:fillRef>
+          <a:effectRef idx="0">
+            <a:schemeClr val="accent1"/>
+          </a:effectRef>
+          <a:fontRef idx="minor">
+            <a:schemeClr val="tx1"/>
+          </a:fontRef>
+        </p:style>
+      </p:cxnSp>
+      <p:cxnSp>
+        <p:nvCxnSpPr>
+          <p:cNvPr id="535" name="Connecteur droit 534"/>
+          <p:cNvCxnSpPr/>
+          <p:nvPr/>
+        </p:nvCxnSpPr>
+        <p:spPr>
+          <a:xfrm flipH="1">
+            <a:off x="3763546" y="3623051"/>
+            <a:ext cx="1" cy="130946"/>
+          </a:xfrm>
+          <a:prstGeom prst="line">
+            <a:avLst/>
+          </a:prstGeom>
+          <a:ln w="28575">
+            <a:solidFill>
+              <a:schemeClr val="tx1"/>
+            </a:solidFill>
+          </a:ln>
+        </p:spPr>
+        <p:style>
+          <a:lnRef idx="1">
+            <a:schemeClr val="accent1"/>
+          </a:lnRef>
+          <a:fillRef idx="0">
+            <a:schemeClr val="accent1"/>
+          </a:fillRef>
+          <a:effectRef idx="0">
+            <a:schemeClr val="accent1"/>
+          </a:effectRef>
+          <a:fontRef idx="minor">
+            <a:schemeClr val="tx1"/>
+          </a:fontRef>
+        </p:style>
+      </p:cxnSp>
+      <p:cxnSp>
+        <p:nvCxnSpPr>
+          <p:cNvPr id="536" name="Connecteur droit 535"/>
+          <p:cNvCxnSpPr/>
+          <p:nvPr/>
+        </p:nvCxnSpPr>
+        <p:spPr>
+          <a:xfrm flipH="1">
+            <a:off x="3990725" y="3623051"/>
+            <a:ext cx="1" cy="130946"/>
+          </a:xfrm>
+          <a:prstGeom prst="line">
+            <a:avLst/>
+          </a:prstGeom>
+          <a:ln w="28575">
+            <a:solidFill>
+              <a:schemeClr val="tx1"/>
+            </a:solidFill>
+          </a:ln>
+        </p:spPr>
+        <p:style>
+          <a:lnRef idx="1">
+            <a:schemeClr val="accent1"/>
+          </a:lnRef>
+          <a:fillRef idx="0">
+            <a:schemeClr val="accent1"/>
+          </a:fillRef>
+          <a:effectRef idx="0">
+            <a:schemeClr val="accent1"/>
+          </a:effectRef>
+          <a:fontRef idx="minor">
+            <a:schemeClr val="tx1"/>
+          </a:fontRef>
+        </p:style>
+      </p:cxnSp>
+      <p:cxnSp>
+        <p:nvCxnSpPr>
+          <p:cNvPr id="537" name="Connecteur droit 536"/>
+          <p:cNvCxnSpPr/>
+          <p:nvPr/>
+        </p:nvCxnSpPr>
+        <p:spPr>
+          <a:xfrm flipH="1">
+            <a:off x="2816969" y="3623051"/>
+            <a:ext cx="1" cy="130946"/>
+          </a:xfrm>
+          <a:prstGeom prst="line">
+            <a:avLst/>
+          </a:prstGeom>
+          <a:ln w="28575">
+            <a:solidFill>
+              <a:schemeClr val="tx1"/>
+            </a:solidFill>
+          </a:ln>
+        </p:spPr>
+        <p:style>
+          <a:lnRef idx="1">
+            <a:schemeClr val="accent1"/>
+          </a:lnRef>
+          <a:fillRef idx="0">
+            <a:schemeClr val="accent1"/>
+          </a:fillRef>
+          <a:effectRef idx="0">
+            <a:schemeClr val="accent1"/>
+          </a:effectRef>
+          <a:fontRef idx="minor">
+            <a:schemeClr val="tx1"/>
+          </a:fontRef>
+        </p:style>
+      </p:cxnSp>
+      <p:cxnSp>
+        <p:nvCxnSpPr>
+          <p:cNvPr id="538" name="Connecteur droit 537"/>
+          <p:cNvCxnSpPr/>
+          <p:nvPr/>
+        </p:nvCxnSpPr>
+        <p:spPr>
+          <a:xfrm flipH="1">
+            <a:off x="2589790" y="3623051"/>
+            <a:ext cx="1" cy="130946"/>
+          </a:xfrm>
+          <a:prstGeom prst="line">
+            <a:avLst/>
+          </a:prstGeom>
+          <a:ln w="28575">
+            <a:solidFill>
+              <a:schemeClr val="tx1"/>
+            </a:solidFill>
+          </a:ln>
+        </p:spPr>
+        <p:style>
+          <a:lnRef idx="1">
+            <a:schemeClr val="accent1"/>
+          </a:lnRef>
+          <a:fillRef idx="0">
+            <a:schemeClr val="accent1"/>
+          </a:fillRef>
+          <a:effectRef idx="0">
+            <a:schemeClr val="accent1"/>
+          </a:effectRef>
+          <a:fontRef idx="minor">
+            <a:schemeClr val="tx1"/>
+          </a:fontRef>
+        </p:style>
+      </p:cxnSp>
+      <p:cxnSp>
+        <p:nvCxnSpPr>
+          <p:cNvPr id="539" name="Connecteur droit 538"/>
+          <p:cNvCxnSpPr/>
+          <p:nvPr/>
+        </p:nvCxnSpPr>
+        <p:spPr>
+          <a:xfrm flipH="1">
+            <a:off x="2362610" y="3623051"/>
+            <a:ext cx="1" cy="130946"/>
+          </a:xfrm>
+          <a:prstGeom prst="line">
+            <a:avLst/>
+          </a:prstGeom>
+          <a:ln w="28575">
+            <a:solidFill>
+              <a:schemeClr val="tx1"/>
+            </a:solidFill>
+          </a:ln>
+        </p:spPr>
+        <p:style>
+          <a:lnRef idx="1">
+            <a:schemeClr val="accent1"/>
+          </a:lnRef>
+          <a:fillRef idx="0">
+            <a:schemeClr val="accent1"/>
+          </a:fillRef>
+          <a:effectRef idx="0">
+            <a:schemeClr val="accent1"/>
+          </a:effectRef>
+          <a:fontRef idx="minor">
+            <a:schemeClr val="tx1"/>
+          </a:fontRef>
+        </p:style>
+      </p:cxnSp>
+      <p:cxnSp>
+        <p:nvCxnSpPr>
+          <p:cNvPr id="540" name="Connecteur droit 539"/>
+          <p:cNvCxnSpPr/>
+          <p:nvPr/>
+        </p:nvCxnSpPr>
+        <p:spPr>
+          <a:xfrm flipH="1">
+            <a:off x="2135431" y="3623051"/>
+            <a:ext cx="1" cy="130946"/>
+          </a:xfrm>
+          <a:prstGeom prst="line">
+            <a:avLst/>
+          </a:prstGeom>
+          <a:ln w="28575">
+            <a:solidFill>
+              <a:schemeClr val="tx1"/>
+            </a:solidFill>
+          </a:ln>
+        </p:spPr>
+        <p:style>
+          <a:lnRef idx="1">
+            <a:schemeClr val="accent1"/>
+          </a:lnRef>
+          <a:fillRef idx="0">
+            <a:schemeClr val="accent1"/>
+          </a:fillRef>
+          <a:effectRef idx="0">
+            <a:schemeClr val="accent1"/>
+          </a:effectRef>
+          <a:fontRef idx="minor">
+            <a:schemeClr val="tx1"/>
+          </a:fontRef>
+        </p:style>
+      </p:cxnSp>
+      <p:sp>
+        <p:nvSpPr>
+          <p:cNvPr id="541" name="Rectangle 540"/>
+          <p:cNvSpPr/>
+          <p:nvPr/>
+        </p:nvSpPr>
+        <p:spPr>
+          <a:xfrm>
+            <a:off x="2898141" y="3839006"/>
+            <a:ext cx="303114" cy="335493"/>
+          </a:xfrm>
+          <a:prstGeom prst="rect">
+            <a:avLst/>
+          </a:prstGeom>
+        </p:spPr>
+        <p:txBody>
+          <a:bodyPr wrap="none">
+            <a:spAutoFit/>
+          </a:bodyPr>
+          <a:lstStyle/>
+          <a:p>
+            <a:r>
+              <a:rPr lang="fr-FR" sz="1400" dirty="0" smtClean="0">
+                <a:latin typeface="Times New Roman" panose="02020603050405020304" pitchFamily="18" charset="0"/>
+                <a:cs typeface="Times New Roman" panose="02020603050405020304" pitchFamily="18" charset="0"/>
+              </a:rPr>
+              <a:t>0</a:t>
+            </a:r>
+            <a:endParaRPr lang="en-US" sz="1400" dirty="0"/>
+          </a:p>
+        </p:txBody>
+      </p:sp>
+      <p:sp>
+        <p:nvSpPr>
+          <p:cNvPr id="542" name="Rectangle 541"/>
+          <p:cNvSpPr/>
+          <p:nvPr/>
+        </p:nvSpPr>
+        <p:spPr>
+          <a:xfrm>
+            <a:off x="3088649" y="3839006"/>
+            <a:ext cx="414658" cy="335493"/>
+          </a:xfrm>
+          <a:prstGeom prst="rect">
+            <a:avLst/>
+          </a:prstGeom>
+        </p:spPr>
+        <p:txBody>
+          <a:bodyPr wrap="none">
+            <a:spAutoFit/>
+          </a:bodyPr>
+          <a:lstStyle/>
+          <a:p>
+            <a:r>
+              <a:rPr lang="fr-FR" sz="1400" dirty="0" smtClean="0">
+                <a:latin typeface="Times New Roman" panose="02020603050405020304" pitchFamily="18" charset="0"/>
+                <a:cs typeface="Times New Roman" panose="02020603050405020304" pitchFamily="18" charset="0"/>
+              </a:rPr>
+              <a:t>+1</a:t>
+            </a:r>
+            <a:endParaRPr lang="en-US" sz="1400" dirty="0"/>
+          </a:p>
+        </p:txBody>
+      </p:sp>
+      <p:sp>
+        <p:nvSpPr>
+          <p:cNvPr id="543" name="Rectangle 542"/>
+          <p:cNvSpPr/>
+          <p:nvPr/>
+        </p:nvSpPr>
+        <p:spPr>
+          <a:xfrm>
+            <a:off x="3306406" y="3839006"/>
+            <a:ext cx="414658" cy="335493"/>
+          </a:xfrm>
+          <a:prstGeom prst="rect">
+            <a:avLst/>
+          </a:prstGeom>
+        </p:spPr>
+        <p:txBody>
+          <a:bodyPr wrap="none">
+            <a:spAutoFit/>
+          </a:bodyPr>
+          <a:lstStyle/>
+          <a:p>
+            <a:r>
+              <a:rPr lang="fr-FR" sz="1400" dirty="0" smtClean="0">
+                <a:latin typeface="Times New Roman" panose="02020603050405020304" pitchFamily="18" charset="0"/>
+                <a:cs typeface="Times New Roman" panose="02020603050405020304" pitchFamily="18" charset="0"/>
+              </a:rPr>
+              <a:t>+2</a:t>
+            </a:r>
+            <a:endParaRPr lang="en-US" sz="1400" dirty="0"/>
+          </a:p>
+        </p:txBody>
+      </p:sp>
+      <p:sp>
+        <p:nvSpPr>
+          <p:cNvPr id="544" name="Rectangle 543"/>
+          <p:cNvSpPr/>
+          <p:nvPr/>
+        </p:nvSpPr>
+        <p:spPr>
+          <a:xfrm>
+            <a:off x="3549131" y="3839006"/>
+            <a:ext cx="414658" cy="335493"/>
+          </a:xfrm>
+          <a:prstGeom prst="rect">
+            <a:avLst/>
+          </a:prstGeom>
+        </p:spPr>
+        <p:txBody>
+          <a:bodyPr wrap="none">
+            <a:spAutoFit/>
+          </a:bodyPr>
+          <a:lstStyle/>
+          <a:p>
+            <a:r>
+              <a:rPr lang="fr-FR" sz="1400" dirty="0" smtClean="0">
+                <a:latin typeface="Times New Roman" panose="02020603050405020304" pitchFamily="18" charset="0"/>
+                <a:cs typeface="Times New Roman" panose="02020603050405020304" pitchFamily="18" charset="0"/>
+              </a:rPr>
+              <a:t>+3</a:t>
+            </a:r>
+            <a:endParaRPr lang="en-US" sz="1400" dirty="0"/>
+          </a:p>
+        </p:txBody>
+      </p:sp>
+      <p:sp>
+        <p:nvSpPr>
+          <p:cNvPr id="545" name="Rectangle 544"/>
+          <p:cNvSpPr/>
+          <p:nvPr/>
+        </p:nvSpPr>
+        <p:spPr>
+          <a:xfrm>
+            <a:off x="3787300" y="3839006"/>
+            <a:ext cx="414658" cy="335493"/>
+          </a:xfrm>
+          <a:prstGeom prst="rect">
+            <a:avLst/>
+          </a:prstGeom>
+        </p:spPr>
+        <p:txBody>
+          <a:bodyPr wrap="none">
+            <a:spAutoFit/>
+          </a:bodyPr>
+          <a:lstStyle/>
+          <a:p>
+            <a:r>
+              <a:rPr lang="fr-FR" sz="1400" dirty="0" smtClean="0">
+                <a:latin typeface="Times New Roman" panose="02020603050405020304" pitchFamily="18" charset="0"/>
+                <a:cs typeface="Times New Roman" panose="02020603050405020304" pitchFamily="18" charset="0"/>
+              </a:rPr>
+              <a:t>+4</a:t>
+            </a:r>
+            <a:endParaRPr lang="en-US" sz="1400" dirty="0"/>
+          </a:p>
+        </p:txBody>
+      </p:sp>
+      <p:sp>
+        <p:nvSpPr>
+          <p:cNvPr id="546" name="Rectangle 545"/>
+          <p:cNvSpPr/>
+          <p:nvPr/>
+        </p:nvSpPr>
+        <p:spPr>
+          <a:xfrm>
+            <a:off x="2594829" y="3839006"/>
+            <a:ext cx="368624" cy="335493"/>
+          </a:xfrm>
+          <a:prstGeom prst="rect">
+            <a:avLst/>
+          </a:prstGeom>
+        </p:spPr>
+        <p:txBody>
+          <a:bodyPr wrap="none">
+            <a:spAutoFit/>
+          </a:bodyPr>
+          <a:lstStyle/>
+          <a:p>
+            <a:r>
+              <a:rPr lang="fr-FR" sz="1400" dirty="0">
+                <a:latin typeface="Times New Roman" panose="02020603050405020304" pitchFamily="18" charset="0"/>
+                <a:cs typeface="Times New Roman" panose="02020603050405020304" pitchFamily="18" charset="0"/>
+              </a:rPr>
+              <a:t>-</a:t>
+            </a:r>
+            <a:r>
+              <a:rPr lang="fr-FR" sz="1400" dirty="0" smtClean="0">
+                <a:latin typeface="Times New Roman" panose="02020603050405020304" pitchFamily="18" charset="0"/>
+                <a:cs typeface="Times New Roman" panose="02020603050405020304" pitchFamily="18" charset="0"/>
+              </a:rPr>
+              <a:t>1</a:t>
+            </a:r>
+            <a:endParaRPr lang="en-US" sz="1400" dirty="0"/>
+          </a:p>
+        </p:txBody>
+      </p:sp>
+      <p:sp>
+        <p:nvSpPr>
+          <p:cNvPr id="547" name="Rectangle 546"/>
+          <p:cNvSpPr/>
+          <p:nvPr/>
+        </p:nvSpPr>
+        <p:spPr>
+          <a:xfrm>
+            <a:off x="2367650" y="3839006"/>
+            <a:ext cx="368624" cy="335493"/>
+          </a:xfrm>
+          <a:prstGeom prst="rect">
+            <a:avLst/>
+          </a:prstGeom>
+        </p:spPr>
+        <p:txBody>
+          <a:bodyPr wrap="none">
+            <a:spAutoFit/>
+          </a:bodyPr>
+          <a:lstStyle/>
+          <a:p>
+            <a:r>
+              <a:rPr lang="fr-FR" sz="1400" dirty="0">
+                <a:latin typeface="Times New Roman" panose="02020603050405020304" pitchFamily="18" charset="0"/>
+                <a:cs typeface="Times New Roman" panose="02020603050405020304" pitchFamily="18" charset="0"/>
+              </a:rPr>
+              <a:t>-</a:t>
+            </a:r>
+            <a:r>
+              <a:rPr lang="fr-FR" sz="1400" dirty="0" smtClean="0">
+                <a:latin typeface="Times New Roman" panose="02020603050405020304" pitchFamily="18" charset="0"/>
+                <a:cs typeface="Times New Roman" panose="02020603050405020304" pitchFamily="18" charset="0"/>
+              </a:rPr>
+              <a:t>2</a:t>
+            </a:r>
+            <a:endParaRPr lang="en-US" sz="1400" dirty="0"/>
+          </a:p>
+        </p:txBody>
+      </p:sp>
+      <p:sp>
+        <p:nvSpPr>
+          <p:cNvPr id="548" name="Rectangle 547"/>
+          <p:cNvSpPr/>
+          <p:nvPr/>
+        </p:nvSpPr>
+        <p:spPr>
+          <a:xfrm>
+            <a:off x="2140471" y="3839006"/>
+            <a:ext cx="368624" cy="335493"/>
+          </a:xfrm>
+          <a:prstGeom prst="rect">
+            <a:avLst/>
+          </a:prstGeom>
+        </p:spPr>
+        <p:txBody>
+          <a:bodyPr wrap="none">
+            <a:spAutoFit/>
+          </a:bodyPr>
+          <a:lstStyle/>
+          <a:p>
+            <a:r>
+              <a:rPr lang="fr-FR" sz="1400" dirty="0">
+                <a:latin typeface="Times New Roman" panose="02020603050405020304" pitchFamily="18" charset="0"/>
+                <a:cs typeface="Times New Roman" panose="02020603050405020304" pitchFamily="18" charset="0"/>
+              </a:rPr>
+              <a:t>-</a:t>
+            </a:r>
+            <a:r>
+              <a:rPr lang="fr-FR" sz="1400" dirty="0" smtClean="0">
+                <a:latin typeface="Times New Roman" panose="02020603050405020304" pitchFamily="18" charset="0"/>
+                <a:cs typeface="Times New Roman" panose="02020603050405020304" pitchFamily="18" charset="0"/>
+              </a:rPr>
+              <a:t>3</a:t>
+            </a:r>
+            <a:endParaRPr lang="en-US" sz="1400" dirty="0"/>
+          </a:p>
+        </p:txBody>
+      </p:sp>
+      <p:sp>
+        <p:nvSpPr>
+          <p:cNvPr id="549" name="Rectangle 548"/>
+          <p:cNvSpPr/>
+          <p:nvPr/>
+        </p:nvSpPr>
+        <p:spPr>
+          <a:xfrm>
+            <a:off x="1913292" y="3839006"/>
+            <a:ext cx="368624" cy="335493"/>
+          </a:xfrm>
+          <a:prstGeom prst="rect">
+            <a:avLst/>
+          </a:prstGeom>
+        </p:spPr>
+        <p:txBody>
+          <a:bodyPr wrap="none">
+            <a:spAutoFit/>
+          </a:bodyPr>
+          <a:lstStyle/>
+          <a:p>
+            <a:r>
+              <a:rPr lang="fr-FR" sz="1400" dirty="0">
+                <a:latin typeface="Times New Roman" panose="02020603050405020304" pitchFamily="18" charset="0"/>
+                <a:cs typeface="Times New Roman" panose="02020603050405020304" pitchFamily="18" charset="0"/>
+              </a:rPr>
+              <a:t>-</a:t>
+            </a:r>
+            <a:r>
+              <a:rPr lang="fr-FR" sz="1400" dirty="0" smtClean="0">
+                <a:latin typeface="Times New Roman" panose="02020603050405020304" pitchFamily="18" charset="0"/>
+                <a:cs typeface="Times New Roman" panose="02020603050405020304" pitchFamily="18" charset="0"/>
+              </a:rPr>
+              <a:t>4</a:t>
+            </a:r>
+            <a:endParaRPr lang="en-US" sz="1400" dirty="0"/>
+          </a:p>
+        </p:txBody>
+      </p:sp>
+      <p:sp>
+        <p:nvSpPr>
+          <p:cNvPr id="550" name="Rectangle 549"/>
+          <p:cNvSpPr/>
+          <p:nvPr/>
+        </p:nvSpPr>
+        <p:spPr>
+          <a:xfrm>
+            <a:off x="4623398" y="3717032"/>
+            <a:ext cx="300293" cy="230872"/>
+          </a:xfrm>
+          <a:prstGeom prst="rect">
+            <a:avLst/>
+          </a:prstGeom>
+        </p:spPr>
+        <p:txBody>
+          <a:bodyPr wrap="none">
+            <a:spAutoFit/>
+          </a:bodyPr>
+          <a:lstStyle/>
+          <a:p>
+            <a:r>
+              <a:rPr lang="fr-FR" sz="1600" dirty="0" err="1" smtClean="0">
+                <a:latin typeface="Times New Roman" panose="02020603050405020304" pitchFamily="18" charset="0"/>
+                <a:cs typeface="Times New Roman" panose="02020603050405020304" pitchFamily="18" charset="0"/>
+              </a:rPr>
+              <a:t>M</a:t>
+            </a:r>
+            <a:r>
+              <a:rPr lang="fr-FR" sz="1600" baseline="-25000" dirty="0" err="1" smtClean="0">
+                <a:latin typeface="Times New Roman" panose="02020603050405020304" pitchFamily="18" charset="0"/>
+                <a:cs typeface="Times New Roman" panose="02020603050405020304" pitchFamily="18" charset="0"/>
+              </a:rPr>
+              <a:t>z</a:t>
+            </a:r>
+            <a:endParaRPr lang="en-US" sz="1600" baseline="-25000" dirty="0"/>
+          </a:p>
+        </p:txBody>
+      </p:sp>
+      <p:sp>
+        <p:nvSpPr>
+          <p:cNvPr id="551" name="ZoneTexte 550"/>
+          <p:cNvSpPr txBox="1"/>
+          <p:nvPr/>
+        </p:nvSpPr>
+        <p:spPr>
+          <a:xfrm>
+            <a:off x="4170576" y="1972759"/>
+            <a:ext cx="538550" cy="209884"/>
+          </a:xfrm>
+          <a:prstGeom prst="rect">
+            <a:avLst/>
+          </a:prstGeom>
+          <a:noFill/>
+        </p:spPr>
+        <p:txBody>
+          <a:bodyPr wrap="none" rtlCol="0">
+            <a:spAutoFit/>
+          </a:bodyPr>
+          <a:lstStyle/>
+          <a:p>
+            <a:r>
+              <a:rPr lang="fr-FR" sz="1400" dirty="0" err="1" smtClean="0">
                 <a:solidFill>
                   <a:srgbClr val="FF0000"/>
                 </a:solidFill>
                 <a:latin typeface="Times New Roman" panose="02020603050405020304" pitchFamily="18" charset="0"/>
                 <a:cs typeface="Times New Roman" panose="02020603050405020304" pitchFamily="18" charset="0"/>
-              </a:endParaRPr>
-            </a:p>
-          </p:txBody>
-        </p:sp>
-        <p:sp>
-          <p:nvSpPr>
-            <p:cNvPr id="552" name="ZoneTexte 551"/>
-            <p:cNvSpPr txBox="1"/>
-            <p:nvPr/>
-          </p:nvSpPr>
-          <p:spPr>
-            <a:xfrm>
-              <a:off x="625497" y="3282221"/>
-              <a:ext cx="509330" cy="209884"/>
-            </a:xfrm>
-            <a:prstGeom prst="rect">
-              <a:avLst/>
-            </a:prstGeom>
-            <a:noFill/>
-          </p:spPr>
-          <p:txBody>
-            <a:bodyPr wrap="none" rtlCol="0">
-              <a:spAutoFit/>
-            </a:bodyPr>
-            <a:lstStyle/>
-            <a:p>
-              <a:r>
-                <a:rPr lang="fr-FR" sz="1400" dirty="0" err="1" smtClean="0">
-                  <a:solidFill>
-                    <a:srgbClr val="FF0000"/>
-                  </a:solidFill>
-                  <a:latin typeface="Times New Roman" panose="02020603050405020304" pitchFamily="18" charset="0"/>
-                  <a:cs typeface="Times New Roman" panose="02020603050405020304" pitchFamily="18" charset="0"/>
-                </a:rPr>
-                <a:t>S</a:t>
-              </a:r>
-              <a:r>
-                <a:rPr lang="fr-FR" sz="1400" baseline="-25000" dirty="0" err="1" smtClean="0">
-                  <a:solidFill>
-                    <a:srgbClr val="FF0000"/>
-                  </a:solidFill>
-                  <a:latin typeface="Times New Roman" panose="02020603050405020304" pitchFamily="18" charset="0"/>
-                  <a:cs typeface="Times New Roman" panose="02020603050405020304" pitchFamily="18" charset="0"/>
-                </a:rPr>
-                <a:t>z</a:t>
-              </a:r>
-              <a:r>
-                <a:rPr lang="fr-FR" sz="1400" dirty="0" smtClean="0">
-                  <a:solidFill>
-                    <a:srgbClr val="FF0000"/>
-                  </a:solidFill>
-                  <a:latin typeface="Times New Roman" panose="02020603050405020304" pitchFamily="18" charset="0"/>
-                  <a:cs typeface="Times New Roman" panose="02020603050405020304" pitchFamily="18" charset="0"/>
-                </a:rPr>
-                <a:t>=-5/2</a:t>
-              </a:r>
-              <a:endParaRPr lang="en-US" sz="1400" baseline="-25000" dirty="0">
+              </a:rPr>
+              <a:t>S</a:t>
+            </a:r>
+            <a:r>
+              <a:rPr lang="fr-FR" sz="1400" baseline="-25000" dirty="0" err="1" smtClean="0">
                 <a:solidFill>
                   <a:srgbClr val="FF0000"/>
                 </a:solidFill>
                 <a:latin typeface="Times New Roman" panose="02020603050405020304" pitchFamily="18" charset="0"/>
                 <a:cs typeface="Times New Roman" panose="02020603050405020304" pitchFamily="18" charset="0"/>
-              </a:endParaRPr>
-            </a:p>
-          </p:txBody>
-        </p:sp>
-        <p:sp>
-          <p:nvSpPr>
-            <p:cNvPr id="553" name="Rectangle 552"/>
-            <p:cNvSpPr/>
-            <p:nvPr/>
-          </p:nvSpPr>
-          <p:spPr>
-            <a:xfrm>
-              <a:off x="2693361" y="238199"/>
-              <a:ext cx="591710" cy="335493"/>
-            </a:xfrm>
-            <a:prstGeom prst="rect">
-              <a:avLst/>
-            </a:prstGeom>
-          </p:spPr>
-          <p:txBody>
-            <a:bodyPr wrap="none">
-              <a:spAutoFit/>
-            </a:bodyPr>
-            <a:lstStyle/>
-            <a:p>
-              <a:r>
-                <a:rPr lang="fr-FR" sz="1400" dirty="0" smtClean="0">
-                  <a:latin typeface="Times New Roman" panose="02020603050405020304" pitchFamily="18" charset="0"/>
-                  <a:cs typeface="Times New Roman" panose="02020603050405020304" pitchFamily="18" charset="0"/>
-                </a:rPr>
-                <a:t>M=2</a:t>
-              </a:r>
-              <a:endParaRPr lang="en-US" sz="1400" dirty="0"/>
-            </a:p>
-          </p:txBody>
-        </p:sp>
-        <p:sp>
-          <p:nvSpPr>
-            <p:cNvPr id="554" name="Rectangle 553"/>
-            <p:cNvSpPr/>
-            <p:nvPr/>
-          </p:nvSpPr>
-          <p:spPr>
-            <a:xfrm>
-              <a:off x="3241016" y="2996952"/>
-              <a:ext cx="449766" cy="230872"/>
-            </a:xfrm>
-            <a:prstGeom prst="rect">
-              <a:avLst/>
-            </a:prstGeom>
-          </p:spPr>
-          <p:txBody>
-            <a:bodyPr wrap="none">
-              <a:spAutoFit/>
-            </a:bodyPr>
-            <a:lstStyle/>
-            <a:p>
-              <a:r>
-                <a:rPr lang="fr-FR" sz="1600" dirty="0">
-                  <a:latin typeface="Times New Roman" panose="02020603050405020304" pitchFamily="18" charset="0"/>
-                  <a:cs typeface="Times New Roman" panose="02020603050405020304" pitchFamily="18" charset="0"/>
-                </a:rPr>
-                <a:t>h</a:t>
-              </a:r>
-              <a:r>
-                <a:rPr lang="fr-FR" sz="1600" dirty="0" smtClean="0">
-                  <a:latin typeface="Times New Roman" panose="02020603050405020304" pitchFamily="18" charset="0"/>
-                  <a:cs typeface="Times New Roman" panose="02020603050405020304" pitchFamily="18" charset="0"/>
-                </a:rPr>
-                <a:t>-Mn</a:t>
-              </a:r>
-              <a:endParaRPr lang="en-US" sz="1600" dirty="0"/>
-            </a:p>
-          </p:txBody>
-        </p:sp>
-        <p:sp>
-          <p:nvSpPr>
-            <p:cNvPr id="555" name="Line 17"/>
-            <p:cNvSpPr>
-              <a:spLocks noChangeShapeType="1"/>
-            </p:cNvSpPr>
-            <p:nvPr/>
-          </p:nvSpPr>
-          <p:spPr bwMode="auto">
-            <a:xfrm>
-              <a:off x="2587086" y="2182644"/>
-              <a:ext cx="191572" cy="0"/>
-            </a:xfrm>
-            <a:prstGeom prst="line">
-              <a:avLst/>
-            </a:prstGeom>
-            <a:ln>
+              </a:rPr>
+              <a:t>z</a:t>
+            </a:r>
+            <a:r>
+              <a:rPr lang="fr-FR" sz="1400" dirty="0" smtClean="0">
+                <a:solidFill>
+                  <a:srgbClr val="FF0000"/>
+                </a:solidFill>
+                <a:latin typeface="Times New Roman" panose="02020603050405020304" pitchFamily="18" charset="0"/>
+                <a:cs typeface="Times New Roman" panose="02020603050405020304" pitchFamily="18" charset="0"/>
+              </a:rPr>
+              <a:t>=+5/2</a:t>
+            </a:r>
+            <a:endParaRPr lang="en-US" sz="1400" baseline="-25000" dirty="0">
               <a:solidFill>
                 <a:srgbClr val="FF0000"/>
               </a:solidFill>
-              <a:prstDash val="solid"/>
-              <a:headEnd/>
-              <a:tailEnd/>
-            </a:ln>
-            <a:effectLst/>
-            <a:extLst/>
-          </p:spPr>
-          <p:style>
-            <a:lnRef idx="2">
-              <a:schemeClr val="accent2"/>
-            </a:lnRef>
-            <a:fillRef idx="0">
-              <a:schemeClr val="accent2"/>
-            </a:fillRef>
-            <a:effectRef idx="1">
-              <a:schemeClr val="accent2"/>
-            </a:effectRef>
-            <a:fontRef idx="minor">
-              <a:schemeClr val="tx1"/>
-            </a:fontRef>
-          </p:style>
-          <p:txBody>
-            <a:bodyPr/>
-            <a:lstStyle/>
-            <a:p>
-              <a:endParaRPr lang="en-US"/>
-            </a:p>
-          </p:txBody>
-        </p:sp>
-        <p:sp>
-          <p:nvSpPr>
-            <p:cNvPr id="556" name="Line 17"/>
-            <p:cNvSpPr>
-              <a:spLocks noChangeShapeType="1"/>
-            </p:cNvSpPr>
-            <p:nvPr/>
-          </p:nvSpPr>
-          <p:spPr bwMode="auto">
-            <a:xfrm>
-              <a:off x="1432924" y="2903524"/>
-              <a:ext cx="642506" cy="0"/>
-            </a:xfrm>
-            <a:prstGeom prst="line">
-              <a:avLst/>
-            </a:prstGeom>
-            <a:ln>
+              <a:latin typeface="Times New Roman" panose="02020603050405020304" pitchFamily="18" charset="0"/>
+              <a:cs typeface="Times New Roman" panose="02020603050405020304" pitchFamily="18" charset="0"/>
+            </a:endParaRPr>
+          </a:p>
+        </p:txBody>
+      </p:sp>
+      <p:sp>
+        <p:nvSpPr>
+          <p:cNvPr id="552" name="ZoneTexte 551"/>
+          <p:cNvSpPr txBox="1"/>
+          <p:nvPr/>
+        </p:nvSpPr>
+        <p:spPr>
+          <a:xfrm>
+            <a:off x="1913292" y="3282221"/>
+            <a:ext cx="509330" cy="209884"/>
+          </a:xfrm>
+          <a:prstGeom prst="rect">
+            <a:avLst/>
+          </a:prstGeom>
+          <a:noFill/>
+        </p:spPr>
+        <p:txBody>
+          <a:bodyPr wrap="none" rtlCol="0">
+            <a:spAutoFit/>
+          </a:bodyPr>
+          <a:lstStyle/>
+          <a:p>
+            <a:r>
+              <a:rPr lang="fr-FR" sz="1400" dirty="0" err="1" smtClean="0">
+                <a:solidFill>
+                  <a:srgbClr val="FF0000"/>
+                </a:solidFill>
+                <a:latin typeface="Times New Roman" panose="02020603050405020304" pitchFamily="18" charset="0"/>
+                <a:cs typeface="Times New Roman" panose="02020603050405020304" pitchFamily="18" charset="0"/>
+              </a:rPr>
+              <a:t>S</a:t>
+            </a:r>
+            <a:r>
+              <a:rPr lang="fr-FR" sz="1400" baseline="-25000" dirty="0" err="1" smtClean="0">
+                <a:solidFill>
+                  <a:srgbClr val="FF0000"/>
+                </a:solidFill>
+                <a:latin typeface="Times New Roman" panose="02020603050405020304" pitchFamily="18" charset="0"/>
+                <a:cs typeface="Times New Roman" panose="02020603050405020304" pitchFamily="18" charset="0"/>
+              </a:rPr>
+              <a:t>z</a:t>
+            </a:r>
+            <a:r>
+              <a:rPr lang="fr-FR" sz="1400" dirty="0" smtClean="0">
+                <a:solidFill>
+                  <a:srgbClr val="FF0000"/>
+                </a:solidFill>
+                <a:latin typeface="Times New Roman" panose="02020603050405020304" pitchFamily="18" charset="0"/>
+                <a:cs typeface="Times New Roman" panose="02020603050405020304" pitchFamily="18" charset="0"/>
+              </a:rPr>
+              <a:t>=-5/2</a:t>
+            </a:r>
+            <a:endParaRPr lang="en-US" sz="1400" baseline="-25000" dirty="0">
               <a:solidFill>
                 <a:srgbClr val="FF0000"/>
               </a:solidFill>
-              <a:prstDash val="sysDot"/>
-              <a:headEnd/>
-              <a:tailEnd/>
-            </a:ln>
-            <a:effectLst/>
-            <a:extLst/>
-          </p:spPr>
-          <p:style>
-            <a:lnRef idx="2">
-              <a:schemeClr val="accent2"/>
-            </a:lnRef>
-            <a:fillRef idx="0">
-              <a:schemeClr val="accent2"/>
-            </a:fillRef>
-            <a:effectRef idx="1">
-              <a:schemeClr val="accent2"/>
-            </a:effectRef>
-            <a:fontRef idx="minor">
-              <a:schemeClr val="tx1"/>
-            </a:fontRef>
-          </p:style>
-          <p:txBody>
-            <a:bodyPr/>
-            <a:lstStyle/>
-            <a:p>
-              <a:endParaRPr lang="en-US"/>
-            </a:p>
-          </p:txBody>
-        </p:sp>
-        <p:sp>
-          <p:nvSpPr>
-            <p:cNvPr id="557" name="Line 17"/>
-            <p:cNvSpPr>
-              <a:spLocks noChangeShapeType="1"/>
-            </p:cNvSpPr>
-            <p:nvPr/>
-          </p:nvSpPr>
-          <p:spPr bwMode="auto">
-            <a:xfrm>
-              <a:off x="1682883" y="3230213"/>
-              <a:ext cx="191572" cy="0"/>
-            </a:xfrm>
-            <a:prstGeom prst="line">
-              <a:avLst/>
-            </a:prstGeom>
-            <a:ln>
-              <a:solidFill>
-                <a:srgbClr val="FF0000"/>
-              </a:solidFill>
-              <a:prstDash val="solid"/>
-              <a:headEnd/>
-              <a:tailEnd/>
-            </a:ln>
-            <a:effectLst/>
-            <a:extLst/>
-          </p:spPr>
-          <p:style>
-            <a:lnRef idx="2">
-              <a:schemeClr val="accent2"/>
-            </a:lnRef>
-            <a:fillRef idx="0">
-              <a:schemeClr val="accent2"/>
-            </a:fillRef>
-            <a:effectRef idx="1">
-              <a:schemeClr val="accent2"/>
-            </a:effectRef>
-            <a:fontRef idx="minor">
-              <a:schemeClr val="tx1"/>
-            </a:fontRef>
-          </p:style>
-          <p:txBody>
-            <a:bodyPr/>
-            <a:lstStyle/>
-            <a:p>
-              <a:endParaRPr lang="en-US"/>
-            </a:p>
-          </p:txBody>
-        </p:sp>
-        <p:sp>
-          <p:nvSpPr>
-            <p:cNvPr id="558" name="Line 17"/>
-            <p:cNvSpPr>
-              <a:spLocks noChangeShapeType="1"/>
-            </p:cNvSpPr>
-            <p:nvPr/>
-          </p:nvSpPr>
-          <p:spPr bwMode="auto">
-            <a:xfrm>
-              <a:off x="771910" y="2182644"/>
-              <a:ext cx="191572" cy="0"/>
-            </a:xfrm>
-            <a:prstGeom prst="line">
-              <a:avLst/>
-            </a:prstGeom>
-            <a:noFill/>
-            <a:ln w="28575">
-              <a:solidFill>
-                <a:srgbClr val="0066FF"/>
-              </a:solidFill>
-              <a:round/>
-              <a:headEnd/>
-              <a:tailEnd/>
-            </a:ln>
-            <a:effectLst/>
-            <a:extLst>
-              <a:ext uri="{909E8E84-426E-40DD-AFC4-6F175D3DCCD1}">
-                <a14:hiddenFill xmlns:a14="http://schemas.microsoft.com/office/drawing/2010/main">
-                  <a:noFill/>
-                </a14:hiddenFill>
-              </a:ext>
-              <a:ext uri="{AF507438-7753-43E0-B8FC-AC1667EBCBE1}">
-                <a14:hiddenEffects xmlns:a14="http://schemas.microsoft.com/office/drawing/2010/main">
-                  <a:effectLst>
-                    <a:outerShdw dist="35921" dir="2700000" algn="ctr" rotWithShape="0">
-                      <a:schemeClr val="bg2"/>
-                    </a:outerShdw>
-                  </a:effectLst>
-                </a14:hiddenEffects>
-              </a:ext>
-            </a:extLst>
-          </p:spPr>
-          <p:txBody>
-            <a:bodyPr/>
-            <a:lstStyle/>
-            <a:p>
-              <a:endParaRPr lang="en-US"/>
-            </a:p>
-          </p:txBody>
-        </p:sp>
-        <p:sp>
-          <p:nvSpPr>
-            <p:cNvPr id="559" name="Line 17"/>
-            <p:cNvSpPr>
-              <a:spLocks noChangeShapeType="1"/>
-            </p:cNvSpPr>
-            <p:nvPr/>
-          </p:nvSpPr>
-          <p:spPr bwMode="auto">
-            <a:xfrm>
-              <a:off x="994576" y="2444535"/>
-              <a:ext cx="191572" cy="0"/>
-            </a:xfrm>
-            <a:prstGeom prst="line">
-              <a:avLst/>
-            </a:prstGeom>
-            <a:noFill/>
-            <a:ln w="28575">
-              <a:solidFill>
-                <a:srgbClr val="0066FF"/>
-              </a:solidFill>
-              <a:round/>
-              <a:headEnd/>
-              <a:tailEnd/>
-            </a:ln>
-            <a:effectLst/>
-            <a:extLst>
-              <a:ext uri="{909E8E84-426E-40DD-AFC4-6F175D3DCCD1}">
-                <a14:hiddenFill xmlns:a14="http://schemas.microsoft.com/office/drawing/2010/main">
-                  <a:noFill/>
-                </a14:hiddenFill>
-              </a:ext>
-              <a:ext uri="{AF507438-7753-43E0-B8FC-AC1667EBCBE1}">
-                <a14:hiddenEffects xmlns:a14="http://schemas.microsoft.com/office/drawing/2010/main">
-                  <a:effectLst>
-                    <a:outerShdw dist="35921" dir="2700000" algn="ctr" rotWithShape="0">
-                      <a:schemeClr val="bg2"/>
-                    </a:outerShdw>
-                  </a:effectLst>
-                </a14:hiddenEffects>
-              </a:ext>
-            </a:extLst>
-          </p:spPr>
-          <p:txBody>
-            <a:bodyPr/>
-            <a:lstStyle/>
-            <a:p>
-              <a:endParaRPr lang="en-US"/>
-            </a:p>
-          </p:txBody>
-        </p:sp>
-        <p:sp>
-          <p:nvSpPr>
-            <p:cNvPr id="560" name="Line 17"/>
-            <p:cNvSpPr>
-              <a:spLocks noChangeShapeType="1"/>
-            </p:cNvSpPr>
-            <p:nvPr/>
-          </p:nvSpPr>
-          <p:spPr bwMode="auto">
-            <a:xfrm>
-              <a:off x="1224011" y="2706428"/>
-              <a:ext cx="191572" cy="0"/>
-            </a:xfrm>
-            <a:prstGeom prst="line">
-              <a:avLst/>
-            </a:prstGeom>
-            <a:noFill/>
-            <a:ln w="28575">
-              <a:solidFill>
-                <a:srgbClr val="0066FF"/>
-              </a:solidFill>
-              <a:round/>
-              <a:headEnd/>
-              <a:tailEnd/>
-            </a:ln>
-            <a:effectLst/>
-            <a:extLst>
-              <a:ext uri="{909E8E84-426E-40DD-AFC4-6F175D3DCCD1}">
-                <a14:hiddenFill xmlns:a14="http://schemas.microsoft.com/office/drawing/2010/main">
-                  <a:noFill/>
-                </a14:hiddenFill>
-              </a:ext>
-              <a:ext uri="{AF507438-7753-43E0-B8FC-AC1667EBCBE1}">
-                <a14:hiddenEffects xmlns:a14="http://schemas.microsoft.com/office/drawing/2010/main">
-                  <a:effectLst>
-                    <a:outerShdw dist="35921" dir="2700000" algn="ctr" rotWithShape="0">
-                      <a:schemeClr val="bg2"/>
-                    </a:outerShdw>
-                  </a:effectLst>
-                </a14:hiddenEffects>
-              </a:ext>
-            </a:extLst>
-          </p:spPr>
-          <p:txBody>
-            <a:bodyPr/>
-            <a:lstStyle/>
-            <a:p>
-              <a:endParaRPr lang="en-US"/>
-            </a:p>
-          </p:txBody>
-        </p:sp>
-        <p:sp>
-          <p:nvSpPr>
-            <p:cNvPr id="561" name="Line 17"/>
-            <p:cNvSpPr>
-              <a:spLocks noChangeShapeType="1"/>
-            </p:cNvSpPr>
-            <p:nvPr/>
-          </p:nvSpPr>
-          <p:spPr bwMode="auto">
-            <a:xfrm>
-              <a:off x="1678369" y="3230213"/>
-              <a:ext cx="191572" cy="0"/>
-            </a:xfrm>
-            <a:prstGeom prst="line">
-              <a:avLst/>
-            </a:prstGeom>
-            <a:noFill/>
-            <a:ln w="28575">
-              <a:solidFill>
-                <a:srgbClr val="0066FF"/>
-              </a:solidFill>
-              <a:round/>
-              <a:headEnd/>
-              <a:tailEnd/>
-            </a:ln>
-            <a:effectLst/>
-            <a:extLst>
-              <a:ext uri="{909E8E84-426E-40DD-AFC4-6F175D3DCCD1}">
-                <a14:hiddenFill xmlns:a14="http://schemas.microsoft.com/office/drawing/2010/main">
-                  <a:noFill/>
-                </a14:hiddenFill>
-              </a:ext>
-              <a:ext uri="{AF507438-7753-43E0-B8FC-AC1667EBCBE1}">
-                <a14:hiddenEffects xmlns:a14="http://schemas.microsoft.com/office/drawing/2010/main">
-                  <a:effectLst>
-                    <a:outerShdw dist="35921" dir="2700000" algn="ctr" rotWithShape="0">
-                      <a:schemeClr val="bg2"/>
-                    </a:outerShdw>
-                  </a:effectLst>
-                </a14:hiddenEffects>
-              </a:ext>
-            </a:extLst>
-          </p:spPr>
-          <p:txBody>
-            <a:bodyPr/>
-            <a:lstStyle/>
-            <a:p>
-              <a:endParaRPr lang="en-US"/>
-            </a:p>
-          </p:txBody>
-        </p:sp>
-        <p:sp>
-          <p:nvSpPr>
-            <p:cNvPr id="562" name="Line 17"/>
-            <p:cNvSpPr>
-              <a:spLocks noChangeShapeType="1"/>
-            </p:cNvSpPr>
-            <p:nvPr/>
-          </p:nvSpPr>
-          <p:spPr bwMode="auto">
-            <a:xfrm>
-              <a:off x="1905548" y="3492105"/>
-              <a:ext cx="191572" cy="0"/>
-            </a:xfrm>
-            <a:prstGeom prst="line">
-              <a:avLst/>
-            </a:prstGeom>
-            <a:noFill/>
-            <a:ln w="28575">
-              <a:solidFill>
-                <a:srgbClr val="0066FF"/>
-              </a:solidFill>
-              <a:round/>
-              <a:headEnd/>
-              <a:tailEnd/>
-            </a:ln>
-            <a:effectLst/>
-            <a:extLst>
-              <a:ext uri="{909E8E84-426E-40DD-AFC4-6F175D3DCCD1}">
-                <a14:hiddenFill xmlns:a14="http://schemas.microsoft.com/office/drawing/2010/main">
-                  <a:noFill/>
-                </a14:hiddenFill>
-              </a:ext>
-              <a:ext uri="{AF507438-7753-43E0-B8FC-AC1667EBCBE1}">
-                <a14:hiddenEffects xmlns:a14="http://schemas.microsoft.com/office/drawing/2010/main">
-                  <a:effectLst>
-                    <a:outerShdw dist="35921" dir="2700000" algn="ctr" rotWithShape="0">
-                      <a:schemeClr val="bg2"/>
-                    </a:outerShdw>
-                  </a:effectLst>
-                </a14:hiddenEffects>
-              </a:ext>
-            </a:extLst>
-          </p:spPr>
-          <p:txBody>
-            <a:bodyPr/>
-            <a:lstStyle/>
-            <a:p>
-              <a:endParaRPr lang="en-US"/>
-            </a:p>
-          </p:txBody>
-        </p:sp>
-        <p:sp>
-          <p:nvSpPr>
-            <p:cNvPr id="563" name="ZoneTexte 562"/>
-            <p:cNvSpPr txBox="1"/>
-            <p:nvPr/>
-          </p:nvSpPr>
-          <p:spPr>
-            <a:xfrm>
-              <a:off x="-10769" y="1992075"/>
-              <a:ext cx="509330" cy="209884"/>
-            </a:xfrm>
-            <a:prstGeom prst="rect">
-              <a:avLst/>
-            </a:prstGeom>
-            <a:noFill/>
-          </p:spPr>
-          <p:txBody>
-            <a:bodyPr wrap="none" rtlCol="0">
-              <a:spAutoFit/>
-            </a:bodyPr>
-            <a:lstStyle/>
-            <a:p>
-              <a:r>
-                <a:rPr lang="fr-FR" sz="1400" dirty="0" err="1" smtClean="0">
-                  <a:solidFill>
-                    <a:srgbClr val="0070C0"/>
-                  </a:solidFill>
-                  <a:latin typeface="Times New Roman" panose="02020603050405020304" pitchFamily="18" charset="0"/>
-                  <a:cs typeface="Times New Roman" panose="02020603050405020304" pitchFamily="18" charset="0"/>
-                </a:rPr>
-                <a:t>S</a:t>
-              </a:r>
-              <a:r>
-                <a:rPr lang="fr-FR" sz="1400" baseline="-25000" dirty="0" err="1" smtClean="0">
-                  <a:solidFill>
-                    <a:srgbClr val="0070C0"/>
-                  </a:solidFill>
-                  <a:latin typeface="Times New Roman" panose="02020603050405020304" pitchFamily="18" charset="0"/>
-                  <a:cs typeface="Times New Roman" panose="02020603050405020304" pitchFamily="18" charset="0"/>
-                </a:rPr>
-                <a:t>z</a:t>
-              </a:r>
-              <a:r>
-                <a:rPr lang="fr-FR" sz="1400" dirty="0" smtClean="0">
-                  <a:solidFill>
-                    <a:srgbClr val="0070C0"/>
-                  </a:solidFill>
-                  <a:latin typeface="Times New Roman" panose="02020603050405020304" pitchFamily="18" charset="0"/>
-                  <a:cs typeface="Times New Roman" panose="02020603050405020304" pitchFamily="18" charset="0"/>
-                </a:rPr>
-                <a:t>=-5/2</a:t>
-              </a:r>
-              <a:endParaRPr lang="en-US" sz="1400" baseline="-25000" dirty="0">
+              <a:latin typeface="Times New Roman" panose="02020603050405020304" pitchFamily="18" charset="0"/>
+              <a:cs typeface="Times New Roman" panose="02020603050405020304" pitchFamily="18" charset="0"/>
+            </a:endParaRPr>
+          </a:p>
+        </p:txBody>
+      </p:sp>
+      <p:sp>
+        <p:nvSpPr>
+          <p:cNvPr id="553" name="Rectangle 552"/>
+          <p:cNvSpPr/>
+          <p:nvPr/>
+        </p:nvSpPr>
+        <p:spPr>
+          <a:xfrm>
+            <a:off x="3981156" y="238199"/>
+            <a:ext cx="591710" cy="335493"/>
+          </a:xfrm>
+          <a:prstGeom prst="rect">
+            <a:avLst/>
+          </a:prstGeom>
+        </p:spPr>
+        <p:txBody>
+          <a:bodyPr wrap="none">
+            <a:spAutoFit/>
+          </a:bodyPr>
+          <a:lstStyle/>
+          <a:p>
+            <a:r>
+              <a:rPr lang="fr-FR" sz="1400" dirty="0" smtClean="0">
+                <a:latin typeface="Times New Roman" panose="02020603050405020304" pitchFamily="18" charset="0"/>
+                <a:cs typeface="Times New Roman" panose="02020603050405020304" pitchFamily="18" charset="0"/>
+              </a:rPr>
+              <a:t>M=2</a:t>
+            </a:r>
+            <a:endParaRPr lang="en-US" sz="1400" dirty="0"/>
+          </a:p>
+        </p:txBody>
+      </p:sp>
+      <p:sp>
+        <p:nvSpPr>
+          <p:cNvPr id="554" name="Rectangle 553"/>
+          <p:cNvSpPr/>
+          <p:nvPr/>
+        </p:nvSpPr>
+        <p:spPr>
+          <a:xfrm>
+            <a:off x="4528811" y="2996952"/>
+            <a:ext cx="449766" cy="230872"/>
+          </a:xfrm>
+          <a:prstGeom prst="rect">
+            <a:avLst/>
+          </a:prstGeom>
+        </p:spPr>
+        <p:txBody>
+          <a:bodyPr wrap="none">
+            <a:spAutoFit/>
+          </a:bodyPr>
+          <a:lstStyle/>
+          <a:p>
+            <a:r>
+              <a:rPr lang="fr-FR" sz="1600" dirty="0">
+                <a:latin typeface="Times New Roman" panose="02020603050405020304" pitchFamily="18" charset="0"/>
+                <a:cs typeface="Times New Roman" panose="02020603050405020304" pitchFamily="18" charset="0"/>
+              </a:rPr>
+              <a:t>h</a:t>
+            </a:r>
+            <a:r>
+              <a:rPr lang="fr-FR" sz="1600" dirty="0" smtClean="0">
+                <a:latin typeface="Times New Roman" panose="02020603050405020304" pitchFamily="18" charset="0"/>
+                <a:cs typeface="Times New Roman" panose="02020603050405020304" pitchFamily="18" charset="0"/>
+              </a:rPr>
+              <a:t>-Mn</a:t>
+            </a:r>
+            <a:endParaRPr lang="en-US" sz="1600" dirty="0"/>
+          </a:p>
+        </p:txBody>
+      </p:sp>
+      <p:sp>
+        <p:nvSpPr>
+          <p:cNvPr id="555" name="Line 17"/>
+          <p:cNvSpPr>
+            <a:spLocks noChangeShapeType="1"/>
+          </p:cNvSpPr>
+          <p:nvPr/>
+        </p:nvSpPr>
+        <p:spPr bwMode="auto">
+          <a:xfrm>
+            <a:off x="3874881" y="2182644"/>
+            <a:ext cx="191572" cy="0"/>
+          </a:xfrm>
+          <a:prstGeom prst="line">
+            <a:avLst/>
+          </a:prstGeom>
+          <a:ln>
+            <a:solidFill>
+              <a:srgbClr val="FF0000"/>
+            </a:solidFill>
+            <a:prstDash val="solid"/>
+            <a:headEnd/>
+            <a:tailEnd/>
+          </a:ln>
+          <a:effectLst/>
+          <a:extLst/>
+        </p:spPr>
+        <p:style>
+          <a:lnRef idx="2">
+            <a:schemeClr val="accent2"/>
+          </a:lnRef>
+          <a:fillRef idx="0">
+            <a:schemeClr val="accent2"/>
+          </a:fillRef>
+          <a:effectRef idx="1">
+            <a:schemeClr val="accent2"/>
+          </a:effectRef>
+          <a:fontRef idx="minor">
+            <a:schemeClr val="tx1"/>
+          </a:fontRef>
+        </p:style>
+        <p:txBody>
+          <a:bodyPr/>
+          <a:lstStyle/>
+          <a:p>
+            <a:endParaRPr lang="en-US"/>
+          </a:p>
+        </p:txBody>
+      </p:sp>
+      <p:sp>
+        <p:nvSpPr>
+          <p:cNvPr id="556" name="Line 17"/>
+          <p:cNvSpPr>
+            <a:spLocks noChangeShapeType="1"/>
+          </p:cNvSpPr>
+          <p:nvPr/>
+        </p:nvSpPr>
+        <p:spPr bwMode="auto">
+          <a:xfrm>
+            <a:off x="2720719" y="2903524"/>
+            <a:ext cx="642506" cy="0"/>
+          </a:xfrm>
+          <a:prstGeom prst="line">
+            <a:avLst/>
+          </a:prstGeom>
+          <a:ln>
+            <a:solidFill>
+              <a:srgbClr val="FF0000"/>
+            </a:solidFill>
+            <a:prstDash val="sysDot"/>
+            <a:headEnd/>
+            <a:tailEnd/>
+          </a:ln>
+          <a:effectLst/>
+          <a:extLst/>
+        </p:spPr>
+        <p:style>
+          <a:lnRef idx="2">
+            <a:schemeClr val="accent2"/>
+          </a:lnRef>
+          <a:fillRef idx="0">
+            <a:schemeClr val="accent2"/>
+          </a:fillRef>
+          <a:effectRef idx="1">
+            <a:schemeClr val="accent2"/>
+          </a:effectRef>
+          <a:fontRef idx="minor">
+            <a:schemeClr val="tx1"/>
+          </a:fontRef>
+        </p:style>
+        <p:txBody>
+          <a:bodyPr/>
+          <a:lstStyle/>
+          <a:p>
+            <a:endParaRPr lang="en-US"/>
+          </a:p>
+        </p:txBody>
+      </p:sp>
+      <p:sp>
+        <p:nvSpPr>
+          <p:cNvPr id="557" name="Line 17"/>
+          <p:cNvSpPr>
+            <a:spLocks noChangeShapeType="1"/>
+          </p:cNvSpPr>
+          <p:nvPr/>
+        </p:nvSpPr>
+        <p:spPr bwMode="auto">
+          <a:xfrm>
+            <a:off x="2970678" y="3230213"/>
+            <a:ext cx="191572" cy="0"/>
+          </a:xfrm>
+          <a:prstGeom prst="line">
+            <a:avLst/>
+          </a:prstGeom>
+          <a:ln>
+            <a:solidFill>
+              <a:srgbClr val="FF0000"/>
+            </a:solidFill>
+            <a:prstDash val="solid"/>
+            <a:headEnd/>
+            <a:tailEnd/>
+          </a:ln>
+          <a:effectLst/>
+          <a:extLst/>
+        </p:spPr>
+        <p:style>
+          <a:lnRef idx="2">
+            <a:schemeClr val="accent2"/>
+          </a:lnRef>
+          <a:fillRef idx="0">
+            <a:schemeClr val="accent2"/>
+          </a:fillRef>
+          <a:effectRef idx="1">
+            <a:schemeClr val="accent2"/>
+          </a:effectRef>
+          <a:fontRef idx="minor">
+            <a:schemeClr val="tx1"/>
+          </a:fontRef>
+        </p:style>
+        <p:txBody>
+          <a:bodyPr/>
+          <a:lstStyle/>
+          <a:p>
+            <a:endParaRPr lang="en-US"/>
+          </a:p>
+        </p:txBody>
+      </p:sp>
+      <p:sp>
+        <p:nvSpPr>
+          <p:cNvPr id="558" name="Line 17"/>
+          <p:cNvSpPr>
+            <a:spLocks noChangeShapeType="1"/>
+          </p:cNvSpPr>
+          <p:nvPr/>
+        </p:nvSpPr>
+        <p:spPr bwMode="auto">
+          <a:xfrm>
+            <a:off x="2059705" y="2182644"/>
+            <a:ext cx="191572" cy="0"/>
+          </a:xfrm>
+          <a:prstGeom prst="line">
+            <a:avLst/>
+          </a:prstGeom>
+          <a:noFill/>
+          <a:ln w="28575">
+            <a:solidFill>
+              <a:srgbClr val="0066FF"/>
+            </a:solidFill>
+            <a:round/>
+            <a:headEnd/>
+            <a:tailEnd/>
+          </a:ln>
+          <a:effectLst/>
+          <a:extLst>
+            <a:ext uri="{909E8E84-426E-40DD-AFC4-6F175D3DCCD1}">
+              <a14:hiddenFill xmlns:a14="http://schemas.microsoft.com/office/drawing/2010/main">
+                <a:noFill/>
+              </a14:hiddenFill>
+            </a:ext>
+            <a:ext uri="{AF507438-7753-43E0-B8FC-AC1667EBCBE1}">
+              <a14:hiddenEffects xmlns:a14="http://schemas.microsoft.com/office/drawing/2010/main">
+                <a:effectLst>
+                  <a:outerShdw dist="35921" dir="2700000" algn="ctr" rotWithShape="0">
+                    <a:schemeClr val="bg2"/>
+                  </a:outerShdw>
+                </a:effectLst>
+              </a14:hiddenEffects>
+            </a:ext>
+          </a:extLst>
+        </p:spPr>
+        <p:txBody>
+          <a:bodyPr/>
+          <a:lstStyle/>
+          <a:p>
+            <a:endParaRPr lang="en-US"/>
+          </a:p>
+        </p:txBody>
+      </p:sp>
+      <p:sp>
+        <p:nvSpPr>
+          <p:cNvPr id="559" name="Line 17"/>
+          <p:cNvSpPr>
+            <a:spLocks noChangeShapeType="1"/>
+          </p:cNvSpPr>
+          <p:nvPr/>
+        </p:nvSpPr>
+        <p:spPr bwMode="auto">
+          <a:xfrm>
+            <a:off x="2282371" y="2444535"/>
+            <a:ext cx="191572" cy="0"/>
+          </a:xfrm>
+          <a:prstGeom prst="line">
+            <a:avLst/>
+          </a:prstGeom>
+          <a:noFill/>
+          <a:ln w="28575">
+            <a:solidFill>
+              <a:srgbClr val="0066FF"/>
+            </a:solidFill>
+            <a:round/>
+            <a:headEnd/>
+            <a:tailEnd/>
+          </a:ln>
+          <a:effectLst/>
+          <a:extLst>
+            <a:ext uri="{909E8E84-426E-40DD-AFC4-6F175D3DCCD1}">
+              <a14:hiddenFill xmlns:a14="http://schemas.microsoft.com/office/drawing/2010/main">
+                <a:noFill/>
+              </a14:hiddenFill>
+            </a:ext>
+            <a:ext uri="{AF507438-7753-43E0-B8FC-AC1667EBCBE1}">
+              <a14:hiddenEffects xmlns:a14="http://schemas.microsoft.com/office/drawing/2010/main">
+                <a:effectLst>
+                  <a:outerShdw dist="35921" dir="2700000" algn="ctr" rotWithShape="0">
+                    <a:schemeClr val="bg2"/>
+                  </a:outerShdw>
+                </a:effectLst>
+              </a14:hiddenEffects>
+            </a:ext>
+          </a:extLst>
+        </p:spPr>
+        <p:txBody>
+          <a:bodyPr/>
+          <a:lstStyle/>
+          <a:p>
+            <a:endParaRPr lang="en-US"/>
+          </a:p>
+        </p:txBody>
+      </p:sp>
+      <p:sp>
+        <p:nvSpPr>
+          <p:cNvPr id="560" name="Line 17"/>
+          <p:cNvSpPr>
+            <a:spLocks noChangeShapeType="1"/>
+          </p:cNvSpPr>
+          <p:nvPr/>
+        </p:nvSpPr>
+        <p:spPr bwMode="auto">
+          <a:xfrm>
+            <a:off x="2511806" y="2706428"/>
+            <a:ext cx="191572" cy="0"/>
+          </a:xfrm>
+          <a:prstGeom prst="line">
+            <a:avLst/>
+          </a:prstGeom>
+          <a:noFill/>
+          <a:ln w="28575">
+            <a:solidFill>
+              <a:srgbClr val="0066FF"/>
+            </a:solidFill>
+            <a:round/>
+            <a:headEnd/>
+            <a:tailEnd/>
+          </a:ln>
+          <a:effectLst/>
+          <a:extLst>
+            <a:ext uri="{909E8E84-426E-40DD-AFC4-6F175D3DCCD1}">
+              <a14:hiddenFill xmlns:a14="http://schemas.microsoft.com/office/drawing/2010/main">
+                <a:noFill/>
+              </a14:hiddenFill>
+            </a:ext>
+            <a:ext uri="{AF507438-7753-43E0-B8FC-AC1667EBCBE1}">
+              <a14:hiddenEffects xmlns:a14="http://schemas.microsoft.com/office/drawing/2010/main">
+                <a:effectLst>
+                  <a:outerShdw dist="35921" dir="2700000" algn="ctr" rotWithShape="0">
+                    <a:schemeClr val="bg2"/>
+                  </a:outerShdw>
+                </a:effectLst>
+              </a14:hiddenEffects>
+            </a:ext>
+          </a:extLst>
+        </p:spPr>
+        <p:txBody>
+          <a:bodyPr/>
+          <a:lstStyle/>
+          <a:p>
+            <a:endParaRPr lang="en-US"/>
+          </a:p>
+        </p:txBody>
+      </p:sp>
+      <p:sp>
+        <p:nvSpPr>
+          <p:cNvPr id="561" name="Line 17"/>
+          <p:cNvSpPr>
+            <a:spLocks noChangeShapeType="1"/>
+          </p:cNvSpPr>
+          <p:nvPr/>
+        </p:nvSpPr>
+        <p:spPr bwMode="auto">
+          <a:xfrm>
+            <a:off x="2966164" y="3230213"/>
+            <a:ext cx="191572" cy="0"/>
+          </a:xfrm>
+          <a:prstGeom prst="line">
+            <a:avLst/>
+          </a:prstGeom>
+          <a:noFill/>
+          <a:ln w="28575">
+            <a:solidFill>
+              <a:srgbClr val="0066FF"/>
+            </a:solidFill>
+            <a:round/>
+            <a:headEnd/>
+            <a:tailEnd/>
+          </a:ln>
+          <a:effectLst/>
+          <a:extLst>
+            <a:ext uri="{909E8E84-426E-40DD-AFC4-6F175D3DCCD1}">
+              <a14:hiddenFill xmlns:a14="http://schemas.microsoft.com/office/drawing/2010/main">
+                <a:noFill/>
+              </a14:hiddenFill>
+            </a:ext>
+            <a:ext uri="{AF507438-7753-43E0-B8FC-AC1667EBCBE1}">
+              <a14:hiddenEffects xmlns:a14="http://schemas.microsoft.com/office/drawing/2010/main">
+                <a:effectLst>
+                  <a:outerShdw dist="35921" dir="2700000" algn="ctr" rotWithShape="0">
+                    <a:schemeClr val="bg2"/>
+                  </a:outerShdw>
+                </a:effectLst>
+              </a14:hiddenEffects>
+            </a:ext>
+          </a:extLst>
+        </p:spPr>
+        <p:txBody>
+          <a:bodyPr/>
+          <a:lstStyle/>
+          <a:p>
+            <a:endParaRPr lang="en-US"/>
+          </a:p>
+        </p:txBody>
+      </p:sp>
+      <p:sp>
+        <p:nvSpPr>
+          <p:cNvPr id="562" name="Line 17"/>
+          <p:cNvSpPr>
+            <a:spLocks noChangeShapeType="1"/>
+          </p:cNvSpPr>
+          <p:nvPr/>
+        </p:nvSpPr>
+        <p:spPr bwMode="auto">
+          <a:xfrm>
+            <a:off x="3193343" y="3492105"/>
+            <a:ext cx="191572" cy="0"/>
+          </a:xfrm>
+          <a:prstGeom prst="line">
+            <a:avLst/>
+          </a:prstGeom>
+          <a:noFill/>
+          <a:ln w="28575">
+            <a:solidFill>
+              <a:srgbClr val="0066FF"/>
+            </a:solidFill>
+            <a:round/>
+            <a:headEnd/>
+            <a:tailEnd/>
+          </a:ln>
+          <a:effectLst/>
+          <a:extLst>
+            <a:ext uri="{909E8E84-426E-40DD-AFC4-6F175D3DCCD1}">
+              <a14:hiddenFill xmlns:a14="http://schemas.microsoft.com/office/drawing/2010/main">
+                <a:noFill/>
+              </a14:hiddenFill>
+            </a:ext>
+            <a:ext uri="{AF507438-7753-43E0-B8FC-AC1667EBCBE1}">
+              <a14:hiddenEffects xmlns:a14="http://schemas.microsoft.com/office/drawing/2010/main">
+                <a:effectLst>
+                  <a:outerShdw dist="35921" dir="2700000" algn="ctr" rotWithShape="0">
+                    <a:schemeClr val="bg2"/>
+                  </a:outerShdw>
+                </a:effectLst>
+              </a14:hiddenEffects>
+            </a:ext>
+          </a:extLst>
+        </p:spPr>
+        <p:txBody>
+          <a:bodyPr/>
+          <a:lstStyle/>
+          <a:p>
+            <a:endParaRPr lang="en-US"/>
+          </a:p>
+        </p:txBody>
+      </p:sp>
+      <p:sp>
+        <p:nvSpPr>
+          <p:cNvPr id="563" name="ZoneTexte 562"/>
+          <p:cNvSpPr txBox="1"/>
+          <p:nvPr/>
+        </p:nvSpPr>
+        <p:spPr>
+          <a:xfrm>
+            <a:off x="1277026" y="1992075"/>
+            <a:ext cx="509330" cy="209884"/>
+          </a:xfrm>
+          <a:prstGeom prst="rect">
+            <a:avLst/>
+          </a:prstGeom>
+          <a:noFill/>
+        </p:spPr>
+        <p:txBody>
+          <a:bodyPr wrap="none" rtlCol="0">
+            <a:spAutoFit/>
+          </a:bodyPr>
+          <a:lstStyle/>
+          <a:p>
+            <a:r>
+              <a:rPr lang="fr-FR" sz="1400" dirty="0" err="1" smtClean="0">
                 <a:solidFill>
                   <a:srgbClr val="0070C0"/>
                 </a:solidFill>
                 <a:latin typeface="Times New Roman" panose="02020603050405020304" pitchFamily="18" charset="0"/>
                 <a:cs typeface="Times New Roman" panose="02020603050405020304" pitchFamily="18" charset="0"/>
-              </a:endParaRPr>
-            </a:p>
-          </p:txBody>
-        </p:sp>
-        <p:sp>
-          <p:nvSpPr>
-            <p:cNvPr id="564" name="ZoneTexte 563"/>
-            <p:cNvSpPr txBox="1"/>
-            <p:nvPr/>
-          </p:nvSpPr>
-          <p:spPr>
-            <a:xfrm>
-              <a:off x="2136629" y="3284337"/>
-              <a:ext cx="538550" cy="209884"/>
-            </a:xfrm>
-            <a:prstGeom prst="rect">
-              <a:avLst/>
-            </a:prstGeom>
-            <a:noFill/>
-          </p:spPr>
-          <p:txBody>
-            <a:bodyPr wrap="none" rtlCol="0">
-              <a:spAutoFit/>
-            </a:bodyPr>
-            <a:lstStyle/>
-            <a:p>
-              <a:r>
-                <a:rPr lang="fr-FR" sz="1400" dirty="0" err="1" smtClean="0">
-                  <a:solidFill>
-                    <a:srgbClr val="0070C0"/>
-                  </a:solidFill>
-                  <a:latin typeface="Times New Roman" panose="02020603050405020304" pitchFamily="18" charset="0"/>
-                  <a:cs typeface="Times New Roman" panose="02020603050405020304" pitchFamily="18" charset="0"/>
-                </a:rPr>
-                <a:t>S</a:t>
-              </a:r>
-              <a:r>
-                <a:rPr lang="fr-FR" sz="1400" baseline="-25000" dirty="0" err="1" smtClean="0">
-                  <a:solidFill>
-                    <a:srgbClr val="0070C0"/>
-                  </a:solidFill>
-                  <a:latin typeface="Times New Roman" panose="02020603050405020304" pitchFamily="18" charset="0"/>
-                  <a:cs typeface="Times New Roman" panose="02020603050405020304" pitchFamily="18" charset="0"/>
-                </a:rPr>
-                <a:t>z</a:t>
-              </a:r>
-              <a:r>
-                <a:rPr lang="fr-FR" sz="1400" dirty="0" smtClean="0">
-                  <a:solidFill>
-                    <a:srgbClr val="0070C0"/>
-                  </a:solidFill>
-                  <a:latin typeface="Times New Roman" panose="02020603050405020304" pitchFamily="18" charset="0"/>
-                  <a:cs typeface="Times New Roman" panose="02020603050405020304" pitchFamily="18" charset="0"/>
-                </a:rPr>
-                <a:t>=+5/2</a:t>
-              </a:r>
-              <a:endParaRPr lang="en-US" sz="1400" baseline="-25000" dirty="0">
+              </a:rPr>
+              <a:t>S</a:t>
+            </a:r>
+            <a:r>
+              <a:rPr lang="fr-FR" sz="1400" baseline="-25000" dirty="0" err="1" smtClean="0">
                 <a:solidFill>
                   <a:srgbClr val="0070C0"/>
                 </a:solidFill>
                 <a:latin typeface="Times New Roman" panose="02020603050405020304" pitchFamily="18" charset="0"/>
                 <a:cs typeface="Times New Roman" panose="02020603050405020304" pitchFamily="18" charset="0"/>
-              </a:endParaRPr>
-            </a:p>
-          </p:txBody>
-        </p:sp>
-        <p:sp>
-          <p:nvSpPr>
-            <p:cNvPr id="565" name="Line 17"/>
-            <p:cNvSpPr>
-              <a:spLocks noChangeShapeType="1"/>
-            </p:cNvSpPr>
-            <p:nvPr/>
-          </p:nvSpPr>
-          <p:spPr bwMode="auto">
-            <a:xfrm>
-              <a:off x="2373842" y="2444535"/>
-              <a:ext cx="191572" cy="0"/>
-            </a:xfrm>
-            <a:prstGeom prst="line">
-              <a:avLst/>
-            </a:prstGeom>
-            <a:ln>
+              </a:rPr>
+              <a:t>z</a:t>
+            </a:r>
+            <a:r>
+              <a:rPr lang="fr-FR" sz="1400" dirty="0" smtClean="0">
+                <a:solidFill>
+                  <a:srgbClr val="0070C0"/>
+                </a:solidFill>
+                <a:latin typeface="Times New Roman" panose="02020603050405020304" pitchFamily="18" charset="0"/>
+                <a:cs typeface="Times New Roman" panose="02020603050405020304" pitchFamily="18" charset="0"/>
+              </a:rPr>
+              <a:t>=-5/2</a:t>
+            </a:r>
+            <a:endParaRPr lang="en-US" sz="1400" baseline="-25000" dirty="0">
               <a:solidFill>
-                <a:srgbClr val="FF0000"/>
+                <a:srgbClr val="0070C0"/>
               </a:solidFill>
-              <a:prstDash val="solid"/>
-              <a:headEnd/>
-              <a:tailEnd/>
-            </a:ln>
-            <a:effectLst/>
-            <a:extLst/>
-          </p:spPr>
-          <p:style>
-            <a:lnRef idx="2">
-              <a:schemeClr val="accent2"/>
-            </a:lnRef>
-            <a:fillRef idx="0">
-              <a:schemeClr val="accent2"/>
-            </a:fillRef>
-            <a:effectRef idx="1">
-              <a:schemeClr val="accent2"/>
-            </a:effectRef>
-            <a:fontRef idx="minor">
-              <a:schemeClr val="tx1"/>
-            </a:fontRef>
-          </p:style>
-          <p:txBody>
-            <a:bodyPr/>
-            <a:lstStyle/>
-            <a:p>
-              <a:endParaRPr lang="en-US"/>
-            </a:p>
-          </p:txBody>
-        </p:sp>
-        <p:sp>
-          <p:nvSpPr>
-            <p:cNvPr id="566" name="Line 17"/>
-            <p:cNvSpPr>
-              <a:spLocks noChangeShapeType="1"/>
-            </p:cNvSpPr>
-            <p:nvPr/>
-          </p:nvSpPr>
-          <p:spPr bwMode="auto">
-            <a:xfrm>
-              <a:off x="2146663" y="2706428"/>
-              <a:ext cx="191572" cy="0"/>
-            </a:xfrm>
-            <a:prstGeom prst="line">
-              <a:avLst/>
-            </a:prstGeom>
-            <a:ln>
+              <a:latin typeface="Times New Roman" panose="02020603050405020304" pitchFamily="18" charset="0"/>
+              <a:cs typeface="Times New Roman" panose="02020603050405020304" pitchFamily="18" charset="0"/>
+            </a:endParaRPr>
+          </a:p>
+        </p:txBody>
+      </p:sp>
+      <p:sp>
+        <p:nvSpPr>
+          <p:cNvPr id="564" name="ZoneTexte 563"/>
+          <p:cNvSpPr txBox="1"/>
+          <p:nvPr/>
+        </p:nvSpPr>
+        <p:spPr>
+          <a:xfrm>
+            <a:off x="3424424" y="3284337"/>
+            <a:ext cx="538550" cy="209884"/>
+          </a:xfrm>
+          <a:prstGeom prst="rect">
+            <a:avLst/>
+          </a:prstGeom>
+          <a:noFill/>
+        </p:spPr>
+        <p:txBody>
+          <a:bodyPr wrap="none" rtlCol="0">
+            <a:spAutoFit/>
+          </a:bodyPr>
+          <a:lstStyle/>
+          <a:p>
+            <a:r>
+              <a:rPr lang="fr-FR" sz="1400" dirty="0" err="1" smtClean="0">
+                <a:solidFill>
+                  <a:srgbClr val="0070C0"/>
+                </a:solidFill>
+                <a:latin typeface="Times New Roman" panose="02020603050405020304" pitchFamily="18" charset="0"/>
+                <a:cs typeface="Times New Roman" panose="02020603050405020304" pitchFamily="18" charset="0"/>
+              </a:rPr>
+              <a:t>S</a:t>
+            </a:r>
+            <a:r>
+              <a:rPr lang="fr-FR" sz="1400" baseline="-25000" dirty="0" err="1" smtClean="0">
+                <a:solidFill>
+                  <a:srgbClr val="0070C0"/>
+                </a:solidFill>
+                <a:latin typeface="Times New Roman" panose="02020603050405020304" pitchFamily="18" charset="0"/>
+                <a:cs typeface="Times New Roman" panose="02020603050405020304" pitchFamily="18" charset="0"/>
+              </a:rPr>
+              <a:t>z</a:t>
+            </a:r>
+            <a:r>
+              <a:rPr lang="fr-FR" sz="1400" dirty="0" smtClean="0">
+                <a:solidFill>
+                  <a:srgbClr val="0070C0"/>
+                </a:solidFill>
+                <a:latin typeface="Times New Roman" panose="02020603050405020304" pitchFamily="18" charset="0"/>
+                <a:cs typeface="Times New Roman" panose="02020603050405020304" pitchFamily="18" charset="0"/>
+              </a:rPr>
+              <a:t>=+5/2</a:t>
+            </a:r>
+            <a:endParaRPr lang="en-US" sz="1400" baseline="-25000" dirty="0">
               <a:solidFill>
-                <a:srgbClr val="FF0000"/>
+                <a:srgbClr val="0070C0"/>
               </a:solidFill>
-              <a:prstDash val="solid"/>
-              <a:headEnd/>
-              <a:tailEnd/>
-            </a:ln>
-            <a:effectLst/>
-            <a:extLst/>
-          </p:spPr>
-          <p:style>
-            <a:lnRef idx="2">
-              <a:schemeClr val="accent2"/>
-            </a:lnRef>
-            <a:fillRef idx="0">
-              <a:schemeClr val="accent2"/>
-            </a:fillRef>
-            <a:effectRef idx="1">
-              <a:schemeClr val="accent2"/>
-            </a:effectRef>
-            <a:fontRef idx="minor">
-              <a:schemeClr val="tx1"/>
-            </a:fontRef>
-          </p:style>
-          <p:txBody>
-            <a:bodyPr/>
-            <a:lstStyle/>
-            <a:p>
-              <a:endParaRPr lang="en-US"/>
-            </a:p>
-          </p:txBody>
-        </p:sp>
-        <p:sp>
-          <p:nvSpPr>
-            <p:cNvPr id="567" name="Line 17"/>
-            <p:cNvSpPr>
-              <a:spLocks noChangeShapeType="1"/>
-            </p:cNvSpPr>
-            <p:nvPr/>
-          </p:nvSpPr>
-          <p:spPr bwMode="auto">
-            <a:xfrm>
-              <a:off x="1783379" y="3230213"/>
-              <a:ext cx="100498" cy="0"/>
-            </a:xfrm>
-            <a:prstGeom prst="line">
-              <a:avLst/>
-            </a:prstGeom>
-            <a:ln>
-              <a:solidFill>
-                <a:srgbClr val="FF0000"/>
-              </a:solidFill>
-              <a:prstDash val="solid"/>
-              <a:headEnd/>
-              <a:tailEnd/>
-            </a:ln>
-            <a:effectLst/>
-            <a:extLst/>
-          </p:spPr>
-          <p:style>
-            <a:lnRef idx="2">
-              <a:schemeClr val="accent2"/>
-            </a:lnRef>
-            <a:fillRef idx="0">
-              <a:schemeClr val="accent2"/>
-            </a:fillRef>
-            <a:effectRef idx="1">
-              <a:schemeClr val="accent2"/>
-            </a:effectRef>
-            <a:fontRef idx="minor">
-              <a:schemeClr val="tx1"/>
-            </a:fontRef>
-          </p:style>
-          <p:txBody>
-            <a:bodyPr/>
-            <a:lstStyle/>
-            <a:p>
-              <a:endParaRPr lang="en-US"/>
-            </a:p>
-          </p:txBody>
-        </p:sp>
-        <p:sp>
-          <p:nvSpPr>
-            <p:cNvPr id="568" name="Line 17"/>
-            <p:cNvSpPr>
-              <a:spLocks noChangeShapeType="1"/>
-            </p:cNvSpPr>
-            <p:nvPr/>
-          </p:nvSpPr>
-          <p:spPr bwMode="auto">
-            <a:xfrm>
-              <a:off x="1465127" y="3492105"/>
-              <a:ext cx="191572" cy="0"/>
-            </a:xfrm>
-            <a:prstGeom prst="line">
-              <a:avLst/>
-            </a:prstGeom>
-            <a:ln>
-              <a:solidFill>
-                <a:srgbClr val="FF0000"/>
-              </a:solidFill>
-              <a:prstDash val="solid"/>
-              <a:headEnd/>
-              <a:tailEnd/>
-            </a:ln>
-            <a:effectLst/>
-            <a:extLst/>
-          </p:spPr>
-          <p:style>
-            <a:lnRef idx="2">
-              <a:schemeClr val="accent2"/>
-            </a:lnRef>
-            <a:fillRef idx="0">
-              <a:schemeClr val="accent2"/>
-            </a:fillRef>
-            <a:effectRef idx="1">
-              <a:schemeClr val="accent2"/>
-            </a:effectRef>
-            <a:fontRef idx="minor">
-              <a:schemeClr val="tx1"/>
-            </a:fontRef>
-          </p:style>
-          <p:txBody>
-            <a:bodyPr/>
-            <a:lstStyle/>
-            <a:p>
-              <a:endParaRPr lang="en-US"/>
-            </a:p>
-          </p:txBody>
-        </p:sp>
-        <p:sp>
-          <p:nvSpPr>
-            <p:cNvPr id="569" name="ZoneTexte 568"/>
-            <p:cNvSpPr txBox="1"/>
-            <p:nvPr/>
-          </p:nvSpPr>
-          <p:spPr>
-            <a:xfrm>
-              <a:off x="2117209" y="1582211"/>
-              <a:ext cx="281188" cy="251861"/>
-            </a:xfrm>
-            <a:prstGeom prst="rect">
-              <a:avLst/>
-            </a:prstGeom>
-            <a:noFill/>
-          </p:spPr>
-          <p:txBody>
-            <a:bodyPr wrap="none" rtlCol="0">
-              <a:spAutoFit/>
-            </a:bodyPr>
-            <a:lstStyle/>
-            <a:p>
-              <a:r>
-                <a:rPr lang="fr-FR" dirty="0">
-                  <a:solidFill>
-                    <a:srgbClr val="FF0000"/>
-                  </a:solidFill>
-                  <a:latin typeface="Symbol" panose="05050102010706020507" pitchFamily="18" charset="2"/>
-                  <a:cs typeface="Times New Roman" panose="02020603050405020304" pitchFamily="18" charset="0"/>
-                </a:rPr>
-                <a:t>s</a:t>
-              </a:r>
-              <a:r>
-                <a:rPr lang="fr-FR" dirty="0" smtClean="0">
-                  <a:solidFill>
-                    <a:srgbClr val="FF0000"/>
-                  </a:solidFill>
-                  <a:latin typeface="Times New Roman" panose="02020603050405020304" pitchFamily="18" charset="0"/>
-                  <a:cs typeface="Times New Roman" panose="02020603050405020304" pitchFamily="18" charset="0"/>
-                </a:rPr>
-                <a:t>-</a:t>
-              </a:r>
-              <a:endParaRPr lang="en-US" baseline="-25000" dirty="0">
+              <a:latin typeface="Times New Roman" panose="02020603050405020304" pitchFamily="18" charset="0"/>
+              <a:cs typeface="Times New Roman" panose="02020603050405020304" pitchFamily="18" charset="0"/>
+            </a:endParaRPr>
+          </a:p>
+        </p:txBody>
+      </p:sp>
+      <p:sp>
+        <p:nvSpPr>
+          <p:cNvPr id="565" name="Line 17"/>
+          <p:cNvSpPr>
+            <a:spLocks noChangeShapeType="1"/>
+          </p:cNvSpPr>
+          <p:nvPr/>
+        </p:nvSpPr>
+        <p:spPr bwMode="auto">
+          <a:xfrm>
+            <a:off x="3661637" y="2444535"/>
+            <a:ext cx="191572" cy="0"/>
+          </a:xfrm>
+          <a:prstGeom prst="line">
+            <a:avLst/>
+          </a:prstGeom>
+          <a:ln>
+            <a:solidFill>
+              <a:srgbClr val="FF0000"/>
+            </a:solidFill>
+            <a:prstDash val="solid"/>
+            <a:headEnd/>
+            <a:tailEnd/>
+          </a:ln>
+          <a:effectLst/>
+          <a:extLst/>
+        </p:spPr>
+        <p:style>
+          <a:lnRef idx="2">
+            <a:schemeClr val="accent2"/>
+          </a:lnRef>
+          <a:fillRef idx="0">
+            <a:schemeClr val="accent2"/>
+          </a:fillRef>
+          <a:effectRef idx="1">
+            <a:schemeClr val="accent2"/>
+          </a:effectRef>
+          <a:fontRef idx="minor">
+            <a:schemeClr val="tx1"/>
+          </a:fontRef>
+        </p:style>
+        <p:txBody>
+          <a:bodyPr/>
+          <a:lstStyle/>
+          <a:p>
+            <a:endParaRPr lang="en-US"/>
+          </a:p>
+        </p:txBody>
+      </p:sp>
+      <p:sp>
+        <p:nvSpPr>
+          <p:cNvPr id="566" name="Line 17"/>
+          <p:cNvSpPr>
+            <a:spLocks noChangeShapeType="1"/>
+          </p:cNvSpPr>
+          <p:nvPr/>
+        </p:nvSpPr>
+        <p:spPr bwMode="auto">
+          <a:xfrm>
+            <a:off x="3434458" y="2706428"/>
+            <a:ext cx="191572" cy="0"/>
+          </a:xfrm>
+          <a:prstGeom prst="line">
+            <a:avLst/>
+          </a:prstGeom>
+          <a:ln>
+            <a:solidFill>
+              <a:srgbClr val="FF0000"/>
+            </a:solidFill>
+            <a:prstDash val="solid"/>
+            <a:headEnd/>
+            <a:tailEnd/>
+          </a:ln>
+          <a:effectLst/>
+          <a:extLst/>
+        </p:spPr>
+        <p:style>
+          <a:lnRef idx="2">
+            <a:schemeClr val="accent2"/>
+          </a:lnRef>
+          <a:fillRef idx="0">
+            <a:schemeClr val="accent2"/>
+          </a:fillRef>
+          <a:effectRef idx="1">
+            <a:schemeClr val="accent2"/>
+          </a:effectRef>
+          <a:fontRef idx="minor">
+            <a:schemeClr val="tx1"/>
+          </a:fontRef>
+        </p:style>
+        <p:txBody>
+          <a:bodyPr/>
+          <a:lstStyle/>
+          <a:p>
+            <a:endParaRPr lang="en-US"/>
+          </a:p>
+        </p:txBody>
+      </p:sp>
+      <p:sp>
+        <p:nvSpPr>
+          <p:cNvPr id="567" name="Line 17"/>
+          <p:cNvSpPr>
+            <a:spLocks noChangeShapeType="1"/>
+          </p:cNvSpPr>
+          <p:nvPr/>
+        </p:nvSpPr>
+        <p:spPr bwMode="auto">
+          <a:xfrm>
+            <a:off x="3071174" y="3230213"/>
+            <a:ext cx="100498" cy="0"/>
+          </a:xfrm>
+          <a:prstGeom prst="line">
+            <a:avLst/>
+          </a:prstGeom>
+          <a:ln>
+            <a:solidFill>
+              <a:srgbClr val="FF0000"/>
+            </a:solidFill>
+            <a:prstDash val="solid"/>
+            <a:headEnd/>
+            <a:tailEnd/>
+          </a:ln>
+          <a:effectLst/>
+          <a:extLst/>
+        </p:spPr>
+        <p:style>
+          <a:lnRef idx="2">
+            <a:schemeClr val="accent2"/>
+          </a:lnRef>
+          <a:fillRef idx="0">
+            <a:schemeClr val="accent2"/>
+          </a:fillRef>
+          <a:effectRef idx="1">
+            <a:schemeClr val="accent2"/>
+          </a:effectRef>
+          <a:fontRef idx="minor">
+            <a:schemeClr val="tx1"/>
+          </a:fontRef>
+        </p:style>
+        <p:txBody>
+          <a:bodyPr/>
+          <a:lstStyle/>
+          <a:p>
+            <a:endParaRPr lang="en-US"/>
+          </a:p>
+        </p:txBody>
+      </p:sp>
+      <p:sp>
+        <p:nvSpPr>
+          <p:cNvPr id="568" name="Line 17"/>
+          <p:cNvSpPr>
+            <a:spLocks noChangeShapeType="1"/>
+          </p:cNvSpPr>
+          <p:nvPr/>
+        </p:nvSpPr>
+        <p:spPr bwMode="auto">
+          <a:xfrm>
+            <a:off x="2752922" y="3492105"/>
+            <a:ext cx="191572" cy="0"/>
+          </a:xfrm>
+          <a:prstGeom prst="line">
+            <a:avLst/>
+          </a:prstGeom>
+          <a:ln>
+            <a:solidFill>
+              <a:srgbClr val="FF0000"/>
+            </a:solidFill>
+            <a:prstDash val="solid"/>
+            <a:headEnd/>
+            <a:tailEnd/>
+          </a:ln>
+          <a:effectLst/>
+          <a:extLst/>
+        </p:spPr>
+        <p:style>
+          <a:lnRef idx="2">
+            <a:schemeClr val="accent2"/>
+          </a:lnRef>
+          <a:fillRef idx="0">
+            <a:schemeClr val="accent2"/>
+          </a:fillRef>
+          <a:effectRef idx="1">
+            <a:schemeClr val="accent2"/>
+          </a:effectRef>
+          <a:fontRef idx="minor">
+            <a:schemeClr val="tx1"/>
+          </a:fontRef>
+        </p:style>
+        <p:txBody>
+          <a:bodyPr/>
+          <a:lstStyle/>
+          <a:p>
+            <a:endParaRPr lang="en-US"/>
+          </a:p>
+        </p:txBody>
+      </p:sp>
+      <p:sp>
+        <p:nvSpPr>
+          <p:cNvPr id="569" name="ZoneTexte 568"/>
+          <p:cNvSpPr txBox="1"/>
+          <p:nvPr/>
+        </p:nvSpPr>
+        <p:spPr>
+          <a:xfrm>
+            <a:off x="3405004" y="1582211"/>
+            <a:ext cx="281188" cy="251861"/>
+          </a:xfrm>
+          <a:prstGeom prst="rect">
+            <a:avLst/>
+          </a:prstGeom>
+          <a:noFill/>
+        </p:spPr>
+        <p:txBody>
+          <a:bodyPr wrap="none" rtlCol="0">
+            <a:spAutoFit/>
+          </a:bodyPr>
+          <a:lstStyle/>
+          <a:p>
+            <a:r>
+              <a:rPr lang="fr-FR" dirty="0">
+                <a:solidFill>
+                  <a:srgbClr val="FF0000"/>
+                </a:solidFill>
+                <a:latin typeface="Symbol" panose="05050102010706020507" pitchFamily="18" charset="2"/>
+                <a:cs typeface="Times New Roman" panose="02020603050405020304" pitchFamily="18" charset="0"/>
+              </a:rPr>
+              <a:t>s</a:t>
+            </a:r>
+            <a:r>
+              <a:rPr lang="fr-FR" dirty="0" smtClean="0">
                 <a:solidFill>
                   <a:srgbClr val="FF0000"/>
                 </a:solidFill>
                 <a:latin typeface="Times New Roman" panose="02020603050405020304" pitchFamily="18" charset="0"/>
                 <a:cs typeface="Times New Roman" panose="02020603050405020304" pitchFamily="18" charset="0"/>
-              </a:endParaRPr>
-            </a:p>
-          </p:txBody>
-        </p:sp>
-        <p:sp>
-          <p:nvSpPr>
-            <p:cNvPr id="570" name="ZoneTexte 569"/>
-            <p:cNvSpPr txBox="1"/>
-            <p:nvPr/>
-          </p:nvSpPr>
-          <p:spPr>
-            <a:xfrm>
-              <a:off x="967544" y="1582211"/>
-              <a:ext cx="661345" cy="402591"/>
-            </a:xfrm>
-            <a:prstGeom prst="rect">
-              <a:avLst/>
-            </a:prstGeom>
-            <a:noFill/>
-          </p:spPr>
-          <p:txBody>
-            <a:bodyPr wrap="square" rtlCol="0">
-              <a:spAutoFit/>
-            </a:bodyPr>
-            <a:lstStyle/>
-            <a:p>
-              <a:r>
-                <a:rPr lang="fr-FR" dirty="0" smtClean="0">
-                  <a:solidFill>
-                    <a:srgbClr val="0070C0"/>
-                  </a:solidFill>
-                  <a:latin typeface="Symbol" panose="05050102010706020507" pitchFamily="18" charset="2"/>
-                  <a:cs typeface="Times New Roman" panose="02020603050405020304" pitchFamily="18" charset="0"/>
-                </a:rPr>
-                <a:t>s</a:t>
-              </a:r>
-              <a:r>
-                <a:rPr lang="fr-FR" dirty="0" smtClean="0">
-                  <a:solidFill>
-                    <a:srgbClr val="0070C0"/>
-                  </a:solidFill>
-                  <a:latin typeface="Times New Roman" panose="02020603050405020304" pitchFamily="18" charset="0"/>
-                  <a:cs typeface="Times New Roman" panose="02020603050405020304" pitchFamily="18" charset="0"/>
-                </a:rPr>
-                <a:t>+</a:t>
-              </a:r>
-              <a:endParaRPr lang="en-US" baseline="-25000" dirty="0">
+              </a:rPr>
+              <a:t>-</a:t>
+            </a:r>
+            <a:endParaRPr lang="en-US" baseline="-25000" dirty="0">
+              <a:solidFill>
+                <a:srgbClr val="FF0000"/>
+              </a:solidFill>
+              <a:latin typeface="Times New Roman" panose="02020603050405020304" pitchFamily="18" charset="0"/>
+              <a:cs typeface="Times New Roman" panose="02020603050405020304" pitchFamily="18" charset="0"/>
+            </a:endParaRPr>
+          </a:p>
+        </p:txBody>
+      </p:sp>
+      <p:sp>
+        <p:nvSpPr>
+          <p:cNvPr id="570" name="ZoneTexte 569"/>
+          <p:cNvSpPr txBox="1"/>
+          <p:nvPr/>
+        </p:nvSpPr>
+        <p:spPr>
+          <a:xfrm>
+            <a:off x="2255339" y="1582211"/>
+            <a:ext cx="661345" cy="402591"/>
+          </a:xfrm>
+          <a:prstGeom prst="rect">
+            <a:avLst/>
+          </a:prstGeom>
+          <a:noFill/>
+        </p:spPr>
+        <p:txBody>
+          <a:bodyPr wrap="square" rtlCol="0">
+            <a:spAutoFit/>
+          </a:bodyPr>
+          <a:lstStyle/>
+          <a:p>
+            <a:r>
+              <a:rPr lang="fr-FR" dirty="0" smtClean="0">
+                <a:solidFill>
+                  <a:srgbClr val="0070C0"/>
+                </a:solidFill>
+                <a:latin typeface="Symbol" panose="05050102010706020507" pitchFamily="18" charset="2"/>
+                <a:cs typeface="Times New Roman" panose="02020603050405020304" pitchFamily="18" charset="0"/>
+              </a:rPr>
+              <a:t>s</a:t>
+            </a:r>
+            <a:r>
+              <a:rPr lang="fr-FR" dirty="0" smtClean="0">
                 <a:solidFill>
                   <a:srgbClr val="0070C0"/>
                 </a:solidFill>
                 <a:latin typeface="Times New Roman" panose="02020603050405020304" pitchFamily="18" charset="0"/>
                 <a:cs typeface="Times New Roman" panose="02020603050405020304" pitchFamily="18" charset="0"/>
-              </a:endParaRPr>
-            </a:p>
-          </p:txBody>
-        </p:sp>
-        <p:cxnSp>
-          <p:nvCxnSpPr>
-            <p:cNvPr id="571" name="Connecteur droit avec flèche 570"/>
-            <p:cNvCxnSpPr/>
-            <p:nvPr/>
-          </p:nvCxnSpPr>
-          <p:spPr>
-            <a:xfrm>
-              <a:off x="1998149" y="993368"/>
-              <a:ext cx="319890" cy="1681389"/>
-            </a:xfrm>
-            <a:prstGeom prst="straightConnector1">
-              <a:avLst/>
-            </a:prstGeom>
-            <a:ln w="19050">
-              <a:solidFill>
-                <a:srgbClr val="FF0000"/>
-              </a:solidFill>
-              <a:headEnd type="none" w="med" len="med"/>
-              <a:tailEnd type="arrow" w="med" len="med"/>
-            </a:ln>
-          </p:spPr>
-          <p:style>
-            <a:lnRef idx="1">
-              <a:schemeClr val="accent1"/>
-            </a:lnRef>
-            <a:fillRef idx="0">
-              <a:schemeClr val="accent1"/>
-            </a:fillRef>
-            <a:effectRef idx="0">
-              <a:schemeClr val="accent1"/>
-            </a:effectRef>
-            <a:fontRef idx="minor">
-              <a:schemeClr val="tx1"/>
-            </a:fontRef>
-          </p:style>
-        </p:cxnSp>
-        <p:sp>
-          <p:nvSpPr>
-            <p:cNvPr id="572" name="Line 17"/>
-            <p:cNvSpPr>
-              <a:spLocks noChangeShapeType="1"/>
-            </p:cNvSpPr>
-            <p:nvPr/>
-          </p:nvSpPr>
-          <p:spPr bwMode="auto">
-            <a:xfrm>
-              <a:off x="1444089" y="2902848"/>
-              <a:ext cx="657858" cy="677"/>
-            </a:xfrm>
-            <a:prstGeom prst="line">
-              <a:avLst/>
-            </a:prstGeom>
-            <a:noFill/>
-            <a:ln w="28575">
-              <a:solidFill>
-                <a:srgbClr val="0066FF"/>
-              </a:solidFill>
-              <a:prstDash val="sysDot"/>
-              <a:round/>
-              <a:headEnd/>
-              <a:tailEnd/>
-            </a:ln>
-            <a:effectLst/>
-            <a:extLst>
-              <a:ext uri="{909E8E84-426E-40DD-AFC4-6F175D3DCCD1}">
-                <a14:hiddenFill xmlns:a14="http://schemas.microsoft.com/office/drawing/2010/main">
-                  <a:noFill/>
-                </a14:hiddenFill>
-              </a:ext>
-              <a:ext uri="{AF507438-7753-43E0-B8FC-AC1667EBCBE1}">
-                <a14:hiddenEffects xmlns:a14="http://schemas.microsoft.com/office/drawing/2010/main">
-                  <a:effectLst>
-                    <a:outerShdw dist="35921" dir="2700000" algn="ctr" rotWithShape="0">
-                      <a:schemeClr val="bg2"/>
-                    </a:outerShdw>
-                  </a:effectLst>
-                </a14:hiddenEffects>
-              </a:ext>
-            </a:extLst>
-          </p:spPr>
-          <p:txBody>
-            <a:bodyPr/>
-            <a:lstStyle/>
-            <a:p>
-              <a:endParaRPr lang="en-US"/>
-            </a:p>
-          </p:txBody>
-        </p:sp>
-        <p:sp>
-          <p:nvSpPr>
-            <p:cNvPr id="573" name="Line 17"/>
-            <p:cNvSpPr>
-              <a:spLocks noChangeShapeType="1"/>
-            </p:cNvSpPr>
-            <p:nvPr/>
-          </p:nvSpPr>
-          <p:spPr bwMode="auto">
-            <a:xfrm>
-              <a:off x="1433765" y="3033794"/>
-              <a:ext cx="642506" cy="0"/>
-            </a:xfrm>
-            <a:prstGeom prst="line">
-              <a:avLst/>
-            </a:prstGeom>
-            <a:ln>
-              <a:solidFill>
-                <a:srgbClr val="FF0000"/>
-              </a:solidFill>
-              <a:prstDash val="sysDot"/>
-              <a:headEnd/>
-              <a:tailEnd/>
-            </a:ln>
-            <a:effectLst/>
-            <a:extLst/>
-          </p:spPr>
-          <p:style>
-            <a:lnRef idx="2">
-              <a:schemeClr val="accent2"/>
-            </a:lnRef>
-            <a:fillRef idx="0">
-              <a:schemeClr val="accent2"/>
-            </a:fillRef>
-            <a:effectRef idx="1">
-              <a:schemeClr val="accent2"/>
-            </a:effectRef>
-            <a:fontRef idx="minor">
-              <a:schemeClr val="tx1"/>
-            </a:fontRef>
-          </p:style>
-          <p:txBody>
-            <a:bodyPr/>
-            <a:lstStyle/>
-            <a:p>
-              <a:endParaRPr lang="en-US"/>
-            </a:p>
-          </p:txBody>
-        </p:sp>
-        <p:sp>
-          <p:nvSpPr>
-            <p:cNvPr id="574" name="Line 17"/>
-            <p:cNvSpPr>
-              <a:spLocks noChangeShapeType="1"/>
-            </p:cNvSpPr>
-            <p:nvPr/>
-          </p:nvSpPr>
-          <p:spPr bwMode="auto">
-            <a:xfrm>
-              <a:off x="1444931" y="3033117"/>
-              <a:ext cx="657858" cy="677"/>
-            </a:xfrm>
-            <a:prstGeom prst="line">
-              <a:avLst/>
-            </a:prstGeom>
-            <a:noFill/>
-            <a:ln w="28575">
-              <a:solidFill>
-                <a:srgbClr val="0066FF"/>
-              </a:solidFill>
-              <a:prstDash val="sysDot"/>
-              <a:round/>
-              <a:headEnd/>
-              <a:tailEnd/>
-            </a:ln>
-            <a:effectLst/>
-            <a:extLst>
-              <a:ext uri="{909E8E84-426E-40DD-AFC4-6F175D3DCCD1}">
-                <a14:hiddenFill xmlns:a14="http://schemas.microsoft.com/office/drawing/2010/main">
-                  <a:noFill/>
-                </a14:hiddenFill>
-              </a:ext>
-              <a:ext uri="{AF507438-7753-43E0-B8FC-AC1667EBCBE1}">
-                <a14:hiddenEffects xmlns:a14="http://schemas.microsoft.com/office/drawing/2010/main">
-                  <a:effectLst>
-                    <a:outerShdw dist="35921" dir="2700000" algn="ctr" rotWithShape="0">
-                      <a:schemeClr val="bg2"/>
-                    </a:outerShdw>
-                  </a:effectLst>
-                </a14:hiddenEffects>
-              </a:ext>
-            </a:extLst>
-          </p:spPr>
-          <p:txBody>
-            <a:bodyPr/>
-            <a:lstStyle/>
-            <a:p>
-              <a:endParaRPr lang="en-US"/>
-            </a:p>
-          </p:txBody>
-        </p:sp>
-        <p:sp>
-          <p:nvSpPr>
-            <p:cNvPr id="575" name="Line 17"/>
-            <p:cNvSpPr>
-              <a:spLocks noChangeShapeType="1"/>
-            </p:cNvSpPr>
-            <p:nvPr/>
-          </p:nvSpPr>
-          <p:spPr bwMode="auto">
-            <a:xfrm>
-              <a:off x="1683888" y="929731"/>
-              <a:ext cx="191572" cy="0"/>
-            </a:xfrm>
-            <a:prstGeom prst="line">
-              <a:avLst/>
-            </a:prstGeom>
-            <a:noFill/>
-            <a:ln w="28575">
-              <a:solidFill>
-                <a:schemeClr val="tx1"/>
-              </a:solidFill>
-              <a:round/>
-              <a:headEnd/>
-              <a:tailEnd/>
-            </a:ln>
-            <a:effectLst/>
-            <a:extLst>
-              <a:ext uri="{909E8E84-426E-40DD-AFC4-6F175D3DCCD1}">
-                <a14:hiddenFill xmlns:a14="http://schemas.microsoft.com/office/drawing/2010/main">
-                  <a:noFill/>
-                </a14:hiddenFill>
-              </a:ext>
-              <a:ext uri="{AF507438-7753-43E0-B8FC-AC1667EBCBE1}">
-                <a14:hiddenEffects xmlns:a14="http://schemas.microsoft.com/office/drawing/2010/main">
-                  <a:effectLst>
-                    <a:outerShdw dist="35921" dir="2700000" algn="ctr" rotWithShape="0">
-                      <a:schemeClr val="bg2"/>
-                    </a:outerShdw>
-                  </a:effectLst>
-                </a14:hiddenEffects>
-              </a:ext>
-            </a:extLst>
-          </p:spPr>
-          <p:txBody>
-            <a:bodyPr/>
-            <a:lstStyle/>
-            <a:p>
-              <a:endParaRPr lang="en-US"/>
-            </a:p>
-          </p:txBody>
-        </p:sp>
-        <p:cxnSp>
-          <p:nvCxnSpPr>
-            <p:cNvPr id="577" name="Connecteur droit avec flèche 576"/>
-            <p:cNvCxnSpPr>
-              <a:endCxn id="560" idx="0"/>
-            </p:cNvCxnSpPr>
-            <p:nvPr/>
-          </p:nvCxnSpPr>
-          <p:spPr>
-            <a:xfrm flipH="1">
-              <a:off x="1224011" y="1002893"/>
-              <a:ext cx="324883" cy="1703535"/>
-            </a:xfrm>
-            <a:prstGeom prst="straightConnector1">
-              <a:avLst/>
-            </a:prstGeom>
-            <a:ln w="19050">
+              </a:rPr>
+              <a:t>+</a:t>
+            </a:r>
+            <a:endParaRPr lang="en-US" baseline="-25000" dirty="0">
               <a:solidFill>
                 <a:srgbClr val="0070C0"/>
               </a:solidFill>
-              <a:headEnd type="none" w="med" len="med"/>
-              <a:tailEnd type="arrow" w="med" len="med"/>
-            </a:ln>
-          </p:spPr>
-          <p:style>
-            <a:lnRef idx="1">
-              <a:schemeClr val="accent1"/>
-            </a:lnRef>
-            <a:fillRef idx="0">
-              <a:schemeClr val="accent1"/>
-            </a:fillRef>
-            <a:effectRef idx="0">
-              <a:schemeClr val="accent1"/>
-            </a:effectRef>
-            <a:fontRef idx="minor">
+              <a:latin typeface="Times New Roman" panose="02020603050405020304" pitchFamily="18" charset="0"/>
+              <a:cs typeface="Times New Roman" panose="02020603050405020304" pitchFamily="18" charset="0"/>
+            </a:endParaRPr>
+          </a:p>
+        </p:txBody>
+      </p:sp>
+      <p:cxnSp>
+        <p:nvCxnSpPr>
+          <p:cNvPr id="571" name="Connecteur droit avec flèche 570"/>
+          <p:cNvCxnSpPr/>
+          <p:nvPr/>
+        </p:nvCxnSpPr>
+        <p:spPr>
+          <a:xfrm>
+            <a:off x="3276000" y="996285"/>
+            <a:ext cx="252000" cy="1706400"/>
+          </a:xfrm>
+          <a:prstGeom prst="straightConnector1">
+            <a:avLst/>
+          </a:prstGeom>
+          <a:ln w="19050">
+            <a:solidFill>
+              <a:srgbClr val="FF0000"/>
+            </a:solidFill>
+            <a:headEnd type="none" w="med" len="med"/>
+            <a:tailEnd type="arrow" w="med" len="med"/>
+          </a:ln>
+        </p:spPr>
+        <p:style>
+          <a:lnRef idx="1">
+            <a:schemeClr val="accent1"/>
+          </a:lnRef>
+          <a:fillRef idx="0">
+            <a:schemeClr val="accent1"/>
+          </a:fillRef>
+          <a:effectRef idx="0">
+            <a:schemeClr val="accent1"/>
+          </a:effectRef>
+          <a:fontRef idx="minor">
+            <a:schemeClr val="tx1"/>
+          </a:fontRef>
+        </p:style>
+      </p:cxnSp>
+      <p:sp>
+        <p:nvSpPr>
+          <p:cNvPr id="572" name="Line 17"/>
+          <p:cNvSpPr>
+            <a:spLocks noChangeShapeType="1"/>
+          </p:cNvSpPr>
+          <p:nvPr/>
+        </p:nvSpPr>
+        <p:spPr bwMode="auto">
+          <a:xfrm>
+            <a:off x="2731884" y="2902848"/>
+            <a:ext cx="657858" cy="677"/>
+          </a:xfrm>
+          <a:prstGeom prst="line">
+            <a:avLst/>
+          </a:prstGeom>
+          <a:noFill/>
+          <a:ln w="28575">
+            <a:solidFill>
+              <a:srgbClr val="0066FF"/>
+            </a:solidFill>
+            <a:prstDash val="sysDot"/>
+            <a:round/>
+            <a:headEnd/>
+            <a:tailEnd/>
+          </a:ln>
+          <a:effectLst/>
+          <a:extLst>
+            <a:ext uri="{909E8E84-426E-40DD-AFC4-6F175D3DCCD1}">
+              <a14:hiddenFill xmlns:a14="http://schemas.microsoft.com/office/drawing/2010/main">
+                <a:noFill/>
+              </a14:hiddenFill>
+            </a:ext>
+            <a:ext uri="{AF507438-7753-43E0-B8FC-AC1667EBCBE1}">
+              <a14:hiddenEffects xmlns:a14="http://schemas.microsoft.com/office/drawing/2010/main">
+                <a:effectLst>
+                  <a:outerShdw dist="35921" dir="2700000" algn="ctr" rotWithShape="0">
+                    <a:schemeClr val="bg2"/>
+                  </a:outerShdw>
+                </a:effectLst>
+              </a14:hiddenEffects>
+            </a:ext>
+          </a:extLst>
+        </p:spPr>
+        <p:txBody>
+          <a:bodyPr/>
+          <a:lstStyle/>
+          <a:p>
+            <a:endParaRPr lang="en-US"/>
+          </a:p>
+        </p:txBody>
+      </p:sp>
+      <p:sp>
+        <p:nvSpPr>
+          <p:cNvPr id="573" name="Line 17"/>
+          <p:cNvSpPr>
+            <a:spLocks noChangeShapeType="1"/>
+          </p:cNvSpPr>
+          <p:nvPr/>
+        </p:nvSpPr>
+        <p:spPr bwMode="auto">
+          <a:xfrm>
+            <a:off x="2721560" y="3033794"/>
+            <a:ext cx="642506" cy="0"/>
+          </a:xfrm>
+          <a:prstGeom prst="line">
+            <a:avLst/>
+          </a:prstGeom>
+          <a:ln>
+            <a:solidFill>
+              <a:srgbClr val="FF0000"/>
+            </a:solidFill>
+            <a:prstDash val="sysDot"/>
+            <a:headEnd/>
+            <a:tailEnd/>
+          </a:ln>
+          <a:effectLst/>
+          <a:extLst/>
+        </p:spPr>
+        <p:style>
+          <a:lnRef idx="2">
+            <a:schemeClr val="accent2"/>
+          </a:lnRef>
+          <a:fillRef idx="0">
+            <a:schemeClr val="accent2"/>
+          </a:fillRef>
+          <a:effectRef idx="1">
+            <a:schemeClr val="accent2"/>
+          </a:effectRef>
+          <a:fontRef idx="minor">
+            <a:schemeClr val="tx1"/>
+          </a:fontRef>
+        </p:style>
+        <p:txBody>
+          <a:bodyPr/>
+          <a:lstStyle/>
+          <a:p>
+            <a:endParaRPr lang="en-US"/>
+          </a:p>
+        </p:txBody>
+      </p:sp>
+      <p:sp>
+        <p:nvSpPr>
+          <p:cNvPr id="574" name="Line 17"/>
+          <p:cNvSpPr>
+            <a:spLocks noChangeShapeType="1"/>
+          </p:cNvSpPr>
+          <p:nvPr/>
+        </p:nvSpPr>
+        <p:spPr bwMode="auto">
+          <a:xfrm>
+            <a:off x="2732726" y="3033117"/>
+            <a:ext cx="657858" cy="677"/>
+          </a:xfrm>
+          <a:prstGeom prst="line">
+            <a:avLst/>
+          </a:prstGeom>
+          <a:noFill/>
+          <a:ln w="28575">
+            <a:solidFill>
+              <a:srgbClr val="0066FF"/>
+            </a:solidFill>
+            <a:prstDash val="sysDot"/>
+            <a:round/>
+            <a:headEnd/>
+            <a:tailEnd/>
+          </a:ln>
+          <a:effectLst/>
+          <a:extLst>
+            <a:ext uri="{909E8E84-426E-40DD-AFC4-6F175D3DCCD1}">
+              <a14:hiddenFill xmlns:a14="http://schemas.microsoft.com/office/drawing/2010/main">
+                <a:noFill/>
+              </a14:hiddenFill>
+            </a:ext>
+            <a:ext uri="{AF507438-7753-43E0-B8FC-AC1667EBCBE1}">
+              <a14:hiddenEffects xmlns:a14="http://schemas.microsoft.com/office/drawing/2010/main">
+                <a:effectLst>
+                  <a:outerShdw dist="35921" dir="2700000" algn="ctr" rotWithShape="0">
+                    <a:schemeClr val="bg2"/>
+                  </a:outerShdw>
+                </a:effectLst>
+              </a14:hiddenEffects>
+            </a:ext>
+          </a:extLst>
+        </p:spPr>
+        <p:txBody>
+          <a:bodyPr/>
+          <a:lstStyle/>
+          <a:p>
+            <a:endParaRPr lang="en-US"/>
+          </a:p>
+        </p:txBody>
+      </p:sp>
+      <p:sp>
+        <p:nvSpPr>
+          <p:cNvPr id="575" name="Line 17"/>
+          <p:cNvSpPr>
+            <a:spLocks noChangeShapeType="1"/>
+          </p:cNvSpPr>
+          <p:nvPr/>
+        </p:nvSpPr>
+        <p:spPr bwMode="auto">
+          <a:xfrm>
+            <a:off x="2971683" y="929731"/>
+            <a:ext cx="191572" cy="0"/>
+          </a:xfrm>
+          <a:prstGeom prst="line">
+            <a:avLst/>
+          </a:prstGeom>
+          <a:noFill/>
+          <a:ln w="28575">
+            <a:solidFill>
               <a:schemeClr val="tx1"/>
-            </a:fontRef>
-          </p:style>
-        </p:cxnSp>
-        <p:sp>
-          <p:nvSpPr>
-            <p:cNvPr id="578" name="Rectangle 577"/>
-            <p:cNvSpPr/>
-            <p:nvPr/>
-          </p:nvSpPr>
-          <p:spPr>
-            <a:xfrm>
-              <a:off x="3184814" y="608699"/>
-              <a:ext cx="843126" cy="369042"/>
-            </a:xfrm>
-            <a:prstGeom prst="rect">
-              <a:avLst/>
-            </a:prstGeom>
-          </p:spPr>
-          <p:txBody>
-            <a:bodyPr wrap="none">
-              <a:spAutoFit/>
-            </a:bodyPr>
-            <a:lstStyle/>
-            <a:p>
-              <a:r>
-                <a:rPr lang="fr-FR" sz="1600" dirty="0">
-                  <a:latin typeface="Times New Roman" panose="02020603050405020304" pitchFamily="18" charset="0"/>
-                  <a:cs typeface="Times New Roman" panose="02020603050405020304" pitchFamily="18" charset="0"/>
-                </a:rPr>
-                <a:t>X</a:t>
-              </a:r>
-              <a:r>
-                <a:rPr lang="fr-FR" sz="1600" baseline="30000" dirty="0">
-                  <a:latin typeface="Times New Roman" panose="02020603050405020304" pitchFamily="18" charset="0"/>
-                  <a:cs typeface="Times New Roman" panose="02020603050405020304" pitchFamily="18" charset="0"/>
-                </a:rPr>
-                <a:t>+</a:t>
-              </a:r>
-              <a:r>
-                <a:rPr lang="fr-FR" sz="1600" dirty="0">
-                  <a:latin typeface="Times New Roman" panose="02020603050405020304" pitchFamily="18" charset="0"/>
-                  <a:cs typeface="Times New Roman" panose="02020603050405020304" pitchFamily="18" charset="0"/>
-                </a:rPr>
-                <a:t>-Mn</a:t>
-              </a:r>
-              <a:endParaRPr lang="en-US" sz="1600" dirty="0"/>
-            </a:p>
-          </p:txBody>
-        </p:sp>
-        <p:sp>
-          <p:nvSpPr>
-            <p:cNvPr id="579" name="Line 17"/>
-            <p:cNvSpPr>
-              <a:spLocks noChangeShapeType="1"/>
-            </p:cNvSpPr>
-            <p:nvPr/>
-          </p:nvSpPr>
-          <p:spPr bwMode="auto">
-            <a:xfrm>
-              <a:off x="1896885" y="430083"/>
-              <a:ext cx="191572" cy="0"/>
-            </a:xfrm>
-            <a:prstGeom prst="line">
-              <a:avLst/>
-            </a:prstGeom>
-            <a:noFill/>
-            <a:ln w="28575">
-              <a:solidFill>
-                <a:schemeClr val="tx1"/>
-              </a:solidFill>
-              <a:round/>
-              <a:headEnd/>
-              <a:tailEnd/>
-            </a:ln>
-            <a:effectLst/>
-            <a:extLst>
-              <a:ext uri="{909E8E84-426E-40DD-AFC4-6F175D3DCCD1}">
-                <a14:hiddenFill xmlns:a14="http://schemas.microsoft.com/office/drawing/2010/main">
-                  <a:noFill/>
-                </a14:hiddenFill>
-              </a:ext>
-              <a:ext uri="{AF507438-7753-43E0-B8FC-AC1667EBCBE1}">
-                <a14:hiddenEffects xmlns:a14="http://schemas.microsoft.com/office/drawing/2010/main">
-                  <a:effectLst>
-                    <a:outerShdw dist="35921" dir="2700000" algn="ctr" rotWithShape="0">
-                      <a:schemeClr val="bg2"/>
-                    </a:outerShdw>
-                  </a:effectLst>
-                </a14:hiddenEffects>
-              </a:ext>
-            </a:extLst>
-          </p:spPr>
-          <p:txBody>
-            <a:bodyPr/>
-            <a:lstStyle/>
-            <a:p>
-              <a:endParaRPr lang="en-US"/>
-            </a:p>
-          </p:txBody>
-        </p:sp>
-        <p:sp>
-          <p:nvSpPr>
-            <p:cNvPr id="580" name="Line 17"/>
-            <p:cNvSpPr>
-              <a:spLocks noChangeShapeType="1"/>
-            </p:cNvSpPr>
-            <p:nvPr/>
-          </p:nvSpPr>
-          <p:spPr bwMode="auto">
-            <a:xfrm>
-              <a:off x="1897131" y="1006147"/>
-              <a:ext cx="191572" cy="0"/>
-            </a:xfrm>
-            <a:prstGeom prst="line">
-              <a:avLst/>
-            </a:prstGeom>
-            <a:noFill/>
-            <a:ln w="28575">
-              <a:solidFill>
-                <a:schemeClr val="tx1"/>
-              </a:solidFill>
-              <a:round/>
-              <a:headEnd/>
-              <a:tailEnd/>
-            </a:ln>
-            <a:effectLst/>
-            <a:extLst>
-              <a:ext uri="{909E8E84-426E-40DD-AFC4-6F175D3DCCD1}">
-                <a14:hiddenFill xmlns:a14="http://schemas.microsoft.com/office/drawing/2010/main">
-                  <a:noFill/>
-                </a14:hiddenFill>
-              </a:ext>
-              <a:ext uri="{AF507438-7753-43E0-B8FC-AC1667EBCBE1}">
-                <a14:hiddenEffects xmlns:a14="http://schemas.microsoft.com/office/drawing/2010/main">
-                  <a:effectLst>
-                    <a:outerShdw dist="35921" dir="2700000" algn="ctr" rotWithShape="0">
-                      <a:schemeClr val="bg2"/>
-                    </a:outerShdw>
-                  </a:effectLst>
-                </a14:hiddenEffects>
-              </a:ext>
-            </a:extLst>
-          </p:spPr>
-          <p:txBody>
-            <a:bodyPr/>
-            <a:lstStyle/>
-            <a:p>
-              <a:endParaRPr lang="en-US"/>
-            </a:p>
-          </p:txBody>
-        </p:sp>
-        <p:sp>
-          <p:nvSpPr>
-            <p:cNvPr id="581" name="Line 17"/>
-            <p:cNvSpPr>
-              <a:spLocks noChangeShapeType="1"/>
-            </p:cNvSpPr>
-            <p:nvPr/>
-          </p:nvSpPr>
-          <p:spPr bwMode="auto">
-            <a:xfrm>
-              <a:off x="1448479" y="430083"/>
-              <a:ext cx="191572" cy="0"/>
-            </a:xfrm>
-            <a:prstGeom prst="line">
-              <a:avLst/>
-            </a:prstGeom>
-            <a:noFill/>
-            <a:ln w="28575">
-              <a:solidFill>
-                <a:schemeClr val="tx1"/>
-              </a:solidFill>
-              <a:round/>
-              <a:headEnd/>
-              <a:tailEnd/>
-            </a:ln>
-            <a:effectLst/>
-            <a:extLst>
-              <a:ext uri="{909E8E84-426E-40DD-AFC4-6F175D3DCCD1}">
-                <a14:hiddenFill xmlns:a14="http://schemas.microsoft.com/office/drawing/2010/main">
-                  <a:noFill/>
-                </a14:hiddenFill>
-              </a:ext>
-              <a:ext uri="{AF507438-7753-43E0-B8FC-AC1667EBCBE1}">
-                <a14:hiddenEffects xmlns:a14="http://schemas.microsoft.com/office/drawing/2010/main">
-                  <a:effectLst>
-                    <a:outerShdw dist="35921" dir="2700000" algn="ctr" rotWithShape="0">
-                      <a:schemeClr val="bg2"/>
-                    </a:outerShdw>
-                  </a:effectLst>
-                </a14:hiddenEffects>
-              </a:ext>
-            </a:extLst>
-          </p:spPr>
-          <p:txBody>
-            <a:bodyPr/>
-            <a:lstStyle/>
-            <a:p>
-              <a:endParaRPr lang="en-US"/>
-            </a:p>
-          </p:txBody>
-        </p:sp>
-        <p:sp>
-          <p:nvSpPr>
-            <p:cNvPr id="582" name="Line 17"/>
-            <p:cNvSpPr>
-              <a:spLocks noChangeShapeType="1"/>
-            </p:cNvSpPr>
-            <p:nvPr/>
-          </p:nvSpPr>
-          <p:spPr bwMode="auto">
-            <a:xfrm>
-              <a:off x="1464768" y="992314"/>
-              <a:ext cx="191572" cy="0"/>
-            </a:xfrm>
-            <a:prstGeom prst="line">
-              <a:avLst/>
-            </a:prstGeom>
-            <a:noFill/>
-            <a:ln w="28575">
-              <a:solidFill>
-                <a:schemeClr val="tx1"/>
-              </a:solidFill>
-              <a:round/>
-              <a:headEnd/>
-              <a:tailEnd/>
-            </a:ln>
-            <a:effectLst/>
-            <a:extLst>
-              <a:ext uri="{909E8E84-426E-40DD-AFC4-6F175D3DCCD1}">
-                <a14:hiddenFill xmlns:a14="http://schemas.microsoft.com/office/drawing/2010/main">
-                  <a:noFill/>
-                </a14:hiddenFill>
-              </a:ext>
-              <a:ext uri="{AF507438-7753-43E0-B8FC-AC1667EBCBE1}">
-                <a14:hiddenEffects xmlns:a14="http://schemas.microsoft.com/office/drawing/2010/main">
-                  <a:effectLst>
-                    <a:outerShdw dist="35921" dir="2700000" algn="ctr" rotWithShape="0">
-                      <a:schemeClr val="bg2"/>
-                    </a:outerShdw>
-                  </a:effectLst>
-                </a14:hiddenEffects>
-              </a:ext>
-            </a:extLst>
-          </p:spPr>
-          <p:txBody>
-            <a:bodyPr/>
-            <a:lstStyle/>
-            <a:p>
-              <a:endParaRPr lang="en-US"/>
-            </a:p>
-          </p:txBody>
-        </p:sp>
-        <mc:AlternateContent xmlns:mc="http://schemas.openxmlformats.org/markup-compatibility/2006" xmlns:a14="http://schemas.microsoft.com/office/drawing/2010/main">
-          <mc:Choice Requires="a14">
-            <p:sp>
-              <p:nvSpPr>
-                <p:cNvPr id="584" name="ZoneTexte 583"/>
-                <p:cNvSpPr txBox="1"/>
-                <p:nvPr/>
-              </p:nvSpPr>
-              <p:spPr>
-                <a:xfrm>
-                  <a:off x="2843808" y="2534193"/>
-                  <a:ext cx="528222" cy="369332"/>
-                </a:xfrm>
-                <a:prstGeom prst="rect">
-                  <a:avLst/>
-                </a:prstGeom>
+            </a:solidFill>
+            <a:round/>
+            <a:headEnd/>
+            <a:tailEnd/>
+          </a:ln>
+          <a:effectLst/>
+          <a:extLst>
+            <a:ext uri="{909E8E84-426E-40DD-AFC4-6F175D3DCCD1}">
+              <a14:hiddenFill xmlns:a14="http://schemas.microsoft.com/office/drawing/2010/main">
                 <a:noFill/>
-              </p:spPr>
-              <p:txBody>
-                <a:bodyPr wrap="none" rtlCol="0">
-                  <a:spAutoFit/>
-                </a:bodyPr>
-                <a:lstStyle/>
-                <a:p>
-                  <a:pPr/>
-                  <a14:m>
-                    <m:oMathPara xmlns:m="http://schemas.openxmlformats.org/officeDocument/2006/math">
-                      <m:oMathParaPr>
-                        <m:jc m:val="centerGroup"/>
-                      </m:oMathParaPr>
-                      <m:oMath xmlns:m="http://schemas.openxmlformats.org/officeDocument/2006/math">
-                        <m:d>
-                          <m:dPr>
-                            <m:begChr m:val="|"/>
-                            <m:endChr m:val=""/>
-                            <m:ctrlPr>
-                              <a:rPr lang="fr-FR" i="1" smtClean="0">
-                                <a:solidFill>
-                                  <a:srgbClr val="FF0000"/>
-                                </a:solidFill>
-                                <a:latin typeface="Cambria Math"/>
-                              </a:rPr>
-                            </m:ctrlPr>
-                          </m:dPr>
-                          <m:e>
-                            <m:d>
-                              <m:dPr>
-                                <m:begChr m:val=""/>
-                                <m:endChr m:val="⟩"/>
-                                <m:ctrlPr>
-                                  <a:rPr lang="fr-FR" i="1" smtClean="0">
-                                    <a:solidFill>
-                                      <a:srgbClr val="FF0000"/>
-                                    </a:solidFill>
-                                    <a:latin typeface="Cambria Math"/>
-                                    <a:ea typeface="Cambria Math"/>
-                                  </a:rPr>
-                                </m:ctrlPr>
-                              </m:dPr>
-                              <m:e>
-                                <m:r>
-                                  <a:rPr lang="fr-FR" i="1" smtClean="0">
-                                    <a:solidFill>
-                                      <a:srgbClr val="FF0000"/>
-                                    </a:solidFill>
-                                    <a:latin typeface="Cambria Math"/>
-                                    <a:ea typeface="Cambria Math"/>
-                                  </a:rPr>
-                                  <m:t>⇑</m:t>
-                                </m:r>
-                              </m:e>
-                            </m:d>
-                          </m:e>
-                        </m:d>
-                      </m:oMath>
-                    </m:oMathPara>
-                  </a14:m>
-                  <a:endParaRPr lang="fr-FR" dirty="0">
-                    <a:solidFill>
-                      <a:srgbClr val="FF0000"/>
-                    </a:solidFill>
-                  </a:endParaRPr>
-                </a:p>
-              </p:txBody>
-            </p:sp>
-          </mc:Choice>
-          <mc:Fallback xmlns="">
-            <p:sp>
-              <p:nvSpPr>
-                <p:cNvPr id="584" name="ZoneTexte 583"/>
-                <p:cNvSpPr txBox="1">
-                  <a:spLocks noRot="1" noChangeAspect="1" noMove="1" noResize="1" noEditPoints="1" noAdjustHandles="1" noChangeArrowheads="1" noChangeShapeType="1" noTextEdit="1"/>
-                </p:cNvSpPr>
-                <p:nvPr/>
-              </p:nvSpPr>
-              <p:spPr>
-                <a:xfrm>
-                  <a:off x="2843808" y="2534193"/>
-                  <a:ext cx="528222" cy="369332"/>
-                </a:xfrm>
-                <a:prstGeom prst="rect">
-                  <a:avLst/>
-                </a:prstGeom>
-                <a:blipFill rotWithShape="1">
-                  <a:blip r:embed="rId3"/>
-                  <a:stretch>
-                    <a:fillRect l="-51163" t="-110000" r="-77907" b="-165000"/>
-                  </a:stretch>
-                </a:blipFill>
-              </p:spPr>
-              <p:txBody>
-                <a:bodyPr/>
-                <a:lstStyle/>
-                <a:p>
-                  <a:r>
-                    <a:rPr lang="fr-FR">
-                      <a:noFill/>
-                    </a:rPr>
-                    <a:t> </a:t>
-                  </a:r>
-                </a:p>
-              </p:txBody>
-            </p:sp>
-          </mc:Fallback>
-        </mc:AlternateContent>
-        <mc:AlternateContent xmlns:mc="http://schemas.openxmlformats.org/markup-compatibility/2006" xmlns:a14="http://schemas.microsoft.com/office/drawing/2010/main">
-          <mc:Choice Requires="a14">
-            <p:sp>
-              <p:nvSpPr>
-                <p:cNvPr id="585" name="ZoneTexte 584"/>
-                <p:cNvSpPr txBox="1"/>
-                <p:nvPr/>
-              </p:nvSpPr>
-              <p:spPr>
-                <a:xfrm>
-                  <a:off x="227354" y="2555612"/>
-                  <a:ext cx="528222" cy="369332"/>
-                </a:xfrm>
-                <a:prstGeom prst="rect">
-                  <a:avLst/>
-                </a:prstGeom>
+              </a14:hiddenFill>
+            </a:ext>
+            <a:ext uri="{AF507438-7753-43E0-B8FC-AC1667EBCBE1}">
+              <a14:hiddenEffects xmlns:a14="http://schemas.microsoft.com/office/drawing/2010/main">
+                <a:effectLst>
+                  <a:outerShdw dist="35921" dir="2700000" algn="ctr" rotWithShape="0">
+                    <a:schemeClr val="bg2"/>
+                  </a:outerShdw>
+                </a:effectLst>
+              </a14:hiddenEffects>
+            </a:ext>
+          </a:extLst>
+        </p:spPr>
+        <p:txBody>
+          <a:bodyPr/>
+          <a:lstStyle/>
+          <a:p>
+            <a:endParaRPr lang="en-US"/>
+          </a:p>
+        </p:txBody>
+      </p:sp>
+      <p:cxnSp>
+        <p:nvCxnSpPr>
+          <p:cNvPr id="577" name="Connecteur droit avec flèche 576"/>
+          <p:cNvCxnSpPr/>
+          <p:nvPr/>
+        </p:nvCxnSpPr>
+        <p:spPr>
+          <a:xfrm flipH="1">
+            <a:off x="2607592" y="996285"/>
+            <a:ext cx="234000" cy="1703535"/>
+          </a:xfrm>
+          <a:prstGeom prst="straightConnector1">
+            <a:avLst/>
+          </a:prstGeom>
+          <a:ln w="19050">
+            <a:solidFill>
+              <a:srgbClr val="0070C0"/>
+            </a:solidFill>
+            <a:headEnd type="none" w="med" len="med"/>
+            <a:tailEnd type="arrow" w="med" len="med"/>
+          </a:ln>
+        </p:spPr>
+        <p:style>
+          <a:lnRef idx="1">
+            <a:schemeClr val="accent1"/>
+          </a:lnRef>
+          <a:fillRef idx="0">
+            <a:schemeClr val="accent1"/>
+          </a:fillRef>
+          <a:effectRef idx="0">
+            <a:schemeClr val="accent1"/>
+          </a:effectRef>
+          <a:fontRef idx="minor">
+            <a:schemeClr val="tx1"/>
+          </a:fontRef>
+        </p:style>
+      </p:cxnSp>
+      <p:sp>
+        <p:nvSpPr>
+          <p:cNvPr id="578" name="Rectangle 577"/>
+          <p:cNvSpPr/>
+          <p:nvPr/>
+        </p:nvSpPr>
+        <p:spPr>
+          <a:xfrm>
+            <a:off x="4472609" y="608699"/>
+            <a:ext cx="843126" cy="369042"/>
+          </a:xfrm>
+          <a:prstGeom prst="rect">
+            <a:avLst/>
+          </a:prstGeom>
+        </p:spPr>
+        <p:txBody>
+          <a:bodyPr wrap="none">
+            <a:spAutoFit/>
+          </a:bodyPr>
+          <a:lstStyle/>
+          <a:p>
+            <a:r>
+              <a:rPr lang="fr-FR" sz="1600" dirty="0">
+                <a:latin typeface="Times New Roman" panose="02020603050405020304" pitchFamily="18" charset="0"/>
+                <a:cs typeface="Times New Roman" panose="02020603050405020304" pitchFamily="18" charset="0"/>
+              </a:rPr>
+              <a:t>X</a:t>
+            </a:r>
+            <a:r>
+              <a:rPr lang="fr-FR" sz="1600" baseline="30000" dirty="0">
+                <a:latin typeface="Times New Roman" panose="02020603050405020304" pitchFamily="18" charset="0"/>
+                <a:cs typeface="Times New Roman" panose="02020603050405020304" pitchFamily="18" charset="0"/>
+              </a:rPr>
+              <a:t>+</a:t>
+            </a:r>
+            <a:r>
+              <a:rPr lang="fr-FR" sz="1600" dirty="0">
+                <a:latin typeface="Times New Roman" panose="02020603050405020304" pitchFamily="18" charset="0"/>
+                <a:cs typeface="Times New Roman" panose="02020603050405020304" pitchFamily="18" charset="0"/>
+              </a:rPr>
+              <a:t>-Mn</a:t>
+            </a:r>
+            <a:endParaRPr lang="en-US" sz="1600" dirty="0"/>
+          </a:p>
+        </p:txBody>
+      </p:sp>
+      <p:sp>
+        <p:nvSpPr>
+          <p:cNvPr id="579" name="Line 17"/>
+          <p:cNvSpPr>
+            <a:spLocks noChangeShapeType="1"/>
+          </p:cNvSpPr>
+          <p:nvPr/>
+        </p:nvSpPr>
+        <p:spPr bwMode="auto">
+          <a:xfrm>
+            <a:off x="3184680" y="430083"/>
+            <a:ext cx="191572" cy="0"/>
+          </a:xfrm>
+          <a:prstGeom prst="line">
+            <a:avLst/>
+          </a:prstGeom>
+          <a:noFill/>
+          <a:ln w="28575">
+            <a:solidFill>
+              <a:schemeClr val="tx1"/>
+            </a:solidFill>
+            <a:round/>
+            <a:headEnd/>
+            <a:tailEnd/>
+          </a:ln>
+          <a:effectLst/>
+          <a:extLst>
+            <a:ext uri="{909E8E84-426E-40DD-AFC4-6F175D3DCCD1}">
+              <a14:hiddenFill xmlns:a14="http://schemas.microsoft.com/office/drawing/2010/main">
                 <a:noFill/>
-              </p:spPr>
-              <p:txBody>
-                <a:bodyPr wrap="none" rtlCol="0">
-                  <a:spAutoFit/>
-                </a:bodyPr>
-                <a:lstStyle/>
-                <a:p>
-                  <a:pPr/>
-                  <a14:m>
-                    <m:oMathPara xmlns:m="http://schemas.openxmlformats.org/officeDocument/2006/math">
-                      <m:oMathParaPr>
-                        <m:jc m:val="centerGroup"/>
-                      </m:oMathParaPr>
-                      <m:oMath xmlns:m="http://schemas.openxmlformats.org/officeDocument/2006/math">
-                        <m:d>
-                          <m:dPr>
-                            <m:begChr m:val="|"/>
-                            <m:endChr m:val=""/>
-                            <m:ctrlPr>
-                              <a:rPr lang="fr-FR" i="1" smtClean="0">
-                                <a:solidFill>
-                                  <a:srgbClr val="0066FF"/>
-                                </a:solidFill>
-                                <a:latin typeface="Cambria Math"/>
-                              </a:rPr>
-                            </m:ctrlPr>
-                          </m:dPr>
-                          <m:e>
-                            <m:d>
-                              <m:dPr>
-                                <m:begChr m:val=""/>
-                                <m:endChr m:val="⟩"/>
-                                <m:ctrlPr>
-                                  <a:rPr lang="fr-FR" i="1" smtClean="0">
-                                    <a:solidFill>
-                                      <a:srgbClr val="0066FF"/>
-                                    </a:solidFill>
-                                    <a:latin typeface="Cambria Math"/>
-                                    <a:ea typeface="Cambria Math"/>
-                                  </a:rPr>
-                                </m:ctrlPr>
-                              </m:dPr>
-                              <m:e>
-                                <m:r>
-                                  <a:rPr lang="fr-FR" i="1">
-                                    <a:solidFill>
-                                      <a:srgbClr val="0066FF"/>
-                                    </a:solidFill>
-                                    <a:latin typeface="Cambria Math"/>
-                                    <a:ea typeface="Cambria Math"/>
-                                  </a:rPr>
-                                  <m:t>⇓</m:t>
-                                </m:r>
-                              </m:e>
-                            </m:d>
-                          </m:e>
-                        </m:d>
-                      </m:oMath>
-                    </m:oMathPara>
-                  </a14:m>
-                  <a:endParaRPr lang="fr-FR" dirty="0">
-                    <a:solidFill>
-                      <a:srgbClr val="0066FF"/>
-                    </a:solidFill>
-                  </a:endParaRPr>
-                </a:p>
-              </p:txBody>
-            </p:sp>
-          </mc:Choice>
-          <mc:Fallback xmlns="">
-            <p:sp>
-              <p:nvSpPr>
-                <p:cNvPr id="585" name="ZoneTexte 584"/>
-                <p:cNvSpPr txBox="1">
-                  <a:spLocks noRot="1" noChangeAspect="1" noMove="1" noResize="1" noEditPoints="1" noAdjustHandles="1" noChangeArrowheads="1" noChangeShapeType="1" noTextEdit="1"/>
-                </p:cNvSpPr>
-                <p:nvPr/>
-              </p:nvSpPr>
-              <p:spPr>
-                <a:xfrm>
-                  <a:off x="227354" y="2555612"/>
-                  <a:ext cx="528222" cy="369332"/>
-                </a:xfrm>
-                <a:prstGeom prst="rect">
-                  <a:avLst/>
-                </a:prstGeom>
-                <a:blipFill rotWithShape="1">
-                  <a:blip r:embed="rId4"/>
-                  <a:stretch>
-                    <a:fillRect l="-51163" t="-108197" r="-77907" b="-160656"/>
-                  </a:stretch>
-                </a:blipFill>
-              </p:spPr>
-              <p:txBody>
-                <a:bodyPr/>
-                <a:lstStyle/>
-                <a:p>
-                  <a:r>
-                    <a:rPr lang="fr-FR">
-                      <a:noFill/>
-                    </a:rPr>
-                    <a:t> </a:t>
-                  </a:r>
-                </a:p>
-              </p:txBody>
-            </p:sp>
-          </mc:Fallback>
-        </mc:AlternateContent>
-      </p:grpSp>
+              </a14:hiddenFill>
+            </a:ext>
+            <a:ext uri="{AF507438-7753-43E0-B8FC-AC1667EBCBE1}">
+              <a14:hiddenEffects xmlns:a14="http://schemas.microsoft.com/office/drawing/2010/main">
+                <a:effectLst>
+                  <a:outerShdw dist="35921" dir="2700000" algn="ctr" rotWithShape="0">
+                    <a:schemeClr val="bg2"/>
+                  </a:outerShdw>
+                </a:effectLst>
+              </a14:hiddenEffects>
+            </a:ext>
+          </a:extLst>
+        </p:spPr>
+        <p:txBody>
+          <a:bodyPr/>
+          <a:lstStyle/>
+          <a:p>
+            <a:endParaRPr lang="en-US"/>
+          </a:p>
+        </p:txBody>
+      </p:sp>
+      <p:sp>
+        <p:nvSpPr>
+          <p:cNvPr id="580" name="Line 17"/>
+          <p:cNvSpPr>
+            <a:spLocks noChangeShapeType="1"/>
+          </p:cNvSpPr>
+          <p:nvPr/>
+        </p:nvSpPr>
+        <p:spPr bwMode="auto">
+          <a:xfrm>
+            <a:off x="3184926" y="1006147"/>
+            <a:ext cx="191572" cy="0"/>
+          </a:xfrm>
+          <a:prstGeom prst="line">
+            <a:avLst/>
+          </a:prstGeom>
+          <a:noFill/>
+          <a:ln w="28575">
+            <a:solidFill>
+              <a:schemeClr val="tx1"/>
+            </a:solidFill>
+            <a:round/>
+            <a:headEnd/>
+            <a:tailEnd/>
+          </a:ln>
+          <a:effectLst/>
+          <a:extLst>
+            <a:ext uri="{909E8E84-426E-40DD-AFC4-6F175D3DCCD1}">
+              <a14:hiddenFill xmlns:a14="http://schemas.microsoft.com/office/drawing/2010/main">
+                <a:noFill/>
+              </a14:hiddenFill>
+            </a:ext>
+            <a:ext uri="{AF507438-7753-43E0-B8FC-AC1667EBCBE1}">
+              <a14:hiddenEffects xmlns:a14="http://schemas.microsoft.com/office/drawing/2010/main">
+                <a:effectLst>
+                  <a:outerShdw dist="35921" dir="2700000" algn="ctr" rotWithShape="0">
+                    <a:schemeClr val="bg2"/>
+                  </a:outerShdw>
+                </a:effectLst>
+              </a14:hiddenEffects>
+            </a:ext>
+          </a:extLst>
+        </p:spPr>
+        <p:txBody>
+          <a:bodyPr/>
+          <a:lstStyle/>
+          <a:p>
+            <a:endParaRPr lang="en-US"/>
+          </a:p>
+        </p:txBody>
+      </p:sp>
+      <p:sp>
+        <p:nvSpPr>
+          <p:cNvPr id="581" name="Line 17"/>
+          <p:cNvSpPr>
+            <a:spLocks noChangeShapeType="1"/>
+          </p:cNvSpPr>
+          <p:nvPr/>
+        </p:nvSpPr>
+        <p:spPr bwMode="auto">
+          <a:xfrm>
+            <a:off x="2736274" y="430083"/>
+            <a:ext cx="191572" cy="0"/>
+          </a:xfrm>
+          <a:prstGeom prst="line">
+            <a:avLst/>
+          </a:prstGeom>
+          <a:noFill/>
+          <a:ln w="28575">
+            <a:solidFill>
+              <a:schemeClr val="tx1"/>
+            </a:solidFill>
+            <a:round/>
+            <a:headEnd/>
+            <a:tailEnd/>
+          </a:ln>
+          <a:effectLst/>
+          <a:extLst>
+            <a:ext uri="{909E8E84-426E-40DD-AFC4-6F175D3DCCD1}">
+              <a14:hiddenFill xmlns:a14="http://schemas.microsoft.com/office/drawing/2010/main">
+                <a:noFill/>
+              </a14:hiddenFill>
+            </a:ext>
+            <a:ext uri="{AF507438-7753-43E0-B8FC-AC1667EBCBE1}">
+              <a14:hiddenEffects xmlns:a14="http://schemas.microsoft.com/office/drawing/2010/main">
+                <a:effectLst>
+                  <a:outerShdw dist="35921" dir="2700000" algn="ctr" rotWithShape="0">
+                    <a:schemeClr val="bg2"/>
+                  </a:outerShdw>
+                </a:effectLst>
+              </a14:hiddenEffects>
+            </a:ext>
+          </a:extLst>
+        </p:spPr>
+        <p:txBody>
+          <a:bodyPr/>
+          <a:lstStyle/>
+          <a:p>
+            <a:endParaRPr lang="en-US"/>
+          </a:p>
+        </p:txBody>
+      </p:sp>
+      <p:sp>
+        <p:nvSpPr>
+          <p:cNvPr id="582" name="Line 17"/>
+          <p:cNvSpPr>
+            <a:spLocks noChangeShapeType="1"/>
+          </p:cNvSpPr>
+          <p:nvPr/>
+        </p:nvSpPr>
+        <p:spPr bwMode="auto">
+          <a:xfrm>
+            <a:off x="2752563" y="992314"/>
+            <a:ext cx="191572" cy="0"/>
+          </a:xfrm>
+          <a:prstGeom prst="line">
+            <a:avLst/>
+          </a:prstGeom>
+          <a:noFill/>
+          <a:ln w="28575">
+            <a:solidFill>
+              <a:schemeClr val="tx1"/>
+            </a:solidFill>
+            <a:round/>
+            <a:headEnd/>
+            <a:tailEnd/>
+          </a:ln>
+          <a:effectLst/>
+          <a:extLst>
+            <a:ext uri="{909E8E84-426E-40DD-AFC4-6F175D3DCCD1}">
+              <a14:hiddenFill xmlns:a14="http://schemas.microsoft.com/office/drawing/2010/main">
+                <a:noFill/>
+              </a14:hiddenFill>
+            </a:ext>
+            <a:ext uri="{AF507438-7753-43E0-B8FC-AC1667EBCBE1}">
+              <a14:hiddenEffects xmlns:a14="http://schemas.microsoft.com/office/drawing/2010/main">
+                <a:effectLst>
+                  <a:outerShdw dist="35921" dir="2700000" algn="ctr" rotWithShape="0">
+                    <a:schemeClr val="bg2"/>
+                  </a:outerShdw>
+                </a:effectLst>
+              </a14:hiddenEffects>
+            </a:ext>
+          </a:extLst>
+        </p:spPr>
+        <p:txBody>
+          <a:bodyPr/>
+          <a:lstStyle/>
+          <a:p>
+            <a:endParaRPr lang="en-US"/>
+          </a:p>
+        </p:txBody>
+      </p:sp>
+      <mc:AlternateContent xmlns:mc="http://schemas.openxmlformats.org/markup-compatibility/2006">
+        <mc:Choice xmlns:a14="http://schemas.microsoft.com/office/drawing/2010/main" Requires="a14">
+          <p:sp>
+            <p:nvSpPr>
+              <p:cNvPr id="584" name="ZoneTexte 583"/>
+              <p:cNvSpPr txBox="1"/>
+              <p:nvPr/>
+            </p:nvSpPr>
+            <p:spPr>
+              <a:xfrm>
+                <a:off x="4131603" y="2534193"/>
+                <a:ext cx="528222" cy="369332"/>
+              </a:xfrm>
+              <a:prstGeom prst="rect">
+                <a:avLst/>
+              </a:prstGeom>
+              <a:noFill/>
+            </p:spPr>
+            <p:txBody>
+              <a:bodyPr wrap="none" rtlCol="0">
+                <a:spAutoFit/>
+              </a:bodyPr>
+              <a:lstStyle/>
+              <a:p>
+                <a:pPr/>
+                <a14:m>
+                  <m:oMathPara xmlns:m="http://schemas.openxmlformats.org/officeDocument/2006/math">
+                    <m:oMathParaPr>
+                      <m:jc m:val="centerGroup"/>
+                    </m:oMathParaPr>
+                    <m:oMath xmlns:m="http://schemas.openxmlformats.org/officeDocument/2006/math">
+                      <m:d>
+                        <m:dPr>
+                          <m:begChr m:val="|"/>
+                          <m:endChr m:val=""/>
+                          <m:ctrlPr>
+                            <a:rPr lang="fr-FR" i="1" smtClean="0">
+                              <a:solidFill>
+                                <a:srgbClr val="FF0000"/>
+                              </a:solidFill>
+                              <a:latin typeface="Cambria Math"/>
+                            </a:rPr>
+                          </m:ctrlPr>
+                        </m:dPr>
+                        <m:e>
+                          <m:d>
+                            <m:dPr>
+                              <m:begChr m:val=""/>
+                              <m:endChr m:val="⟩"/>
+                              <m:ctrlPr>
+                                <a:rPr lang="fr-FR" i="1" smtClean="0">
+                                  <a:solidFill>
+                                    <a:srgbClr val="FF0000"/>
+                                  </a:solidFill>
+                                  <a:latin typeface="Cambria Math"/>
+                                  <a:ea typeface="Cambria Math"/>
+                                </a:rPr>
+                              </m:ctrlPr>
+                            </m:dPr>
+                            <m:e>
+                              <m:r>
+                                <a:rPr lang="fr-FR" i="1" smtClean="0">
+                                  <a:solidFill>
+                                    <a:srgbClr val="FF0000"/>
+                                  </a:solidFill>
+                                  <a:latin typeface="Cambria Math"/>
+                                  <a:ea typeface="Cambria Math"/>
+                                </a:rPr>
+                                <m:t>⇑</m:t>
+                              </m:r>
+                            </m:e>
+                          </m:d>
+                        </m:e>
+                      </m:d>
+                    </m:oMath>
+                  </m:oMathPara>
+                </a14:m>
+                <a:endParaRPr lang="fr-FR" dirty="0">
+                  <a:solidFill>
+                    <a:srgbClr val="FF0000"/>
+                  </a:solidFill>
+                </a:endParaRPr>
+              </a:p>
+            </p:txBody>
+          </p:sp>
+        </mc:Choice>
+        <mc:Fallback>
+          <p:sp>
+            <p:nvSpPr>
+              <p:cNvPr id="584" name="ZoneTexte 583"/>
+              <p:cNvSpPr txBox="1">
+                <a:spLocks noRot="1" noChangeAspect="1" noMove="1" noResize="1" noEditPoints="1" noAdjustHandles="1" noChangeArrowheads="1" noChangeShapeType="1" noTextEdit="1"/>
+              </p:cNvSpPr>
+              <p:nvPr/>
+            </p:nvSpPr>
+            <p:spPr>
+              <a:xfrm>
+                <a:off x="4131603" y="2534193"/>
+                <a:ext cx="528222" cy="369332"/>
+              </a:xfrm>
+              <a:prstGeom prst="rect">
+                <a:avLst/>
+              </a:prstGeom>
+              <a:blipFill rotWithShape="1">
+                <a:blip r:embed="rId3"/>
+                <a:stretch>
+                  <a:fillRect l="-51163" t="-110000" r="-77907" b="-165000"/>
+                </a:stretch>
+              </a:blipFill>
+            </p:spPr>
+            <p:txBody>
+              <a:bodyPr/>
+              <a:lstStyle/>
+              <a:p>
+                <a:r>
+                  <a:rPr lang="fr-FR">
+                    <a:noFill/>
+                  </a:rPr>
+                  <a:t> </a:t>
+                </a:r>
+              </a:p>
+            </p:txBody>
+          </p:sp>
+        </mc:Fallback>
+      </mc:AlternateContent>
+      <mc:AlternateContent xmlns:mc="http://schemas.openxmlformats.org/markup-compatibility/2006">
+        <mc:Choice xmlns:a14="http://schemas.microsoft.com/office/drawing/2010/main" Requires="a14">
+          <p:sp>
+            <p:nvSpPr>
+              <p:cNvPr id="585" name="ZoneTexte 584"/>
+              <p:cNvSpPr txBox="1"/>
+              <p:nvPr/>
+            </p:nvSpPr>
+            <p:spPr>
+              <a:xfrm>
+                <a:off x="1515149" y="2555612"/>
+                <a:ext cx="528222" cy="369332"/>
+              </a:xfrm>
+              <a:prstGeom prst="rect">
+                <a:avLst/>
+              </a:prstGeom>
+              <a:noFill/>
+            </p:spPr>
+            <p:txBody>
+              <a:bodyPr wrap="none" rtlCol="0">
+                <a:spAutoFit/>
+              </a:bodyPr>
+              <a:lstStyle/>
+              <a:p>
+                <a:pPr/>
+                <a14:m>
+                  <m:oMathPara xmlns:m="http://schemas.openxmlformats.org/officeDocument/2006/math">
+                    <m:oMathParaPr>
+                      <m:jc m:val="centerGroup"/>
+                    </m:oMathParaPr>
+                    <m:oMath xmlns:m="http://schemas.openxmlformats.org/officeDocument/2006/math">
+                      <m:d>
+                        <m:dPr>
+                          <m:begChr m:val="|"/>
+                          <m:endChr m:val=""/>
+                          <m:ctrlPr>
+                            <a:rPr lang="fr-FR" i="1" smtClean="0">
+                              <a:solidFill>
+                                <a:srgbClr val="0066FF"/>
+                              </a:solidFill>
+                              <a:latin typeface="Cambria Math"/>
+                            </a:rPr>
+                          </m:ctrlPr>
+                        </m:dPr>
+                        <m:e>
+                          <m:d>
+                            <m:dPr>
+                              <m:begChr m:val=""/>
+                              <m:endChr m:val="⟩"/>
+                              <m:ctrlPr>
+                                <a:rPr lang="fr-FR" i="1" smtClean="0">
+                                  <a:solidFill>
+                                    <a:srgbClr val="0066FF"/>
+                                  </a:solidFill>
+                                  <a:latin typeface="Cambria Math"/>
+                                  <a:ea typeface="Cambria Math"/>
+                                </a:rPr>
+                              </m:ctrlPr>
+                            </m:dPr>
+                            <m:e>
+                              <m:r>
+                                <a:rPr lang="fr-FR" i="1">
+                                  <a:solidFill>
+                                    <a:srgbClr val="0066FF"/>
+                                  </a:solidFill>
+                                  <a:latin typeface="Cambria Math"/>
+                                  <a:ea typeface="Cambria Math"/>
+                                </a:rPr>
+                                <m:t>⇓</m:t>
+                              </m:r>
+                            </m:e>
+                          </m:d>
+                        </m:e>
+                      </m:d>
+                    </m:oMath>
+                  </m:oMathPara>
+                </a14:m>
+                <a:endParaRPr lang="fr-FR" dirty="0">
+                  <a:solidFill>
+                    <a:srgbClr val="0066FF"/>
+                  </a:solidFill>
+                </a:endParaRPr>
+              </a:p>
+            </p:txBody>
+          </p:sp>
+        </mc:Choice>
+        <mc:Fallback>
+          <p:sp>
+            <p:nvSpPr>
+              <p:cNvPr id="585" name="ZoneTexte 584"/>
+              <p:cNvSpPr txBox="1">
+                <a:spLocks noRot="1" noChangeAspect="1" noMove="1" noResize="1" noEditPoints="1" noAdjustHandles="1" noChangeArrowheads="1" noChangeShapeType="1" noTextEdit="1"/>
+              </p:cNvSpPr>
+              <p:nvPr/>
+            </p:nvSpPr>
+            <p:spPr>
+              <a:xfrm>
+                <a:off x="1515149" y="2555612"/>
+                <a:ext cx="528222" cy="369332"/>
+              </a:xfrm>
+              <a:prstGeom prst="rect">
+                <a:avLst/>
+              </a:prstGeom>
+              <a:blipFill rotWithShape="1">
+                <a:blip r:embed="rId4"/>
+                <a:stretch>
+                  <a:fillRect l="-51163" t="-108197" r="-77907" b="-160656"/>
+                </a:stretch>
+              </a:blipFill>
+            </p:spPr>
+            <p:txBody>
+              <a:bodyPr/>
+              <a:lstStyle/>
+              <a:p>
+                <a:r>
+                  <a:rPr lang="fr-FR">
+                    <a:noFill/>
+                  </a:rPr>
+                  <a:t> </a:t>
+                </a:r>
+              </a:p>
+            </p:txBody>
+          </p:sp>
+        </mc:Fallback>
+      </mc:AlternateContent>
       <p:pic>
         <p:nvPicPr>
           <p:cNvPr id="586" name="Picture 12"/>
@@ -6774,7 +6757,7 @@
         <p:spPr>
           <a:xfrm>
             <a:off x="720006" y="4276650"/>
-            <a:ext cx="599844" cy="569387"/>
+            <a:ext cx="617477" cy="600164"/>
           </a:xfrm>
           <a:prstGeom prst="rect">
             <a:avLst/>
@@ -6816,36 +6799,16 @@
           </a:p>
           <a:p>
             <a:r>
-              <a:rPr lang="fr-FR" sz="1200" b="1" dirty="0" err="1" smtClean="0">
+              <a:rPr lang="fr-FR" sz="1400" b="1" dirty="0" smtClean="0">
                 <a:solidFill>
                   <a:schemeClr val="bg1"/>
                 </a:solidFill>
                 <a:latin typeface="Times New Roman" panose="02020603050405020304" pitchFamily="18" charset="0"/>
                 <a:cs typeface="Times New Roman" panose="02020603050405020304" pitchFamily="18" charset="0"/>
               </a:rPr>
-              <a:t>B</a:t>
-            </a:r>
-            <a:r>
-              <a:rPr lang="fr-FR" sz="1200" b="1" baseline="-25000" dirty="0" err="1" smtClean="0">
-                <a:solidFill>
-                  <a:schemeClr val="bg1"/>
-                </a:solidFill>
-                <a:latin typeface="Times New Roman" panose="02020603050405020304" pitchFamily="18" charset="0"/>
-                <a:cs typeface="Times New Roman" panose="02020603050405020304" pitchFamily="18" charset="0"/>
-              </a:rPr>
-              <a:t>z</a:t>
-            </a:r>
-            <a:r>
-              <a:rPr lang="fr-FR" sz="1200" b="1" dirty="0" smtClean="0">
-                <a:solidFill>
-                  <a:schemeClr val="bg1"/>
-                </a:solidFill>
-                <a:latin typeface="Times New Roman" panose="02020603050405020304" pitchFamily="18" charset="0"/>
-                <a:cs typeface="Times New Roman" panose="02020603050405020304" pitchFamily="18" charset="0"/>
-              </a:rPr>
-              <a:t>=0T</a:t>
-            </a:r>
-            <a:endParaRPr lang="en-US" sz="1200" b="1" dirty="0">
+              <a:t>B=0T</a:t>
+            </a:r>
+            <a:endParaRPr lang="en-US" sz="1400" b="1" dirty="0">
               <a:solidFill>
                 <a:schemeClr val="bg1"/>
               </a:solidFill>
@@ -6916,7 +6879,7 @@
         <p:spPr>
           <a:xfrm>
             <a:off x="720006" y="5581039"/>
-            <a:ext cx="556563" cy="461665"/>
+            <a:ext cx="619080" cy="523220"/>
           </a:xfrm>
           <a:prstGeom prst="rect">
             <a:avLst/>
@@ -6930,7 +6893,7 @@
           <a:lstStyle/>
           <a:p>
             <a:r>
-              <a:rPr lang="fr-FR" sz="1200" b="1" dirty="0" err="1" smtClean="0">
+              <a:rPr lang="fr-FR" sz="1400" b="1" dirty="0" err="1" smtClean="0">
                 <a:solidFill>
                   <a:schemeClr val="bg1"/>
                 </a:solidFill>
@@ -6940,7 +6903,7 @@
               <a:t>B</a:t>
             </a:r>
             <a:r>
-              <a:rPr lang="fr-FR" sz="1200" b="1" baseline="-25000" dirty="0" err="1" smtClean="0">
+              <a:rPr lang="fr-FR" sz="1400" b="1" baseline="-25000" dirty="0" err="1" smtClean="0">
                 <a:solidFill>
                   <a:schemeClr val="bg1"/>
                 </a:solidFill>
@@ -6950,7 +6913,7 @@
               <a:t>z</a:t>
             </a:r>
             <a:r>
-              <a:rPr lang="fr-FR" sz="1200" b="1" dirty="0" smtClean="0">
+              <a:rPr lang="fr-FR" sz="1400" b="1" dirty="0" smtClean="0">
                 <a:solidFill>
                   <a:schemeClr val="bg1"/>
                 </a:solidFill>
@@ -6962,7 +6925,7 @@
           </a:p>
           <a:p>
             <a:r>
-              <a:rPr lang="fr-FR" sz="1200" b="1" dirty="0" smtClean="0">
+              <a:rPr lang="fr-FR" sz="1400" b="1" dirty="0" smtClean="0">
                 <a:solidFill>
                   <a:schemeClr val="bg1"/>
                 </a:solidFill>
@@ -6971,7 +6934,7 @@
               </a:rPr>
               <a:t>0.42T</a:t>
             </a:r>
-            <a:endParaRPr lang="en-US" sz="1200" b="1" dirty="0">
+            <a:endParaRPr lang="en-US" sz="1400" b="1" dirty="0">
               <a:solidFill>
                 <a:schemeClr val="bg1"/>
               </a:solidFill>

--- a/03-h-Mn/Pictures/Spinstructv2.pptx
+++ b/03-h-Mn/Pictures/Spinstructv2.pptx
@@ -192,7 +192,7 @@
           <a:p>
             <a:fld id="{A3EF6FB5-136D-4CF9-BD29-BEE1BA05A92C}" type="datetimeFigureOut">
               <a:rPr lang="fr-FR" smtClean="0"/>
-              <a:t>13/07/2017</a:t>
+              <a:t>21/09/2017</a:t>
             </a:fld>
             <a:endParaRPr lang="fr-FR"/>
           </a:p>
@@ -730,7 +730,7 @@
           <a:p>
             <a:fld id="{A5FDAA2F-14BA-4317-9AFA-84C92A21E2BC}" type="datetimeFigureOut">
               <a:rPr lang="fr-FR" smtClean="0"/>
-              <a:t>13/07/2017</a:t>
+              <a:t>21/09/2017</a:t>
             </a:fld>
             <a:endParaRPr lang="fr-FR"/>
           </a:p>
@@ -900,7 +900,7 @@
           <a:p>
             <a:fld id="{A5FDAA2F-14BA-4317-9AFA-84C92A21E2BC}" type="datetimeFigureOut">
               <a:rPr lang="fr-FR" smtClean="0"/>
-              <a:t>13/07/2017</a:t>
+              <a:t>21/09/2017</a:t>
             </a:fld>
             <a:endParaRPr lang="fr-FR"/>
           </a:p>
@@ -1080,7 +1080,7 @@
           <a:p>
             <a:fld id="{A5FDAA2F-14BA-4317-9AFA-84C92A21E2BC}" type="datetimeFigureOut">
               <a:rPr lang="fr-FR" smtClean="0"/>
-              <a:t>13/07/2017</a:t>
+              <a:t>21/09/2017</a:t>
             </a:fld>
             <a:endParaRPr lang="fr-FR"/>
           </a:p>
@@ -1250,7 +1250,7 @@
           <a:p>
             <a:fld id="{A5FDAA2F-14BA-4317-9AFA-84C92A21E2BC}" type="datetimeFigureOut">
               <a:rPr lang="fr-FR" smtClean="0"/>
-              <a:t>13/07/2017</a:t>
+              <a:t>21/09/2017</a:t>
             </a:fld>
             <a:endParaRPr lang="fr-FR"/>
           </a:p>
@@ -1496,7 +1496,7 @@
           <a:p>
             <a:fld id="{A5FDAA2F-14BA-4317-9AFA-84C92A21E2BC}" type="datetimeFigureOut">
               <a:rPr lang="fr-FR" smtClean="0"/>
-              <a:t>13/07/2017</a:t>
+              <a:t>21/09/2017</a:t>
             </a:fld>
             <a:endParaRPr lang="fr-FR"/>
           </a:p>
@@ -1784,7 +1784,7 @@
           <a:p>
             <a:fld id="{A5FDAA2F-14BA-4317-9AFA-84C92A21E2BC}" type="datetimeFigureOut">
               <a:rPr lang="fr-FR" smtClean="0"/>
-              <a:t>13/07/2017</a:t>
+              <a:t>21/09/2017</a:t>
             </a:fld>
             <a:endParaRPr lang="fr-FR"/>
           </a:p>
@@ -2206,7 +2206,7 @@
           <a:p>
             <a:fld id="{A5FDAA2F-14BA-4317-9AFA-84C92A21E2BC}" type="datetimeFigureOut">
               <a:rPr lang="fr-FR" smtClean="0"/>
-              <a:t>13/07/2017</a:t>
+              <a:t>21/09/2017</a:t>
             </a:fld>
             <a:endParaRPr lang="fr-FR"/>
           </a:p>
@@ -2324,7 +2324,7 @@
           <a:p>
             <a:fld id="{A5FDAA2F-14BA-4317-9AFA-84C92A21E2BC}" type="datetimeFigureOut">
               <a:rPr lang="fr-FR" smtClean="0"/>
-              <a:t>13/07/2017</a:t>
+              <a:t>21/09/2017</a:t>
             </a:fld>
             <a:endParaRPr lang="fr-FR"/>
           </a:p>
@@ -2419,7 +2419,7 @@
           <a:p>
             <a:fld id="{A5FDAA2F-14BA-4317-9AFA-84C92A21E2BC}" type="datetimeFigureOut">
               <a:rPr lang="fr-FR" smtClean="0"/>
-              <a:t>13/07/2017</a:t>
+              <a:t>21/09/2017</a:t>
             </a:fld>
             <a:endParaRPr lang="fr-FR"/>
           </a:p>
@@ -2696,7 +2696,7 @@
           <a:p>
             <a:fld id="{A5FDAA2F-14BA-4317-9AFA-84C92A21E2BC}" type="datetimeFigureOut">
               <a:rPr lang="fr-FR" smtClean="0"/>
-              <a:t>13/07/2017</a:t>
+              <a:t>21/09/2017</a:t>
             </a:fld>
             <a:endParaRPr lang="fr-FR"/>
           </a:p>
@@ -2949,7 +2949,7 @@
           <a:p>
             <a:fld id="{A5FDAA2F-14BA-4317-9AFA-84C92A21E2BC}" type="datetimeFigureOut">
               <a:rPr lang="fr-FR" smtClean="0"/>
-              <a:t>13/07/2017</a:t>
+              <a:t>21/09/2017</a:t>
             </a:fld>
             <a:endParaRPr lang="fr-FR"/>
           </a:p>
@@ -3162,7 +3162,7 @@
           <a:p>
             <a:fld id="{A5FDAA2F-14BA-4317-9AFA-84C92A21E2BC}" type="datetimeFigureOut">
               <a:rPr lang="fr-FR" smtClean="0"/>
-              <a:t>13/07/2017</a:t>
+              <a:t>21/09/2017</a:t>
             </a:fld>
             <a:endParaRPr lang="fr-FR"/>
           </a:p>
@@ -6252,8 +6252,8 @@
           </a:p>
         </p:txBody>
       </p:sp>
-      <mc:AlternateContent xmlns:mc="http://schemas.openxmlformats.org/markup-compatibility/2006">
-        <mc:Choice xmlns:a14="http://schemas.microsoft.com/office/drawing/2010/main" Requires="a14">
+      <mc:AlternateContent xmlns:mc="http://schemas.openxmlformats.org/markup-compatibility/2006" xmlns:a14="http://schemas.microsoft.com/office/drawing/2010/main">
+        <mc:Choice Requires="a14">
           <p:sp>
             <p:nvSpPr>
               <p:cNvPr id="584" name="ZoneTexte 583"/>
@@ -6338,7 +6338,7 @@
             </p:txBody>
           </p:sp>
         </mc:Choice>
-        <mc:Fallback>
+        <mc:Fallback xmlns="">
           <p:sp>
             <p:nvSpPr>
               <p:cNvPr id="584" name="ZoneTexte 583"/>
@@ -6377,8 +6377,8 @@
           </p:sp>
         </mc:Fallback>
       </mc:AlternateContent>
-      <mc:AlternateContent xmlns:mc="http://schemas.openxmlformats.org/markup-compatibility/2006">
-        <mc:Choice xmlns:a14="http://schemas.microsoft.com/office/drawing/2010/main" Requires="a14">
+      <mc:AlternateContent xmlns:mc="http://schemas.openxmlformats.org/markup-compatibility/2006" xmlns:a14="http://schemas.microsoft.com/office/drawing/2010/main">
+        <mc:Choice Requires="a14">
           <p:sp>
             <p:nvSpPr>
               <p:cNvPr id="585" name="ZoneTexte 584"/>
@@ -6463,7 +6463,7 @@
             </p:txBody>
           </p:sp>
         </mc:Choice>
-        <mc:Fallback>
+        <mc:Fallback xmlns="">
           <p:sp>
             <p:nvSpPr>
               <p:cNvPr id="585" name="ZoneTexte 584"/>
@@ -6910,7 +6910,7 @@
                 <a:latin typeface="Times New Roman" panose="02020603050405020304" pitchFamily="18" charset="0"/>
                 <a:cs typeface="Times New Roman" panose="02020603050405020304" pitchFamily="18" charset="0"/>
               </a:rPr>
-              <a:t>z</a:t>
+              <a:t>x</a:t>
             </a:r>
             <a:r>
               <a:rPr lang="fr-FR" sz="1400" b="1" dirty="0" smtClean="0">
@@ -6922,6 +6922,13 @@
               </a:rPr>
               <a:t>=</a:t>
             </a:r>
+            <a:endParaRPr lang="fr-FR" sz="1400" b="1" dirty="0" smtClean="0">
+              <a:solidFill>
+                <a:schemeClr val="bg1"/>
+              </a:solidFill>
+              <a:latin typeface="Times New Roman" panose="02020603050405020304" pitchFamily="18" charset="0"/>
+              <a:cs typeface="Times New Roman" panose="02020603050405020304" pitchFamily="18" charset="0"/>
+            </a:endParaRPr>
           </a:p>
           <a:p>
             <a:r>

--- a/03-h-Mn/Pictures/Spinstructv2.pptx
+++ b/03-h-Mn/Pictures/Spinstructv2.pptx
@@ -192,7 +192,7 @@
           <a:p>
             <a:fld id="{A3EF6FB5-136D-4CF9-BD29-BEE1BA05A92C}" type="datetimeFigureOut">
               <a:rPr lang="fr-FR" smtClean="0"/>
-              <a:t>21/09/2017</a:t>
+              <a:t>16/10/2017</a:t>
             </a:fld>
             <a:endParaRPr lang="fr-FR"/>
           </a:p>
@@ -730,7 +730,7 @@
           <a:p>
             <a:fld id="{A5FDAA2F-14BA-4317-9AFA-84C92A21E2BC}" type="datetimeFigureOut">
               <a:rPr lang="fr-FR" smtClean="0"/>
-              <a:t>21/09/2017</a:t>
+              <a:t>16/10/2017</a:t>
             </a:fld>
             <a:endParaRPr lang="fr-FR"/>
           </a:p>
@@ -900,7 +900,7 @@
           <a:p>
             <a:fld id="{A5FDAA2F-14BA-4317-9AFA-84C92A21E2BC}" type="datetimeFigureOut">
               <a:rPr lang="fr-FR" smtClean="0"/>
-              <a:t>21/09/2017</a:t>
+              <a:t>16/10/2017</a:t>
             </a:fld>
             <a:endParaRPr lang="fr-FR"/>
           </a:p>
@@ -1080,7 +1080,7 @@
           <a:p>
             <a:fld id="{A5FDAA2F-14BA-4317-9AFA-84C92A21E2BC}" type="datetimeFigureOut">
               <a:rPr lang="fr-FR" smtClean="0"/>
-              <a:t>21/09/2017</a:t>
+              <a:t>16/10/2017</a:t>
             </a:fld>
             <a:endParaRPr lang="fr-FR"/>
           </a:p>
@@ -1250,7 +1250,7 @@
           <a:p>
             <a:fld id="{A5FDAA2F-14BA-4317-9AFA-84C92A21E2BC}" type="datetimeFigureOut">
               <a:rPr lang="fr-FR" smtClean="0"/>
-              <a:t>21/09/2017</a:t>
+              <a:t>16/10/2017</a:t>
             </a:fld>
             <a:endParaRPr lang="fr-FR"/>
           </a:p>
@@ -1496,7 +1496,7 @@
           <a:p>
             <a:fld id="{A5FDAA2F-14BA-4317-9AFA-84C92A21E2BC}" type="datetimeFigureOut">
               <a:rPr lang="fr-FR" smtClean="0"/>
-              <a:t>21/09/2017</a:t>
+              <a:t>16/10/2017</a:t>
             </a:fld>
             <a:endParaRPr lang="fr-FR"/>
           </a:p>
@@ -1784,7 +1784,7 @@
           <a:p>
             <a:fld id="{A5FDAA2F-14BA-4317-9AFA-84C92A21E2BC}" type="datetimeFigureOut">
               <a:rPr lang="fr-FR" smtClean="0"/>
-              <a:t>21/09/2017</a:t>
+              <a:t>16/10/2017</a:t>
             </a:fld>
             <a:endParaRPr lang="fr-FR"/>
           </a:p>
@@ -2206,7 +2206,7 @@
           <a:p>
             <a:fld id="{A5FDAA2F-14BA-4317-9AFA-84C92A21E2BC}" type="datetimeFigureOut">
               <a:rPr lang="fr-FR" smtClean="0"/>
-              <a:t>21/09/2017</a:t>
+              <a:t>16/10/2017</a:t>
             </a:fld>
             <a:endParaRPr lang="fr-FR"/>
           </a:p>
@@ -2324,7 +2324,7 @@
           <a:p>
             <a:fld id="{A5FDAA2F-14BA-4317-9AFA-84C92A21E2BC}" type="datetimeFigureOut">
               <a:rPr lang="fr-FR" smtClean="0"/>
-              <a:t>21/09/2017</a:t>
+              <a:t>16/10/2017</a:t>
             </a:fld>
             <a:endParaRPr lang="fr-FR"/>
           </a:p>
@@ -2419,7 +2419,7 @@
           <a:p>
             <a:fld id="{A5FDAA2F-14BA-4317-9AFA-84C92A21E2BC}" type="datetimeFigureOut">
               <a:rPr lang="fr-FR" smtClean="0"/>
-              <a:t>21/09/2017</a:t>
+              <a:t>16/10/2017</a:t>
             </a:fld>
             <a:endParaRPr lang="fr-FR"/>
           </a:p>
@@ -2696,7 +2696,7 @@
           <a:p>
             <a:fld id="{A5FDAA2F-14BA-4317-9AFA-84C92A21E2BC}" type="datetimeFigureOut">
               <a:rPr lang="fr-FR" smtClean="0"/>
-              <a:t>21/09/2017</a:t>
+              <a:t>16/10/2017</a:t>
             </a:fld>
             <a:endParaRPr lang="fr-FR"/>
           </a:p>
@@ -2949,7 +2949,7 @@
           <a:p>
             <a:fld id="{A5FDAA2F-14BA-4317-9AFA-84C92A21E2BC}" type="datetimeFigureOut">
               <a:rPr lang="fr-FR" smtClean="0"/>
-              <a:t>21/09/2017</a:t>
+              <a:t>16/10/2017</a:t>
             </a:fld>
             <a:endParaRPr lang="fr-FR"/>
           </a:p>
@@ -3162,7 +3162,7 @@
           <a:p>
             <a:fld id="{A5FDAA2F-14BA-4317-9AFA-84C92A21E2BC}" type="datetimeFigureOut">
               <a:rPr lang="fr-FR" smtClean="0"/>
-              <a:t>21/09/2017</a:t>
+              <a:t>16/10/2017</a:t>
             </a:fld>
             <a:endParaRPr lang="fr-FR"/>
           </a:p>
@@ -6757,7 +6757,7 @@
         <p:spPr>
           <a:xfrm>
             <a:off x="720006" y="4276650"/>
-            <a:ext cx="617477" cy="600164"/>
+            <a:ext cx="636713" cy="815608"/>
           </a:xfrm>
           <a:prstGeom prst="rect">
             <a:avLst/>
@@ -6780,7 +6780,7 @@
               </a:rPr>
               <a:t>Exp</a:t>
             </a:r>
-            <a:endParaRPr lang="fr-FR" sz="1400" b="1" dirty="0">
+            <a:endParaRPr lang="fr-FR" sz="1400" b="1" dirty="0" smtClean="0">
               <a:solidFill>
                 <a:schemeClr val="bg1"/>
               </a:solidFill>
@@ -6789,6 +6789,25 @@
             </a:endParaRPr>
           </a:p>
           <a:p>
+            <a:endParaRPr lang="fr-FR" sz="500" b="1" dirty="0" smtClean="0">
+              <a:solidFill>
+                <a:schemeClr val="bg1"/>
+              </a:solidFill>
+              <a:latin typeface="Times New Roman" panose="02020603050405020304" pitchFamily="18" charset="0"/>
+              <a:cs typeface="Times New Roman" panose="02020603050405020304" pitchFamily="18" charset="0"/>
+            </a:endParaRPr>
+          </a:p>
+          <a:p>
+            <a:r>
+              <a:rPr lang="fr-FR" sz="1400" b="1" dirty="0" smtClean="0">
+                <a:solidFill>
+                  <a:schemeClr val="bg1"/>
+                </a:solidFill>
+                <a:latin typeface="Times New Roman" panose="02020603050405020304" pitchFamily="18" charset="0"/>
+                <a:cs typeface="Times New Roman" panose="02020603050405020304" pitchFamily="18" charset="0"/>
+              </a:rPr>
+              <a:t>T=5K</a:t>
+            </a:r>
             <a:endParaRPr lang="fr-FR" sz="500" b="1" dirty="0" smtClean="0">
               <a:solidFill>
                 <a:schemeClr val="bg1"/>
@@ -6808,13 +6827,6 @@
               </a:rPr>
               <a:t>B=0T</a:t>
             </a:r>
-            <a:endParaRPr lang="en-US" sz="1400" b="1" dirty="0">
-              <a:solidFill>
-                <a:schemeClr val="bg1"/>
-              </a:solidFill>
-              <a:latin typeface="Times New Roman" panose="02020603050405020304" pitchFamily="18" charset="0"/>
-              <a:cs typeface="Times New Roman" panose="02020603050405020304" pitchFamily="18" charset="0"/>
-            </a:endParaRPr>
           </a:p>
         </p:txBody>
       </p:sp>
@@ -6879,7 +6891,7 @@
         <p:spPr>
           <a:xfrm>
             <a:off x="720006" y="5581039"/>
-            <a:ext cx="619080" cy="523220"/>
+            <a:ext cx="636713" cy="738664"/>
           </a:xfrm>
           <a:prstGeom prst="rect">
             <a:avLst/>
@@ -6891,6 +6903,18 @@
             <a:spAutoFit/>
           </a:bodyPr>
           <a:lstStyle/>
+          <a:p>
+            <a:r>
+              <a:rPr lang="fr-FR" sz="1400" b="1" dirty="0" smtClean="0">
+                <a:solidFill>
+                  <a:schemeClr val="bg1"/>
+                </a:solidFill>
+                <a:latin typeface="Times New Roman" panose="02020603050405020304" pitchFamily="18" charset="0"/>
+                <a:cs typeface="Times New Roman" panose="02020603050405020304" pitchFamily="18" charset="0"/>
+              </a:rPr>
+              <a:t>T=5K</a:t>
+            </a:r>
+          </a:p>
           <a:p>
             <a:r>
               <a:rPr lang="fr-FR" sz="1400" b="1" dirty="0" err="1" smtClean="0">
@@ -6903,7 +6927,7 @@
               <a:t>B</a:t>
             </a:r>
             <a:r>
-              <a:rPr lang="fr-FR" sz="1400" b="1" baseline="-25000" dirty="0" err="1" smtClean="0">
+              <a:rPr lang="fr-FR" sz="1400" b="1" baseline="-25000" dirty="0" err="1">
                 <a:solidFill>
                   <a:schemeClr val="bg1"/>
                 </a:solidFill>
@@ -6941,13 +6965,6 @@
               </a:rPr>
               <a:t>0.42T</a:t>
             </a:r>
-            <a:endParaRPr lang="en-US" sz="1400" b="1" dirty="0">
-              <a:solidFill>
-                <a:schemeClr val="bg1"/>
-              </a:solidFill>
-              <a:latin typeface="Times New Roman" panose="02020603050405020304" pitchFamily="18" charset="0"/>
-              <a:cs typeface="Times New Roman" panose="02020603050405020304" pitchFamily="18" charset="0"/>
-            </a:endParaRPr>
           </a:p>
         </p:txBody>
       </p:sp>
